--- a/Resources/CHP Layout 1_13_2025.pptx
+++ b/Resources/CHP Layout 1_13_2025.pptx
@@ -21,7 +21,6 @@
     <p:sldId id="266" r:id="rId17"/>
     <p:sldId id="267" r:id="rId18"/>
     <p:sldId id="268" r:id="rId19"/>
-    <p:sldId id="269" r:id="rId20"/>
   </p:sldIdLst>
   <p:sldSz cy="5143500" cx="9144000"/>
   <p:notesSz cx="6858000" cy="9144000"/>
@@ -281,55 +280,50 @@
 
 <file path=ppt/comments/comment1.xml><?xml version="1.0" encoding="utf-8"?>
 <p:cmLst xmlns:a="http://schemas.openxmlformats.org/drawingml/2006/main" xmlns:r="http://schemas.openxmlformats.org/officeDocument/2006/relationships" xmlns:mc="http://schemas.openxmlformats.org/markup-compatibility/2006" xmlns:mv="urn:schemas-microsoft-com:mac:vml" xmlns:p="http://schemas.openxmlformats.org/presentationml/2006/main" xmlns:c="http://schemas.openxmlformats.org/drawingml/2006/chart" xmlns:dgm="http://schemas.openxmlformats.org/drawingml/2006/diagram" xmlns:o="urn:schemas-microsoft-com:office:office" xmlns:v="urn:schemas-microsoft-com:vml" xmlns:pvml="urn:schemas-microsoft-com:office:powerpoint" xmlns:com="http://schemas.openxmlformats.org/drawingml/2006/compatibility" xmlns:p14="http://schemas.microsoft.com/office/powerpoint/2010/main" xmlns:p15="http://schemas.microsoft.com/office/powerpoint/2012/main" xmlns:ahyp="http://schemas.microsoft.com/office/drawing/2018/hyperlinkcolor">
-  <p:cm authorId="0" idx="1" dt="2024-12-30T04:30:08.756">
-    <p:pos x="3570" y="686"/>
-    <p:text>this would be ai generated as well</p:text>
+  <p:cm authorId="0" idx="1" dt="2024-12-30T01:13:13.078">
+    <p:pos x="0" y="291"/>
+    <p:text>make side bar is hide-able</p:text>
   </p:cm>
-  <p:cm authorId="0" idx="2" dt="2024-12-30T11:34:53.071">
-    <p:pos x="1143" y="2638"/>
-    <p:text>This map would be much larger but is shrunken to fit on this slide.</p:text>
-  </p:cm>
-  <p:cm authorId="0" idx="3" dt="2024-12-30T01:12:49.905">
+  <p:cm authorId="0" idx="2" dt="2024-12-30T01:12:49.905">
     <p:pos x="1141" y="70"/>
     <p:text>tool bar</p:text>
-  </p:cm>
-  <p:cm authorId="0" idx="4" dt="2024-12-30T01:28:43.257">
-    <p:pos x="1077" y="2357"/>
-    <p:text>map of suburban cook county, the community of interest, community x, will be highlighted on the map</p:text>
-  </p:cm>
-  <p:cm authorId="0" idx="5" dt="2024-12-30T04:26:39.439">
-    <p:pos x="1143" y="686"/>
-    <p:text>strengths and weaknesses would be AI generated (if included)</p:text>
-  </p:cm>
-  <p:cm authorId="0" idx="6" dt="2024-12-30T01:13:13.078">
-    <p:pos x="0" y="432"/>
-    <p:text>make side bar is hide-able</p:text>
   </p:cm>
 </p:cmLst>
 </file>
 
 <file path=ppt/comments/comment2.xml><?xml version="1.0" encoding="utf-8"?>
 <p:cmLst xmlns:a="http://schemas.openxmlformats.org/drawingml/2006/main" xmlns:r="http://schemas.openxmlformats.org/officeDocument/2006/relationships" xmlns:mc="http://schemas.openxmlformats.org/markup-compatibility/2006" xmlns:mv="urn:schemas-microsoft-com:mac:vml" xmlns:p="http://schemas.openxmlformats.org/presentationml/2006/main" xmlns:c="http://schemas.openxmlformats.org/drawingml/2006/chart" xmlns:dgm="http://schemas.openxmlformats.org/drawingml/2006/diagram" xmlns:o="urn:schemas-microsoft-com:office:office" xmlns:v="urn:schemas-microsoft-com:vml" xmlns:pvml="urn:schemas-microsoft-com:office:powerpoint" xmlns:com="http://schemas.openxmlformats.org/drawingml/2006/compatibility" xmlns:p14="http://schemas.microsoft.com/office/powerpoint/2010/main" xmlns:p15="http://schemas.microsoft.com/office/powerpoint/2012/main" xmlns:ahyp="http://schemas.microsoft.com/office/drawing/2018/hyperlinkcolor">
-  <p:cm authorId="0" idx="7" dt="2024-12-30T01:50:42.959">
-    <p:pos x="797" y="209"/>
-    <p:text>Maybe don't include?</p:text>
+  <p:cm authorId="0" idx="3" dt="2024-12-30T01:13:13.078">
+    <p:pos x="0" y="0"/>
+    <p:text>make side bar is hide-able</p:text>
   </p:cm>
 </p:cmLst>
 </file>
 
 <file path=ppt/comments/comment3.xml><?xml version="1.0" encoding="utf-8"?>
 <p:cmLst xmlns:a="http://schemas.openxmlformats.org/drawingml/2006/main" xmlns:r="http://schemas.openxmlformats.org/officeDocument/2006/relationships" xmlns:mc="http://schemas.openxmlformats.org/markup-compatibility/2006" xmlns:mv="urn:schemas-microsoft-com:mac:vml" xmlns:p="http://schemas.openxmlformats.org/presentationml/2006/main" xmlns:c="http://schemas.openxmlformats.org/drawingml/2006/chart" xmlns:dgm="http://schemas.openxmlformats.org/drawingml/2006/diagram" xmlns:o="urn:schemas-microsoft-com:office:office" xmlns:v="urn:schemas-microsoft-com:vml" xmlns:pvml="urn:schemas-microsoft-com:office:powerpoint" xmlns:com="http://schemas.openxmlformats.org/drawingml/2006/compatibility" xmlns:p14="http://schemas.microsoft.com/office/powerpoint/2010/main" xmlns:p15="http://schemas.microsoft.com/office/powerpoint/2012/main" xmlns:ahyp="http://schemas.microsoft.com/office/drawing/2018/hyperlinkcolor">
-  <p:cm authorId="0" idx="8" dt="2024-12-30T01:13:13.078">
-    <p:pos x="0" y="0"/>
-    <p:text>make side bar is hide-able</p:text>
+  <p:cm authorId="0" idx="4" dt="2024-12-30T04:30:08.756">
+    <p:pos x="3570" y="686"/>
+    <p:text>this would be ai generated as well</p:text>
   </p:cm>
-</p:cmLst>
-</file>
-
-<file path=ppt/comments/comment4.xml><?xml version="1.0" encoding="utf-8"?>
-<p:cmLst xmlns:a="http://schemas.openxmlformats.org/drawingml/2006/main" xmlns:r="http://schemas.openxmlformats.org/officeDocument/2006/relationships" xmlns:mc="http://schemas.openxmlformats.org/markup-compatibility/2006" xmlns:mv="urn:schemas-microsoft-com:mac:vml" xmlns:p="http://schemas.openxmlformats.org/presentationml/2006/main" xmlns:c="http://schemas.openxmlformats.org/drawingml/2006/chart" xmlns:dgm="http://schemas.openxmlformats.org/drawingml/2006/diagram" xmlns:o="urn:schemas-microsoft-com:office:office" xmlns:v="urn:schemas-microsoft-com:vml" xmlns:pvml="urn:schemas-microsoft-com:office:powerpoint" xmlns:com="http://schemas.openxmlformats.org/drawingml/2006/compatibility" xmlns:p14="http://schemas.microsoft.com/office/powerpoint/2010/main" xmlns:p15="http://schemas.microsoft.com/office/powerpoint/2012/main" xmlns:ahyp="http://schemas.microsoft.com/office/drawing/2018/hyperlinkcolor">
+  <p:cm authorId="0" idx="5" dt="2024-12-30T11:34:53.071">
+    <p:pos x="1143" y="2638"/>
+    <p:text>This map would be much larger but is shrunken to fit on this slide.</p:text>
+  </p:cm>
+  <p:cm authorId="0" idx="6" dt="2024-12-30T01:12:49.905">
+    <p:pos x="1141" y="70"/>
+    <p:text>tool bar</p:text>
+  </p:cm>
+  <p:cm authorId="0" idx="7" dt="2024-12-30T01:28:43.257">
+    <p:pos x="1077" y="2357"/>
+    <p:text>map of suburban cook county, the community of interest, community x, will be highlighted on the map</p:text>
+  </p:cm>
+  <p:cm authorId="0" idx="8" dt="2024-12-30T04:26:39.439">
+    <p:pos x="1143" y="686"/>
+    <p:text>strengths and weaknesses would be AI generated (if included)</p:text>
+  </p:cm>
   <p:cm authorId="0" idx="9" dt="2024-12-30T01:13:13.078">
-    <p:pos x="0" y="0"/>
+    <p:pos x="0" y="432"/>
     <p:text>make side bar is hide-able</p:text>
   </p:cm>
 </p:cmLst>
@@ -780,7 +774,7 @@
       </p:grpSpPr>
       <p:sp>
         <p:nvSpPr>
-          <p:cNvPr id="51" name="Google Shape;51;g3224b178bab_0_5:notes"/>
+          <p:cNvPr id="51" name="Google Shape;51;g3224b178bab_0_22:notes"/>
           <p:cNvSpPr/>
           <p:nvPr>
             <p:ph idx="2" type="sldImg"/>
@@ -815,7 +809,7 @@
       </p:sp>
       <p:sp>
         <p:nvSpPr>
-          <p:cNvPr id="52" name="Google Shape;52;g3224b178bab_0_5:notes"/>
+          <p:cNvPr id="52" name="Google Shape;52;g3224b178bab_0_22:notes"/>
           <p:cNvSpPr txBox="1"/>
           <p:nvPr>
             <p:ph idx="1" type="body"/>
@@ -846,70 +840,7 @@
               <a:buNone/>
             </a:pPr>
             <a:r>
-              <a:rPr lang="en"/>
-              <a:t>This is the landing page</a:t>
-            </a:r>
-            <a:endParaRPr/>
-          </a:p>
-          <a:p>
-            <a:pPr indent="0" lvl="0" marL="0" rtl="0" algn="l">
-              <a:spcBef>
-                <a:spcPts val="0"/>
-              </a:spcBef>
-              <a:spcAft>
-                <a:spcPts val="0"/>
-              </a:spcAft>
-              <a:buNone/>
-            </a:pPr>
-            <a:r>
               <a:t/>
-            </a:r>
-            <a:endParaRPr/>
-          </a:p>
-          <a:p>
-            <a:pPr indent="0" lvl="0" marL="0" rtl="0" algn="l">
-              <a:spcBef>
-                <a:spcPts val="0"/>
-              </a:spcBef>
-              <a:spcAft>
-                <a:spcPts val="0"/>
-              </a:spcAft>
-              <a:buNone/>
-            </a:pPr>
-            <a:r>
-              <a:rPr lang="en"/>
-              <a:t>Reference: PA LHD community profiles</a:t>
-            </a:r>
-            <a:endParaRPr/>
-          </a:p>
-          <a:p>
-            <a:pPr indent="0" lvl="0" marL="0" rtl="0" algn="l">
-              <a:spcBef>
-                <a:spcPts val="0"/>
-              </a:spcBef>
-              <a:spcAft>
-                <a:spcPts val="0"/>
-              </a:spcAft>
-              <a:buNone/>
-            </a:pPr>
-            <a:r>
-              <a:t/>
-            </a:r>
-            <a:endParaRPr/>
-          </a:p>
-          <a:p>
-            <a:pPr indent="0" lvl="0" marL="0" rtl="0" algn="l">
-              <a:spcBef>
-                <a:spcPts val="0"/>
-              </a:spcBef>
-              <a:spcAft>
-                <a:spcPts val="0"/>
-              </a:spcAft>
-              <a:buNone/>
-            </a:pPr>
-            <a:r>
-              <a:rPr lang="en"/>
-              <a:t>The strengths and weaknesses box would actually be placed </a:t>
             </a:r>
             <a:endParaRPr/>
           </a:p>
@@ -928,7 +859,7 @@
   <p:cSld>
     <p:spTree>
       <p:nvGrpSpPr>
-        <p:cNvPr id="130" name="Shape 130"/>
+        <p:cNvPr id="134" name="Shape 134"/>
         <p:cNvGrpSpPr/>
         <p:nvPr/>
       </p:nvGrpSpPr>
@@ -942,7 +873,7 @@
       </p:grpSpPr>
       <p:sp>
         <p:nvSpPr>
-          <p:cNvPr id="131" name="Google Shape;131;g3224b178bab_0_22:notes"/>
+          <p:cNvPr id="135" name="Google Shape;135;g3224b178bab_0_98:notes"/>
           <p:cNvSpPr/>
           <p:nvPr>
             <p:ph idx="2" type="sldImg"/>
@@ -977,7 +908,7 @@
       </p:sp>
       <p:sp>
         <p:nvSpPr>
-          <p:cNvPr id="132" name="Google Shape;132;g3224b178bab_0_22:notes"/>
+          <p:cNvPr id="136" name="Google Shape;136;g3224b178bab_0_98:notes"/>
           <p:cNvSpPr txBox="1"/>
           <p:nvPr>
             <p:ph idx="1" type="body"/>
@@ -998,7 +929,7 @@
           </a:bodyPr>
           <a:lstStyle/>
           <a:p>
-            <a:pPr indent="0" lvl="0" marL="0" rtl="0" algn="l">
+            <a:pPr indent="0" lvl="0" marL="457200" rtl="0" algn="l">
               <a:spcBef>
                 <a:spcPts val="0"/>
               </a:spcBef>
@@ -1027,7 +958,7 @@
   <p:cSld>
     <p:spTree>
       <p:nvGrpSpPr>
-        <p:cNvPr id="138" name="Shape 138"/>
+        <p:cNvPr id="143" name="Shape 143"/>
         <p:cNvGrpSpPr/>
         <p:nvPr/>
       </p:nvGrpSpPr>
@@ -1041,7 +972,7 @@
       </p:grpSpPr>
       <p:sp>
         <p:nvSpPr>
-          <p:cNvPr id="139" name="Google Shape;139;g3224b178bab_0_150:notes"/>
+          <p:cNvPr id="144" name="Google Shape;144;g3224b178bab_0_86:notes"/>
           <p:cNvSpPr/>
           <p:nvPr>
             <p:ph idx="2" type="sldImg"/>
@@ -1076,7 +1007,7 @@
       </p:sp>
       <p:sp>
         <p:nvSpPr>
-          <p:cNvPr id="140" name="Google Shape;140;g3224b178bab_0_150:notes"/>
+          <p:cNvPr id="145" name="Google Shape;145;g3224b178bab_0_86:notes"/>
           <p:cNvSpPr txBox="1"/>
           <p:nvPr>
             <p:ph idx="1" type="body"/>
@@ -1104,6 +1035,11 @@
               <a:spcAft>
                 <a:spcPts val="0"/>
               </a:spcAft>
+              <a:buClr>
+                <a:schemeClr val="dk1"/>
+              </a:buClr>
+              <a:buSzPts val="1100"/>
+              <a:buFont typeface="Arial"/>
               <a:buNone/>
             </a:pPr>
             <a:r>
@@ -1126,7 +1062,7 @@
   <p:cSld>
     <p:spTree>
       <p:nvGrpSpPr>
-        <p:cNvPr id="144" name="Shape 144"/>
+        <p:cNvPr id="152" name="Shape 152"/>
         <p:cNvGrpSpPr/>
         <p:nvPr/>
       </p:nvGrpSpPr>
@@ -1140,7 +1076,7 @@
       </p:grpSpPr>
       <p:sp>
         <p:nvSpPr>
-          <p:cNvPr id="145" name="Google Shape;145;g3224b178bab_0_124:notes"/>
+          <p:cNvPr id="153" name="Google Shape;153;g3224b178bab_0_0:notes"/>
           <p:cNvSpPr/>
           <p:nvPr>
             <p:ph idx="2" type="sldImg"/>
@@ -1175,7 +1111,7 @@
       </p:sp>
       <p:sp>
         <p:nvSpPr>
-          <p:cNvPr id="146" name="Google Shape;146;g3224b178bab_0_124:notes"/>
+          <p:cNvPr id="154" name="Google Shape;154;g3224b178bab_0_0:notes"/>
           <p:cNvSpPr txBox="1"/>
           <p:nvPr>
             <p:ph idx="1" type="body"/>
@@ -1206,8 +1142,7 @@
               <a:buNone/>
             </a:pPr>
             <a:r>
-              <a:rPr lang="en"/>
-              <a:t>This is ripped right off of the CCHA</a:t>
+              <a:t/>
             </a:r>
             <a:endParaRPr/>
           </a:p>
@@ -1226,7 +1161,7 @@
   <p:cSld>
     <p:spTree>
       <p:nvGrpSpPr>
-        <p:cNvPr id="151" name="Shape 151"/>
+        <p:cNvPr id="158" name="Shape 158"/>
         <p:cNvGrpSpPr/>
         <p:nvPr/>
       </p:nvGrpSpPr>
@@ -1240,7 +1175,7 @@
       </p:grpSpPr>
       <p:sp>
         <p:nvSpPr>
-          <p:cNvPr id="152" name="Google Shape;152;g3224b178bab_0_0:notes"/>
+          <p:cNvPr id="159" name="Google Shape;159;g32acd70dab3_0_0:notes"/>
           <p:cNvSpPr/>
           <p:nvPr>
             <p:ph idx="2" type="sldImg"/>
@@ -1275,7 +1210,7 @@
       </p:sp>
       <p:sp>
         <p:nvSpPr>
-          <p:cNvPr id="153" name="Google Shape;153;g3224b178bab_0_0:notes"/>
+          <p:cNvPr id="160" name="Google Shape;160;g32acd70dab3_0_0:notes"/>
           <p:cNvSpPr txBox="1"/>
           <p:nvPr>
             <p:ph idx="1" type="body"/>
@@ -1320,12 +1255,12 @@
 </p:notes>
 </file>
 
-<file path=ppt/notesSlides/notesSlide14.xml><?xml version="1.0" encoding="utf-8"?>
+<file path=ppt/notesSlides/notesSlide2.xml><?xml version="1.0" encoding="utf-8"?>
 <p:notes xmlns:a="http://schemas.openxmlformats.org/drawingml/2006/main" xmlns:r="http://schemas.openxmlformats.org/officeDocument/2006/relationships" xmlns:mc="http://schemas.openxmlformats.org/markup-compatibility/2006" xmlns:mv="urn:schemas-microsoft-com:mac:vml" xmlns:p="http://schemas.openxmlformats.org/presentationml/2006/main" xmlns:c="http://schemas.openxmlformats.org/drawingml/2006/chart" xmlns:dgm="http://schemas.openxmlformats.org/drawingml/2006/diagram" xmlns:o="urn:schemas-microsoft-com:office:office" xmlns:v="urn:schemas-microsoft-com:vml" xmlns:pvml="urn:schemas-microsoft-com:office:powerpoint" xmlns:com="http://schemas.openxmlformats.org/drawingml/2006/compatibility" xmlns:p14="http://schemas.microsoft.com/office/powerpoint/2010/main" xmlns:p15="http://schemas.microsoft.com/office/powerpoint/2012/main" xmlns:ahyp="http://schemas.microsoft.com/office/drawing/2018/hyperlinkcolor" showMasterPhAnim="0" showMasterSp="0">
   <p:cSld>
     <p:spTree>
       <p:nvGrpSpPr>
-        <p:cNvPr id="157" name="Shape 157"/>
+        <p:cNvPr id="60" name="Shape 60"/>
         <p:cNvGrpSpPr/>
         <p:nvPr/>
       </p:nvGrpSpPr>
@@ -1339,7 +1274,7 @@
       </p:grpSpPr>
       <p:sp>
         <p:nvSpPr>
-          <p:cNvPr id="158" name="Google Shape;158;g32acd70dab3_0_0:notes"/>
+          <p:cNvPr id="61" name="Google Shape;61;g3224b178bab_0_150:notes"/>
           <p:cNvSpPr/>
           <p:nvPr>
             <p:ph idx="2" type="sldImg"/>
@@ -1374,7 +1309,7 @@
       </p:sp>
       <p:sp>
         <p:nvSpPr>
-          <p:cNvPr id="159" name="Google Shape;159;g32acd70dab3_0_0:notes"/>
+          <p:cNvPr id="62" name="Google Shape;62;g3224b178bab_0_150:notes"/>
           <p:cNvSpPr txBox="1"/>
           <p:nvPr>
             <p:ph idx="1" type="body"/>
@@ -1419,12 +1354,12 @@
 </p:notes>
 </file>
 
-<file path=ppt/notesSlides/notesSlide2.xml><?xml version="1.0" encoding="utf-8"?>
+<file path=ppt/notesSlides/notesSlide3.xml><?xml version="1.0" encoding="utf-8"?>
 <p:notes xmlns:a="http://schemas.openxmlformats.org/drawingml/2006/main" xmlns:r="http://schemas.openxmlformats.org/officeDocument/2006/relationships" xmlns:mc="http://schemas.openxmlformats.org/markup-compatibility/2006" xmlns:mv="urn:schemas-microsoft-com:mac:vml" xmlns:p="http://schemas.openxmlformats.org/presentationml/2006/main" xmlns:c="http://schemas.openxmlformats.org/drawingml/2006/chart" xmlns:dgm="http://schemas.openxmlformats.org/drawingml/2006/diagram" xmlns:o="urn:schemas-microsoft-com:office:office" xmlns:v="urn:schemas-microsoft-com:vml" xmlns:pvml="urn:schemas-microsoft-com:office:powerpoint" xmlns:com="http://schemas.openxmlformats.org/drawingml/2006/compatibility" xmlns:p14="http://schemas.microsoft.com/office/powerpoint/2010/main" xmlns:p15="http://schemas.microsoft.com/office/powerpoint/2012/main" xmlns:ahyp="http://schemas.microsoft.com/office/drawing/2018/hyperlinkcolor" showMasterPhAnim="0" showMasterSp="0">
   <p:cSld>
     <p:spTree>
       <p:nvGrpSpPr>
-        <p:cNvPr id="65" name="Shape 65"/>
+        <p:cNvPr id="66" name="Shape 66"/>
         <p:cNvGrpSpPr/>
         <p:nvPr/>
       </p:nvGrpSpPr>
@@ -1438,7 +1373,269 @@
       </p:grpSpPr>
       <p:sp>
         <p:nvSpPr>
-          <p:cNvPr id="66" name="Google Shape;66;p:notes"/>
+          <p:cNvPr id="67" name="Google Shape;67;g3224b178bab_0_124:notes"/>
+          <p:cNvSpPr/>
+          <p:nvPr>
+            <p:ph idx="2" type="sldImg"/>
+          </p:nvPr>
+        </p:nvSpPr>
+        <p:spPr>
+          <a:xfrm>
+            <a:off x="381300" y="685800"/>
+            <a:ext cx="6096000" cy="3429000"/>
+          </a:xfrm>
+          <a:custGeom>
+            <a:rect b="b" l="l" r="r" t="t"/>
+            <a:pathLst>
+              <a:path extrusionOk="0" h="120000" w="120000">
+                <a:moveTo>
+                  <a:pt x="0" y="0"/>
+                </a:moveTo>
+                <a:lnTo>
+                  <a:pt x="120000" y="0"/>
+                </a:lnTo>
+                <a:lnTo>
+                  <a:pt x="120000" y="120000"/>
+                </a:lnTo>
+                <a:lnTo>
+                  <a:pt x="0" y="120000"/>
+                </a:lnTo>
+                <a:close/>
+              </a:path>
+            </a:pathLst>
+          </a:custGeom>
+        </p:spPr>
+      </p:sp>
+      <p:sp>
+        <p:nvSpPr>
+          <p:cNvPr id="68" name="Google Shape;68;g3224b178bab_0_124:notes"/>
+          <p:cNvSpPr txBox="1"/>
+          <p:nvPr>
+            <p:ph idx="1" type="body"/>
+          </p:nvPr>
+        </p:nvSpPr>
+        <p:spPr>
+          <a:xfrm>
+            <a:off x="685800" y="4343400"/>
+            <a:ext cx="5486400" cy="4114800"/>
+          </a:xfrm>
+          <a:prstGeom prst="rect">
+            <a:avLst/>
+          </a:prstGeom>
+        </p:spPr>
+        <p:txBody>
+          <a:bodyPr anchorCtr="0" anchor="t" bIns="91425" lIns="91425" spcFirstLastPara="1" rIns="91425" wrap="square" tIns="91425">
+            <a:noAutofit/>
+          </a:bodyPr>
+          <a:lstStyle/>
+          <a:p>
+            <a:pPr indent="0" lvl="0" marL="0" rtl="0" algn="l">
+              <a:spcBef>
+                <a:spcPts val="0"/>
+              </a:spcBef>
+              <a:spcAft>
+                <a:spcPts val="0"/>
+              </a:spcAft>
+              <a:buNone/>
+            </a:pPr>
+            <a:r>
+              <a:rPr lang="en"/>
+              <a:t>This is ripped right off of the CCHA</a:t>
+            </a:r>
+            <a:endParaRPr/>
+          </a:p>
+        </p:txBody>
+      </p:sp>
+    </p:spTree>
+  </p:cSld>
+  <p:clrMapOvr>
+    <a:masterClrMapping/>
+  </p:clrMapOvr>
+</p:notes>
+</file>
+
+<file path=ppt/notesSlides/notesSlide4.xml><?xml version="1.0" encoding="utf-8"?>
+<p:notes xmlns:a="http://schemas.openxmlformats.org/drawingml/2006/main" xmlns:r="http://schemas.openxmlformats.org/officeDocument/2006/relationships" xmlns:mc="http://schemas.openxmlformats.org/markup-compatibility/2006" xmlns:mv="urn:schemas-microsoft-com:mac:vml" xmlns:p="http://schemas.openxmlformats.org/presentationml/2006/main" xmlns:c="http://schemas.openxmlformats.org/drawingml/2006/chart" xmlns:dgm="http://schemas.openxmlformats.org/drawingml/2006/diagram" xmlns:o="urn:schemas-microsoft-com:office:office" xmlns:v="urn:schemas-microsoft-com:vml" xmlns:pvml="urn:schemas-microsoft-com:office:powerpoint" xmlns:com="http://schemas.openxmlformats.org/drawingml/2006/compatibility" xmlns:p14="http://schemas.microsoft.com/office/powerpoint/2010/main" xmlns:p15="http://schemas.microsoft.com/office/powerpoint/2012/main" xmlns:ahyp="http://schemas.microsoft.com/office/drawing/2018/hyperlinkcolor" showMasterPhAnim="0" showMasterSp="0">
+  <p:cSld>
+    <p:spTree>
+      <p:nvGrpSpPr>
+        <p:cNvPr id="73" name="Shape 73"/>
+        <p:cNvGrpSpPr/>
+        <p:nvPr/>
+      </p:nvGrpSpPr>
+      <p:grpSpPr>
+        <a:xfrm>
+          <a:off x="0" y="0"/>
+          <a:ext cx="0" cy="0"/>
+          <a:chOff x="0" y="0"/>
+          <a:chExt cx="0" cy="0"/>
+        </a:xfrm>
+      </p:grpSpPr>
+      <p:sp>
+        <p:nvSpPr>
+          <p:cNvPr id="74" name="Google Shape;74;g3224b178bab_0_5:notes"/>
+          <p:cNvSpPr/>
+          <p:nvPr>
+            <p:ph idx="2" type="sldImg"/>
+          </p:nvPr>
+        </p:nvSpPr>
+        <p:spPr>
+          <a:xfrm>
+            <a:off x="381300" y="685800"/>
+            <a:ext cx="6096000" cy="3429000"/>
+          </a:xfrm>
+          <a:custGeom>
+            <a:rect b="b" l="l" r="r" t="t"/>
+            <a:pathLst>
+              <a:path extrusionOk="0" h="120000" w="120000">
+                <a:moveTo>
+                  <a:pt x="0" y="0"/>
+                </a:moveTo>
+                <a:lnTo>
+                  <a:pt x="120000" y="0"/>
+                </a:lnTo>
+                <a:lnTo>
+                  <a:pt x="120000" y="120000"/>
+                </a:lnTo>
+                <a:lnTo>
+                  <a:pt x="0" y="120000"/>
+                </a:lnTo>
+                <a:close/>
+              </a:path>
+            </a:pathLst>
+          </a:custGeom>
+        </p:spPr>
+      </p:sp>
+      <p:sp>
+        <p:nvSpPr>
+          <p:cNvPr id="75" name="Google Shape;75;g3224b178bab_0_5:notes"/>
+          <p:cNvSpPr txBox="1"/>
+          <p:nvPr>
+            <p:ph idx="1" type="body"/>
+          </p:nvPr>
+        </p:nvSpPr>
+        <p:spPr>
+          <a:xfrm>
+            <a:off x="685800" y="4343400"/>
+            <a:ext cx="5486400" cy="4114800"/>
+          </a:xfrm>
+          <a:prstGeom prst="rect">
+            <a:avLst/>
+          </a:prstGeom>
+        </p:spPr>
+        <p:txBody>
+          <a:bodyPr anchorCtr="0" anchor="t" bIns="91425" lIns="91425" spcFirstLastPara="1" rIns="91425" wrap="square" tIns="91425">
+            <a:noAutofit/>
+          </a:bodyPr>
+          <a:lstStyle/>
+          <a:p>
+            <a:pPr indent="0" lvl="0" marL="0" rtl="0" algn="l">
+              <a:spcBef>
+                <a:spcPts val="0"/>
+              </a:spcBef>
+              <a:spcAft>
+                <a:spcPts val="0"/>
+              </a:spcAft>
+              <a:buNone/>
+            </a:pPr>
+            <a:r>
+              <a:rPr lang="en"/>
+              <a:t>This is the landing page</a:t>
+            </a:r>
+            <a:endParaRPr/>
+          </a:p>
+          <a:p>
+            <a:pPr indent="0" lvl="0" marL="0" rtl="0" algn="l">
+              <a:spcBef>
+                <a:spcPts val="0"/>
+              </a:spcBef>
+              <a:spcAft>
+                <a:spcPts val="0"/>
+              </a:spcAft>
+              <a:buNone/>
+            </a:pPr>
+            <a:r>
+              <a:t/>
+            </a:r>
+            <a:endParaRPr/>
+          </a:p>
+          <a:p>
+            <a:pPr indent="0" lvl="0" marL="0" rtl="0" algn="l">
+              <a:spcBef>
+                <a:spcPts val="0"/>
+              </a:spcBef>
+              <a:spcAft>
+                <a:spcPts val="0"/>
+              </a:spcAft>
+              <a:buNone/>
+            </a:pPr>
+            <a:r>
+              <a:rPr lang="en"/>
+              <a:t>Reference: PA LHD community profiles</a:t>
+            </a:r>
+            <a:endParaRPr/>
+          </a:p>
+          <a:p>
+            <a:pPr indent="0" lvl="0" marL="0" rtl="0" algn="l">
+              <a:spcBef>
+                <a:spcPts val="0"/>
+              </a:spcBef>
+              <a:spcAft>
+                <a:spcPts val="0"/>
+              </a:spcAft>
+              <a:buNone/>
+            </a:pPr>
+            <a:r>
+              <a:t/>
+            </a:r>
+            <a:endParaRPr/>
+          </a:p>
+          <a:p>
+            <a:pPr indent="0" lvl="0" marL="0" rtl="0" algn="l">
+              <a:spcBef>
+                <a:spcPts val="0"/>
+              </a:spcBef>
+              <a:spcAft>
+                <a:spcPts val="0"/>
+              </a:spcAft>
+              <a:buNone/>
+            </a:pPr>
+            <a:r>
+              <a:rPr lang="en"/>
+              <a:t>The strengths and weaknesses box would actually be placed </a:t>
+            </a:r>
+            <a:endParaRPr/>
+          </a:p>
+        </p:txBody>
+      </p:sp>
+    </p:spTree>
+  </p:cSld>
+  <p:clrMapOvr>
+    <a:masterClrMapping/>
+  </p:clrMapOvr>
+</p:notes>
+</file>
+
+<file path=ppt/notesSlides/notesSlide5.xml><?xml version="1.0" encoding="utf-8"?>
+<p:notes xmlns:a="http://schemas.openxmlformats.org/drawingml/2006/main" xmlns:r="http://schemas.openxmlformats.org/officeDocument/2006/relationships" xmlns:mc="http://schemas.openxmlformats.org/markup-compatibility/2006" xmlns:mv="urn:schemas-microsoft-com:mac:vml" xmlns:p="http://schemas.openxmlformats.org/presentationml/2006/main" xmlns:c="http://schemas.openxmlformats.org/drawingml/2006/chart" xmlns:dgm="http://schemas.openxmlformats.org/drawingml/2006/diagram" xmlns:o="urn:schemas-microsoft-com:office:office" xmlns:v="urn:schemas-microsoft-com:vml" xmlns:pvml="urn:schemas-microsoft-com:office:powerpoint" xmlns:com="http://schemas.openxmlformats.org/drawingml/2006/compatibility" xmlns:p14="http://schemas.microsoft.com/office/powerpoint/2010/main" xmlns:p15="http://schemas.microsoft.com/office/powerpoint/2012/main" xmlns:ahyp="http://schemas.microsoft.com/office/drawing/2018/hyperlinkcolor" showMasterPhAnim="0" showMasterSp="0">
+  <p:cSld>
+    <p:spTree>
+      <p:nvGrpSpPr>
+        <p:cNvPr id="88" name="Shape 88"/>
+        <p:cNvGrpSpPr/>
+        <p:nvPr/>
+      </p:nvGrpSpPr>
+      <p:grpSpPr>
+        <a:xfrm>
+          <a:off x="0" y="0"/>
+          <a:ext cx="0" cy="0"/>
+          <a:chOff x="0" y="0"/>
+          <a:chExt cx="0" cy="0"/>
+        </a:xfrm>
+      </p:grpSpPr>
+      <p:sp>
+        <p:nvSpPr>
+          <p:cNvPr id="89" name="Google Shape;89;p:notes"/>
           <p:cNvSpPr/>
           <p:nvPr>
             <p:ph idx="2" type="sldImg"/>
@@ -1473,7 +1670,7 @@
       </p:sp>
       <p:sp>
         <p:nvSpPr>
-          <p:cNvPr id="67" name="Google Shape;67;p:notes"/>
+          <p:cNvPr id="90" name="Google Shape;90;p:notes"/>
           <p:cNvSpPr txBox="1"/>
           <p:nvPr>
             <p:ph idx="1" type="body"/>
@@ -1551,12 +1748,12 @@
 </p:notes>
 </file>
 
-<file path=ppt/notesSlides/notesSlide3.xml><?xml version="1.0" encoding="utf-8"?>
+<file path=ppt/notesSlides/notesSlide6.xml><?xml version="1.0" encoding="utf-8"?>
 <p:notes xmlns:a="http://schemas.openxmlformats.org/drawingml/2006/main" xmlns:r="http://schemas.openxmlformats.org/officeDocument/2006/relationships" xmlns:mc="http://schemas.openxmlformats.org/markup-compatibility/2006" xmlns:mv="urn:schemas-microsoft-com:mac:vml" xmlns:p="http://schemas.openxmlformats.org/presentationml/2006/main" xmlns:c="http://schemas.openxmlformats.org/drawingml/2006/chart" xmlns:dgm="http://schemas.openxmlformats.org/drawingml/2006/diagram" xmlns:o="urn:schemas-microsoft-com:office:office" xmlns:v="urn:schemas-microsoft-com:vml" xmlns:pvml="urn:schemas-microsoft-com:office:powerpoint" xmlns:com="http://schemas.openxmlformats.org/drawingml/2006/compatibility" xmlns:p14="http://schemas.microsoft.com/office/powerpoint/2010/main" xmlns:p15="http://schemas.microsoft.com/office/powerpoint/2012/main" xmlns:ahyp="http://schemas.microsoft.com/office/drawing/2018/hyperlinkcolor" showMasterPhAnim="0" showMasterSp="0">
   <p:cSld>
     <p:spTree>
       <p:nvGrpSpPr>
-        <p:cNvPr id="73" name="Shape 73"/>
+        <p:cNvPr id="97" name="Shape 97"/>
         <p:cNvGrpSpPr/>
         <p:nvPr/>
       </p:nvGrpSpPr>
@@ -1570,7 +1767,7 @@
       </p:grpSpPr>
       <p:sp>
         <p:nvSpPr>
-          <p:cNvPr id="74" name="Google Shape;74;g3224b178bab_0_44:notes"/>
+          <p:cNvPr id="98" name="Google Shape;98;g328d24d3c5a_0_16:notes"/>
           <p:cNvSpPr/>
           <p:nvPr>
             <p:ph idx="2" type="sldImg"/>
@@ -1605,7 +1802,7 @@
       </p:sp>
       <p:sp>
         <p:nvSpPr>
-          <p:cNvPr id="75" name="Google Shape;75;g3224b178bab_0_44:notes"/>
+          <p:cNvPr id="99" name="Google Shape;99;g328d24d3c5a_0_16:notes"/>
           <p:cNvSpPr txBox="1"/>
           <p:nvPr>
             <p:ph idx="1" type="body"/>
@@ -1626,19 +1823,52 @@
           </a:bodyPr>
           <a:lstStyle/>
           <a:p>
-            <a:pPr indent="0" lvl="0" marL="457200" rtl="0" algn="l">
-              <a:spcBef>
-                <a:spcPts val="0"/>
-              </a:spcBef>
-              <a:spcAft>
-                <a:spcPts val="0"/>
-              </a:spcAft>
-              <a:buNone/>
-            </a:pPr>
-            <a:r>
-              <a:t/>
-            </a:r>
-            <a:endParaRPr/>
+            <a:pPr indent="0" lvl="0" marL="0" rtl="0" algn="l">
+              <a:spcBef>
+                <a:spcPts val="0"/>
+              </a:spcBef>
+              <a:spcAft>
+                <a:spcPts val="0"/>
+              </a:spcAft>
+              <a:buNone/>
+            </a:pPr>
+            <a:r>
+              <a:rPr lang="en">
+                <a:solidFill>
+                  <a:schemeClr val="dk1"/>
+                </a:solidFill>
+              </a:rPr>
+              <a:t>Hovering over each indicator with cursor provides the indicator’s definition</a:t>
+            </a:r>
+            <a:endParaRPr>
+              <a:solidFill>
+                <a:schemeClr val="dk1"/>
+              </a:solidFill>
+            </a:endParaRPr>
+          </a:p>
+          <a:p>
+            <a:pPr indent="0" lvl="0" marL="0" rtl="0" algn="l">
+              <a:spcBef>
+                <a:spcPts val="0"/>
+              </a:spcBef>
+              <a:spcAft>
+                <a:spcPts val="0"/>
+              </a:spcAft>
+              <a:buNone/>
+            </a:pPr>
+            <a:r>
+              <a:rPr lang="en">
+                <a:solidFill>
+                  <a:schemeClr val="dk1"/>
+                </a:solidFill>
+              </a:rPr>
+              <a:t>Racial &amp; ethnic composition mirrors what is included in the CCHA</a:t>
+            </a:r>
+            <a:endParaRPr>
+              <a:solidFill>
+                <a:schemeClr val="dk1"/>
+              </a:solidFill>
+            </a:endParaRPr>
           </a:p>
         </p:txBody>
       </p:sp>
@@ -1650,12 +1880,12 @@
 </p:notes>
 </file>
 
-<file path=ppt/notesSlides/notesSlide4.xml><?xml version="1.0" encoding="utf-8"?>
+<file path=ppt/notesSlides/notesSlide7.xml><?xml version="1.0" encoding="utf-8"?>
 <p:notes xmlns:a="http://schemas.openxmlformats.org/drawingml/2006/main" xmlns:r="http://schemas.openxmlformats.org/officeDocument/2006/relationships" xmlns:mc="http://schemas.openxmlformats.org/markup-compatibility/2006" xmlns:mv="urn:schemas-microsoft-com:mac:vml" xmlns:p="http://schemas.openxmlformats.org/presentationml/2006/main" xmlns:c="http://schemas.openxmlformats.org/drawingml/2006/chart" xmlns:dgm="http://schemas.openxmlformats.org/drawingml/2006/diagram" xmlns:o="urn:schemas-microsoft-com:office:office" xmlns:v="urn:schemas-microsoft-com:vml" xmlns:pvml="urn:schemas-microsoft-com:office:powerpoint" xmlns:com="http://schemas.openxmlformats.org/drawingml/2006/compatibility" xmlns:p14="http://schemas.microsoft.com/office/powerpoint/2010/main" xmlns:p15="http://schemas.microsoft.com/office/powerpoint/2012/main" xmlns:ahyp="http://schemas.microsoft.com/office/drawing/2018/hyperlinkcolor" showMasterPhAnim="0" showMasterSp="0">
   <p:cSld>
     <p:spTree>
       <p:nvGrpSpPr>
-        <p:cNvPr id="81" name="Shape 81"/>
+        <p:cNvPr id="106" name="Shape 106"/>
         <p:cNvGrpSpPr/>
         <p:nvPr/>
       </p:nvGrpSpPr>
@@ -1669,7 +1899,7 @@
       </p:grpSpPr>
       <p:sp>
         <p:nvSpPr>
-          <p:cNvPr id="82" name="Google Shape;82;g32acd70dab3_0_5:notes"/>
+          <p:cNvPr id="107" name="Google Shape;107;g32acd70dab3_0_5:notes"/>
           <p:cNvSpPr/>
           <p:nvPr>
             <p:ph idx="2" type="sldImg"/>
@@ -1704,7 +1934,7 @@
       </p:sp>
       <p:sp>
         <p:nvSpPr>
-          <p:cNvPr id="83" name="Google Shape;83;g32acd70dab3_0_5:notes"/>
+          <p:cNvPr id="108" name="Google Shape;108;g32acd70dab3_0_5:notes"/>
           <p:cNvSpPr txBox="1"/>
           <p:nvPr>
             <p:ph idx="1" type="body"/>
@@ -1735,7 +1965,8 @@
               <a:buNone/>
             </a:pPr>
             <a:r>
-              <a:t/>
+              <a:rPr lang="en"/>
+              <a:t>Fictional data is used </a:t>
             </a:r>
             <a:endParaRPr/>
           </a:p>
@@ -1749,12 +1980,12 @@
 </p:notes>
 </file>
 
-<file path=ppt/notesSlides/notesSlide5.xml><?xml version="1.0" encoding="utf-8"?>
+<file path=ppt/notesSlides/notesSlide8.xml><?xml version="1.0" encoding="utf-8"?>
 <p:notes xmlns:a="http://schemas.openxmlformats.org/drawingml/2006/main" xmlns:r="http://schemas.openxmlformats.org/officeDocument/2006/relationships" xmlns:mc="http://schemas.openxmlformats.org/markup-compatibility/2006" xmlns:mv="urn:schemas-microsoft-com:mac:vml" xmlns:p="http://schemas.openxmlformats.org/presentationml/2006/main" xmlns:c="http://schemas.openxmlformats.org/drawingml/2006/chart" xmlns:dgm="http://schemas.openxmlformats.org/drawingml/2006/diagram" xmlns:o="urn:schemas-microsoft-com:office:office" xmlns:v="urn:schemas-microsoft-com:vml" xmlns:pvml="urn:schemas-microsoft-com:office:powerpoint" xmlns:com="http://schemas.openxmlformats.org/drawingml/2006/compatibility" xmlns:p14="http://schemas.microsoft.com/office/powerpoint/2010/main" xmlns:p15="http://schemas.microsoft.com/office/powerpoint/2012/main" xmlns:ahyp="http://schemas.microsoft.com/office/drawing/2018/hyperlinkcolor" showMasterPhAnim="0" showMasterSp="0">
   <p:cSld>
     <p:spTree>
       <p:nvGrpSpPr>
-        <p:cNvPr id="90" name="Shape 90"/>
+        <p:cNvPr id="116" name="Shape 116"/>
         <p:cNvGrpSpPr/>
         <p:nvPr/>
       </p:nvGrpSpPr>
@@ -1768,7 +1999,7 @@
       </p:grpSpPr>
       <p:sp>
         <p:nvSpPr>
-          <p:cNvPr id="91" name="Google Shape;91;g3224b178bab_0_51:notes"/>
+          <p:cNvPr id="117" name="Google Shape;117;g3224b178bab_0_51:notes"/>
           <p:cNvSpPr/>
           <p:nvPr>
             <p:ph idx="2" type="sldImg"/>
@@ -1803,7 +2034,7 @@
       </p:sp>
       <p:sp>
         <p:nvSpPr>
-          <p:cNvPr id="92" name="Google Shape;92;g3224b178bab_0_51:notes"/>
+          <p:cNvPr id="118" name="Google Shape;118;g3224b178bab_0_51:notes"/>
           <p:cNvSpPr txBox="1"/>
           <p:nvPr>
             <p:ph idx="1" type="body"/>
@@ -1848,12 +2079,12 @@
 </p:notes>
 </file>
 
-<file path=ppt/notesSlides/notesSlide6.xml><?xml version="1.0" encoding="utf-8"?>
+<file path=ppt/notesSlides/notesSlide9.xml><?xml version="1.0" encoding="utf-8"?>
 <p:notes xmlns:a="http://schemas.openxmlformats.org/drawingml/2006/main" xmlns:r="http://schemas.openxmlformats.org/officeDocument/2006/relationships" xmlns:mc="http://schemas.openxmlformats.org/markup-compatibility/2006" xmlns:mv="urn:schemas-microsoft-com:mac:vml" xmlns:p="http://schemas.openxmlformats.org/presentationml/2006/main" xmlns:c="http://schemas.openxmlformats.org/drawingml/2006/chart" xmlns:dgm="http://schemas.openxmlformats.org/drawingml/2006/diagram" xmlns:o="urn:schemas-microsoft-com:office:office" xmlns:v="urn:schemas-microsoft-com:vml" xmlns:pvml="urn:schemas-microsoft-com:office:powerpoint" xmlns:com="http://schemas.openxmlformats.org/drawingml/2006/compatibility" xmlns:p14="http://schemas.microsoft.com/office/powerpoint/2010/main" xmlns:p15="http://schemas.microsoft.com/office/powerpoint/2012/main" xmlns:ahyp="http://schemas.microsoft.com/office/drawing/2018/hyperlinkcolor" showMasterPhAnim="0" showMasterSp="0">
   <p:cSld>
     <p:spTree>
       <p:nvGrpSpPr>
-        <p:cNvPr id="98" name="Shape 98"/>
+        <p:cNvPr id="125" name="Shape 125"/>
         <p:cNvGrpSpPr/>
         <p:nvPr/>
       </p:nvGrpSpPr>
@@ -1867,7 +2098,7 @@
       </p:grpSpPr>
       <p:sp>
         <p:nvSpPr>
-          <p:cNvPr id="99" name="Google Shape;99;g3224b178bab_0_58:notes"/>
+          <p:cNvPr id="126" name="Google Shape;126;g3224b178bab_0_79:notes"/>
           <p:cNvSpPr/>
           <p:nvPr>
             <p:ph idx="2" type="sldImg"/>
@@ -1902,7 +2133,7 @@
       </p:sp>
       <p:sp>
         <p:nvSpPr>
-          <p:cNvPr id="100" name="Google Shape;100;g3224b178bab_0_58:notes"/>
+          <p:cNvPr id="127" name="Google Shape;127;g3224b178bab_0_79:notes"/>
           <p:cNvSpPr txBox="1"/>
           <p:nvPr>
             <p:ph idx="1" type="body"/>
@@ -1930,308 +2161,6 @@
               <a:spcAft>
                 <a:spcPts val="0"/>
               </a:spcAft>
-              <a:buNone/>
-            </a:pPr>
-            <a:r>
-              <a:t/>
-            </a:r>
-            <a:endParaRPr/>
-          </a:p>
-        </p:txBody>
-      </p:sp>
-    </p:spTree>
-  </p:cSld>
-  <p:clrMapOvr>
-    <a:masterClrMapping/>
-  </p:clrMapOvr>
-</p:notes>
-</file>
-
-<file path=ppt/notesSlides/notesSlide7.xml><?xml version="1.0" encoding="utf-8"?>
-<p:notes xmlns:a="http://schemas.openxmlformats.org/drawingml/2006/main" xmlns:r="http://schemas.openxmlformats.org/officeDocument/2006/relationships" xmlns:mc="http://schemas.openxmlformats.org/markup-compatibility/2006" xmlns:mv="urn:schemas-microsoft-com:mac:vml" xmlns:p="http://schemas.openxmlformats.org/presentationml/2006/main" xmlns:c="http://schemas.openxmlformats.org/drawingml/2006/chart" xmlns:dgm="http://schemas.openxmlformats.org/drawingml/2006/diagram" xmlns:o="urn:schemas-microsoft-com:office:office" xmlns:v="urn:schemas-microsoft-com:vml" xmlns:pvml="urn:schemas-microsoft-com:office:powerpoint" xmlns:com="http://schemas.openxmlformats.org/drawingml/2006/compatibility" xmlns:p14="http://schemas.microsoft.com/office/powerpoint/2010/main" xmlns:p15="http://schemas.microsoft.com/office/powerpoint/2012/main" xmlns:ahyp="http://schemas.microsoft.com/office/drawing/2018/hyperlinkcolor" showMasterPhAnim="0" showMasterSp="0">
-  <p:cSld>
-    <p:spTree>
-      <p:nvGrpSpPr>
-        <p:cNvPr id="106" name="Shape 106"/>
-        <p:cNvGrpSpPr/>
-        <p:nvPr/>
-      </p:nvGrpSpPr>
-      <p:grpSpPr>
-        <a:xfrm>
-          <a:off x="0" y="0"/>
-          <a:ext cx="0" cy="0"/>
-          <a:chOff x="0" y="0"/>
-          <a:chExt cx="0" cy="0"/>
-        </a:xfrm>
-      </p:grpSpPr>
-      <p:sp>
-        <p:nvSpPr>
-          <p:cNvPr id="107" name="Google Shape;107;g3224b178bab_0_79:notes"/>
-          <p:cNvSpPr/>
-          <p:nvPr>
-            <p:ph idx="2" type="sldImg"/>
-          </p:nvPr>
-        </p:nvSpPr>
-        <p:spPr>
-          <a:xfrm>
-            <a:off x="381300" y="685800"/>
-            <a:ext cx="6096000" cy="3429000"/>
-          </a:xfrm>
-          <a:custGeom>
-            <a:rect b="b" l="l" r="r" t="t"/>
-            <a:pathLst>
-              <a:path extrusionOk="0" h="120000" w="120000">
-                <a:moveTo>
-                  <a:pt x="0" y="0"/>
-                </a:moveTo>
-                <a:lnTo>
-                  <a:pt x="120000" y="0"/>
-                </a:lnTo>
-                <a:lnTo>
-                  <a:pt x="120000" y="120000"/>
-                </a:lnTo>
-                <a:lnTo>
-                  <a:pt x="0" y="120000"/>
-                </a:lnTo>
-                <a:close/>
-              </a:path>
-            </a:pathLst>
-          </a:custGeom>
-        </p:spPr>
-      </p:sp>
-      <p:sp>
-        <p:nvSpPr>
-          <p:cNvPr id="108" name="Google Shape;108;g3224b178bab_0_79:notes"/>
-          <p:cNvSpPr txBox="1"/>
-          <p:nvPr>
-            <p:ph idx="1" type="body"/>
-          </p:nvPr>
-        </p:nvSpPr>
-        <p:spPr>
-          <a:xfrm>
-            <a:off x="685800" y="4343400"/>
-            <a:ext cx="5486400" cy="4114800"/>
-          </a:xfrm>
-          <a:prstGeom prst="rect">
-            <a:avLst/>
-          </a:prstGeom>
-        </p:spPr>
-        <p:txBody>
-          <a:bodyPr anchorCtr="0" anchor="t" bIns="91425" lIns="91425" spcFirstLastPara="1" rIns="91425" wrap="square" tIns="91425">
-            <a:noAutofit/>
-          </a:bodyPr>
-          <a:lstStyle/>
-          <a:p>
-            <a:pPr indent="0" lvl="0" marL="457200" rtl="0" algn="l">
-              <a:spcBef>
-                <a:spcPts val="0"/>
-              </a:spcBef>
-              <a:spcAft>
-                <a:spcPts val="0"/>
-              </a:spcAft>
-              <a:buNone/>
-            </a:pPr>
-            <a:r>
-              <a:t/>
-            </a:r>
-            <a:endParaRPr/>
-          </a:p>
-        </p:txBody>
-      </p:sp>
-    </p:spTree>
-  </p:cSld>
-  <p:clrMapOvr>
-    <a:masterClrMapping/>
-  </p:clrMapOvr>
-</p:notes>
-</file>
-
-<file path=ppt/notesSlides/notesSlide8.xml><?xml version="1.0" encoding="utf-8"?>
-<p:notes xmlns:a="http://schemas.openxmlformats.org/drawingml/2006/main" xmlns:r="http://schemas.openxmlformats.org/officeDocument/2006/relationships" xmlns:mc="http://schemas.openxmlformats.org/markup-compatibility/2006" xmlns:mv="urn:schemas-microsoft-com:mac:vml" xmlns:p="http://schemas.openxmlformats.org/presentationml/2006/main" xmlns:c="http://schemas.openxmlformats.org/drawingml/2006/chart" xmlns:dgm="http://schemas.openxmlformats.org/drawingml/2006/diagram" xmlns:o="urn:schemas-microsoft-com:office:office" xmlns:v="urn:schemas-microsoft-com:vml" xmlns:pvml="urn:schemas-microsoft-com:office:powerpoint" xmlns:com="http://schemas.openxmlformats.org/drawingml/2006/compatibility" xmlns:p14="http://schemas.microsoft.com/office/powerpoint/2010/main" xmlns:p15="http://schemas.microsoft.com/office/powerpoint/2012/main" xmlns:ahyp="http://schemas.microsoft.com/office/drawing/2018/hyperlinkcolor" showMasterPhAnim="0" showMasterSp="0">
-  <p:cSld>
-    <p:spTree>
-      <p:nvGrpSpPr>
-        <p:cNvPr id="114" name="Shape 114"/>
-        <p:cNvGrpSpPr/>
-        <p:nvPr/>
-      </p:nvGrpSpPr>
-      <p:grpSpPr>
-        <a:xfrm>
-          <a:off x="0" y="0"/>
-          <a:ext cx="0" cy="0"/>
-          <a:chOff x="0" y="0"/>
-          <a:chExt cx="0" cy="0"/>
-        </a:xfrm>
-      </p:grpSpPr>
-      <p:sp>
-        <p:nvSpPr>
-          <p:cNvPr id="115" name="Google Shape;115;g3224b178bab_0_98:notes"/>
-          <p:cNvSpPr/>
-          <p:nvPr>
-            <p:ph idx="2" type="sldImg"/>
-          </p:nvPr>
-        </p:nvSpPr>
-        <p:spPr>
-          <a:xfrm>
-            <a:off x="381300" y="685800"/>
-            <a:ext cx="6096000" cy="3429000"/>
-          </a:xfrm>
-          <a:custGeom>
-            <a:rect b="b" l="l" r="r" t="t"/>
-            <a:pathLst>
-              <a:path extrusionOk="0" h="120000" w="120000">
-                <a:moveTo>
-                  <a:pt x="0" y="0"/>
-                </a:moveTo>
-                <a:lnTo>
-                  <a:pt x="120000" y="0"/>
-                </a:lnTo>
-                <a:lnTo>
-                  <a:pt x="120000" y="120000"/>
-                </a:lnTo>
-                <a:lnTo>
-                  <a:pt x="0" y="120000"/>
-                </a:lnTo>
-                <a:close/>
-              </a:path>
-            </a:pathLst>
-          </a:custGeom>
-        </p:spPr>
-      </p:sp>
-      <p:sp>
-        <p:nvSpPr>
-          <p:cNvPr id="116" name="Google Shape;116;g3224b178bab_0_98:notes"/>
-          <p:cNvSpPr txBox="1"/>
-          <p:nvPr>
-            <p:ph idx="1" type="body"/>
-          </p:nvPr>
-        </p:nvSpPr>
-        <p:spPr>
-          <a:xfrm>
-            <a:off x="685800" y="4343400"/>
-            <a:ext cx="5486400" cy="4114800"/>
-          </a:xfrm>
-          <a:prstGeom prst="rect">
-            <a:avLst/>
-          </a:prstGeom>
-        </p:spPr>
-        <p:txBody>
-          <a:bodyPr anchorCtr="0" anchor="t" bIns="91425" lIns="91425" spcFirstLastPara="1" rIns="91425" wrap="square" tIns="91425">
-            <a:noAutofit/>
-          </a:bodyPr>
-          <a:lstStyle/>
-          <a:p>
-            <a:pPr indent="0" lvl="0" marL="457200" rtl="0" algn="l">
-              <a:spcBef>
-                <a:spcPts val="0"/>
-              </a:spcBef>
-              <a:spcAft>
-                <a:spcPts val="0"/>
-              </a:spcAft>
-              <a:buNone/>
-            </a:pPr>
-            <a:r>
-              <a:t/>
-            </a:r>
-            <a:endParaRPr/>
-          </a:p>
-        </p:txBody>
-      </p:sp>
-    </p:spTree>
-  </p:cSld>
-  <p:clrMapOvr>
-    <a:masterClrMapping/>
-  </p:clrMapOvr>
-</p:notes>
-</file>
-
-<file path=ppt/notesSlides/notesSlide9.xml><?xml version="1.0" encoding="utf-8"?>
-<p:notes xmlns:a="http://schemas.openxmlformats.org/drawingml/2006/main" xmlns:r="http://schemas.openxmlformats.org/officeDocument/2006/relationships" xmlns:mc="http://schemas.openxmlformats.org/markup-compatibility/2006" xmlns:mv="urn:schemas-microsoft-com:mac:vml" xmlns:p="http://schemas.openxmlformats.org/presentationml/2006/main" xmlns:c="http://schemas.openxmlformats.org/drawingml/2006/chart" xmlns:dgm="http://schemas.openxmlformats.org/drawingml/2006/diagram" xmlns:o="urn:schemas-microsoft-com:office:office" xmlns:v="urn:schemas-microsoft-com:vml" xmlns:pvml="urn:schemas-microsoft-com:office:powerpoint" xmlns:com="http://schemas.openxmlformats.org/drawingml/2006/compatibility" xmlns:p14="http://schemas.microsoft.com/office/powerpoint/2010/main" xmlns:p15="http://schemas.microsoft.com/office/powerpoint/2012/main" xmlns:ahyp="http://schemas.microsoft.com/office/drawing/2018/hyperlinkcolor" showMasterPhAnim="0" showMasterSp="0">
-  <p:cSld>
-    <p:spTree>
-      <p:nvGrpSpPr>
-        <p:cNvPr id="122" name="Shape 122"/>
-        <p:cNvGrpSpPr/>
-        <p:nvPr/>
-      </p:nvGrpSpPr>
-      <p:grpSpPr>
-        <a:xfrm>
-          <a:off x="0" y="0"/>
-          <a:ext cx="0" cy="0"/>
-          <a:chOff x="0" y="0"/>
-          <a:chExt cx="0" cy="0"/>
-        </a:xfrm>
-      </p:grpSpPr>
-      <p:sp>
-        <p:nvSpPr>
-          <p:cNvPr id="123" name="Google Shape;123;g3224b178bab_0_86:notes"/>
-          <p:cNvSpPr/>
-          <p:nvPr>
-            <p:ph idx="2" type="sldImg"/>
-          </p:nvPr>
-        </p:nvSpPr>
-        <p:spPr>
-          <a:xfrm>
-            <a:off x="381300" y="685800"/>
-            <a:ext cx="6096000" cy="3429000"/>
-          </a:xfrm>
-          <a:custGeom>
-            <a:rect b="b" l="l" r="r" t="t"/>
-            <a:pathLst>
-              <a:path extrusionOk="0" h="120000" w="120000">
-                <a:moveTo>
-                  <a:pt x="0" y="0"/>
-                </a:moveTo>
-                <a:lnTo>
-                  <a:pt x="120000" y="0"/>
-                </a:lnTo>
-                <a:lnTo>
-                  <a:pt x="120000" y="120000"/>
-                </a:lnTo>
-                <a:lnTo>
-                  <a:pt x="0" y="120000"/>
-                </a:lnTo>
-                <a:close/>
-              </a:path>
-            </a:pathLst>
-          </a:custGeom>
-        </p:spPr>
-      </p:sp>
-      <p:sp>
-        <p:nvSpPr>
-          <p:cNvPr id="124" name="Google Shape;124;g3224b178bab_0_86:notes"/>
-          <p:cNvSpPr txBox="1"/>
-          <p:nvPr>
-            <p:ph idx="1" type="body"/>
-          </p:nvPr>
-        </p:nvSpPr>
-        <p:spPr>
-          <a:xfrm>
-            <a:off x="685800" y="4343400"/>
-            <a:ext cx="5486400" cy="4114800"/>
-          </a:xfrm>
-          <a:prstGeom prst="rect">
-            <a:avLst/>
-          </a:prstGeom>
-        </p:spPr>
-        <p:txBody>
-          <a:bodyPr anchorCtr="0" anchor="t" bIns="91425" lIns="91425" spcFirstLastPara="1" rIns="91425" wrap="square" tIns="91425">
-            <a:noAutofit/>
-          </a:bodyPr>
-          <a:lstStyle/>
-          <a:p>
-            <a:pPr indent="0" lvl="0" marL="0" rtl="0" algn="l">
-              <a:spcBef>
-                <a:spcPts val="0"/>
-              </a:spcBef>
-              <a:spcAft>
-                <a:spcPts val="0"/>
-              </a:spcAft>
-              <a:buClr>
-                <a:schemeClr val="dk1"/>
-              </a:buClr>
-              <a:buSzPts val="1100"/>
-              <a:buFont typeface="Arial"/>
               <a:buNone/>
             </a:pPr>
             <a:r>
@@ -6925,8 +6854,8 @@
         </p:nvSpPr>
         <p:spPr>
           <a:xfrm>
-            <a:off x="1657650" y="501650"/>
-            <a:ext cx="3390600" cy="572700"/>
+            <a:off x="2140500" y="485300"/>
+            <a:ext cx="6681600" cy="572700"/>
           </a:xfrm>
           <a:prstGeom prst="rect">
             <a:avLst/>
@@ -6948,20 +6877,465 @@
               <a:buNone/>
             </a:pPr>
             <a:r>
-              <a:rPr i="1" lang="en"/>
-              <a:t>Community X </a:t>
-            </a:r>
-            <a:r>
               <a:rPr lang="en"/>
-              <a:t>Profile</a:t>
+              <a:t>Introduction</a:t>
             </a:r>
             <a:endParaRPr/>
+          </a:p>
+        </p:txBody>
+      </p:sp>
+      <p:sp>
+        <p:nvSpPr>
+          <p:cNvPr id="55" name="Google Shape;55;p13"/>
+          <p:cNvSpPr txBox="1"/>
+          <p:nvPr>
+            <p:ph idx="1" type="body"/>
+          </p:nvPr>
+        </p:nvSpPr>
+        <p:spPr>
+          <a:xfrm>
+            <a:off x="2140500" y="1000075"/>
+            <a:ext cx="6681600" cy="3416400"/>
+          </a:xfrm>
+          <a:prstGeom prst="rect">
+            <a:avLst/>
+          </a:prstGeom>
+        </p:spPr>
+        <p:txBody>
+          <a:bodyPr anchorCtr="0" anchor="t" bIns="91425" lIns="91425" spcFirstLastPara="1" rIns="91425" wrap="square" tIns="91425">
+            <a:normAutofit/>
+          </a:bodyPr>
+          <a:lstStyle/>
+          <a:p>
+            <a:pPr indent="0" lvl="0" marL="0" rtl="0" algn="l">
+              <a:spcBef>
+                <a:spcPts val="1200"/>
+              </a:spcBef>
+              <a:spcAft>
+                <a:spcPts val="0"/>
+              </a:spcAft>
+              <a:buClr>
+                <a:schemeClr val="dk1"/>
+              </a:buClr>
+              <a:buSzPts val="1100"/>
+              <a:buFont typeface="Arial"/>
+              <a:buNone/>
+            </a:pPr>
+            <a:r>
+              <a:rPr lang="en" sz="1300">
+                <a:solidFill>
+                  <a:schemeClr val="dk1"/>
+                </a:solidFill>
+              </a:rPr>
+              <a:t>This report presents a wide variety of health health indicators for every community in </a:t>
+            </a:r>
+            <a:r>
+              <a:rPr lang="en" sz="1300">
+                <a:solidFill>
+                  <a:schemeClr val="dk1"/>
+                </a:solidFill>
+              </a:rPr>
+              <a:t>suburban</a:t>
+            </a:r>
+            <a:r>
+              <a:rPr lang="en" sz="1300">
+                <a:solidFill>
+                  <a:schemeClr val="dk1"/>
+                </a:solidFill>
+              </a:rPr>
+              <a:t> Cook County, Illinois. The report contains the measures for one community per page. You can go to a community’s page by clicking on the county name in the navigation box to the left or on a community in the map below.</a:t>
+            </a:r>
+            <a:endParaRPr sz="1300">
+              <a:solidFill>
+                <a:schemeClr val="dk1"/>
+              </a:solidFill>
+            </a:endParaRPr>
+          </a:p>
+          <a:p>
+            <a:pPr indent="0" lvl="0" marL="0" rtl="0" algn="l">
+              <a:spcBef>
+                <a:spcPts val="1200"/>
+              </a:spcBef>
+              <a:spcAft>
+                <a:spcPts val="0"/>
+              </a:spcAft>
+              <a:buClr>
+                <a:schemeClr val="dk1"/>
+              </a:buClr>
+              <a:buSzPts val="1100"/>
+              <a:buFont typeface="Arial"/>
+              <a:buNone/>
+            </a:pPr>
+            <a:r>
+              <a:rPr lang="en" sz="1300">
+                <a:solidFill>
+                  <a:schemeClr val="dk1"/>
+                </a:solidFill>
+              </a:rPr>
+              <a:t>The community health indicators are accompanied by both numbers and rates. The most up-to-date health data is compared against past health data to show changes or patterns. For more information, please see the methodology.</a:t>
+            </a:r>
+            <a:endParaRPr sz="1300">
+              <a:solidFill>
+                <a:schemeClr val="dk1"/>
+              </a:solidFill>
+            </a:endParaRPr>
+          </a:p>
+          <a:p>
+            <a:pPr indent="0" lvl="0" marL="0" rtl="0" algn="l">
+              <a:spcBef>
+                <a:spcPts val="1200"/>
+              </a:spcBef>
+              <a:spcAft>
+                <a:spcPts val="1200"/>
+              </a:spcAft>
+              <a:buNone/>
+            </a:pPr>
+            <a:r>
+              <a:t/>
+            </a:r>
+            <a:endParaRPr/>
+          </a:p>
+        </p:txBody>
+      </p:sp>
+      <p:sp>
+        <p:nvSpPr>
+          <p:cNvPr id="56" name="Google Shape;56;p13"/>
+          <p:cNvSpPr txBox="1"/>
+          <p:nvPr>
+            <p:ph idx="1" type="body"/>
+          </p:nvPr>
+        </p:nvSpPr>
+        <p:spPr>
+          <a:xfrm>
+            <a:off x="0" y="462750"/>
+            <a:ext cx="972600" cy="4680900"/>
+          </a:xfrm>
+          <a:prstGeom prst="rect">
+            <a:avLst/>
+          </a:prstGeom>
+          <a:solidFill>
+            <a:schemeClr val="lt2"/>
+          </a:solidFill>
+        </p:spPr>
+        <p:txBody>
+          <a:bodyPr anchorCtr="0" anchor="t" bIns="91425" lIns="91425" spcFirstLastPara="1" rIns="91425" wrap="square" tIns="91425">
+            <a:normAutofit/>
+          </a:bodyPr>
+          <a:lstStyle/>
+          <a:p>
+            <a:pPr indent="0" lvl="0" marL="0" rtl="0" algn="l">
+              <a:lnSpc>
+                <a:spcPct val="100000"/>
+              </a:lnSpc>
+              <a:spcBef>
+                <a:spcPts val="0"/>
+              </a:spcBef>
+              <a:spcAft>
+                <a:spcPts val="0"/>
+              </a:spcAft>
+              <a:buNone/>
+            </a:pPr>
+            <a:r>
+              <a:rPr b="1" lang="en" sz="900"/>
+              <a:t>I</a:t>
+            </a:r>
+            <a:r>
+              <a:rPr b="1" lang="en" sz="900"/>
+              <a:t>ntroduction</a:t>
+            </a:r>
+            <a:endParaRPr b="1" sz="900"/>
+          </a:p>
+          <a:p>
+            <a:pPr indent="0" lvl="0" marL="0" rtl="0" algn="l">
+              <a:lnSpc>
+                <a:spcPct val="100000"/>
+              </a:lnSpc>
+              <a:spcBef>
+                <a:spcPts val="1200"/>
+              </a:spcBef>
+              <a:spcAft>
+                <a:spcPts val="0"/>
+              </a:spcAft>
+              <a:buNone/>
+            </a:pPr>
+            <a:r>
+              <a:rPr b="1" lang="en" sz="900"/>
+              <a:t>Methods</a:t>
+            </a:r>
+            <a:endParaRPr b="1" sz="900"/>
+          </a:p>
+          <a:p>
+            <a:pPr indent="0" lvl="0" marL="0" rtl="0" algn="l">
+              <a:lnSpc>
+                <a:spcPct val="100000"/>
+              </a:lnSpc>
+              <a:spcBef>
+                <a:spcPts val="1200"/>
+              </a:spcBef>
+              <a:spcAft>
+                <a:spcPts val="0"/>
+              </a:spcAft>
+              <a:buNone/>
+            </a:pPr>
+            <a:r>
+              <a:rPr b="1" lang="en" sz="900"/>
+              <a:t>Communities</a:t>
+            </a:r>
+            <a:endParaRPr b="1" sz="900"/>
+          </a:p>
+          <a:p>
+            <a:pPr indent="0" lvl="0" marL="0" rtl="0" algn="l">
+              <a:lnSpc>
+                <a:spcPct val="100000"/>
+              </a:lnSpc>
+              <a:spcBef>
+                <a:spcPts val="1200"/>
+              </a:spcBef>
+              <a:spcAft>
+                <a:spcPts val="0"/>
+              </a:spcAft>
+              <a:buNone/>
+            </a:pPr>
+            <a:r>
+              <a:rPr lang="en" sz="900"/>
+              <a:t>[search bar]</a:t>
+            </a:r>
+            <a:endParaRPr sz="900"/>
+          </a:p>
+          <a:p>
+            <a:pPr indent="0" lvl="0" marL="0" rtl="0" algn="l">
+              <a:lnSpc>
+                <a:spcPct val="100000"/>
+              </a:lnSpc>
+              <a:spcBef>
+                <a:spcPts val="1200"/>
+              </a:spcBef>
+              <a:spcAft>
+                <a:spcPts val="0"/>
+              </a:spcAft>
+              <a:buNone/>
+            </a:pPr>
+            <a:r>
+              <a:rPr lang="en" sz="900"/>
+              <a:t>Alsip</a:t>
+            </a:r>
+            <a:endParaRPr sz="900"/>
+          </a:p>
+          <a:p>
+            <a:pPr indent="0" lvl="0" marL="0" rtl="0" algn="l">
+              <a:lnSpc>
+                <a:spcPct val="100000"/>
+              </a:lnSpc>
+              <a:spcBef>
+                <a:spcPts val="1200"/>
+              </a:spcBef>
+              <a:spcAft>
+                <a:spcPts val="0"/>
+              </a:spcAft>
+              <a:buClr>
+                <a:schemeClr val="dk1"/>
+              </a:buClr>
+              <a:buSzPts val="1100"/>
+              <a:buFont typeface="Arial"/>
+              <a:buNone/>
+            </a:pPr>
+            <a:r>
+              <a:rPr lang="en" sz="900"/>
+              <a:t>Arlington Heights</a:t>
+            </a:r>
+            <a:endParaRPr sz="900"/>
+          </a:p>
+          <a:p>
+            <a:pPr indent="0" lvl="0" marL="0" rtl="0" algn="l">
+              <a:lnSpc>
+                <a:spcPct val="100000"/>
+              </a:lnSpc>
+              <a:spcBef>
+                <a:spcPts val="1200"/>
+              </a:spcBef>
+              <a:spcAft>
+                <a:spcPts val="0"/>
+              </a:spcAft>
+              <a:buNone/>
+            </a:pPr>
+            <a:r>
+              <a:rPr lang="en" sz="900"/>
+              <a:t>Barrington</a:t>
+            </a:r>
+            <a:endParaRPr sz="900"/>
+          </a:p>
+          <a:p>
+            <a:pPr indent="0" lvl="0" marL="0" rtl="0" algn="l">
+              <a:lnSpc>
+                <a:spcPct val="100000"/>
+              </a:lnSpc>
+              <a:spcBef>
+                <a:spcPts val="1200"/>
+              </a:spcBef>
+              <a:spcAft>
+                <a:spcPts val="0"/>
+              </a:spcAft>
+              <a:buClr>
+                <a:schemeClr val="dk1"/>
+              </a:buClr>
+              <a:buSzPts val="1100"/>
+              <a:buFont typeface="Arial"/>
+              <a:buNone/>
+            </a:pPr>
+            <a:r>
+              <a:rPr lang="en" sz="900"/>
+              <a:t>Barrington Hills</a:t>
+            </a:r>
+            <a:endParaRPr sz="900"/>
+          </a:p>
+          <a:p>
+            <a:pPr indent="0" lvl="0" marL="0" rtl="0" algn="l">
+              <a:lnSpc>
+                <a:spcPct val="100000"/>
+              </a:lnSpc>
+              <a:spcBef>
+                <a:spcPts val="1200"/>
+              </a:spcBef>
+              <a:spcAft>
+                <a:spcPts val="0"/>
+              </a:spcAft>
+              <a:buNone/>
+            </a:pPr>
+            <a:r>
+              <a:rPr lang="en" sz="900"/>
+              <a:t>Bartlett</a:t>
+            </a:r>
+            <a:endParaRPr sz="900"/>
+          </a:p>
+          <a:p>
+            <a:pPr indent="0" lvl="0" marL="0" rtl="0" algn="l">
+              <a:lnSpc>
+                <a:spcPct val="100000"/>
+              </a:lnSpc>
+              <a:spcBef>
+                <a:spcPts val="1200"/>
+              </a:spcBef>
+              <a:spcAft>
+                <a:spcPts val="0"/>
+              </a:spcAft>
+              <a:buClr>
+                <a:schemeClr val="dk1"/>
+              </a:buClr>
+              <a:buSzPts val="1100"/>
+              <a:buFont typeface="Arial"/>
+              <a:buNone/>
+            </a:pPr>
+            <a:r>
+              <a:rPr lang="en" sz="900"/>
+              <a:t>Bedford Park</a:t>
+            </a:r>
+            <a:endParaRPr sz="900"/>
+          </a:p>
+          <a:p>
+            <a:pPr indent="0" lvl="0" marL="0" rtl="0" algn="l">
+              <a:lnSpc>
+                <a:spcPct val="100000"/>
+              </a:lnSpc>
+              <a:spcBef>
+                <a:spcPts val="1200"/>
+              </a:spcBef>
+              <a:spcAft>
+                <a:spcPts val="0"/>
+              </a:spcAft>
+              <a:buClr>
+                <a:schemeClr val="dk1"/>
+              </a:buClr>
+              <a:buSzPts val="1100"/>
+              <a:buFont typeface="Arial"/>
+              <a:buNone/>
+            </a:pPr>
+            <a:r>
+              <a:rPr lang="en" sz="900"/>
+              <a:t>Bellwood</a:t>
+            </a:r>
+            <a:endParaRPr sz="900"/>
+          </a:p>
+          <a:p>
+            <a:pPr indent="0" lvl="0" marL="0" rtl="0" algn="l">
+              <a:lnSpc>
+                <a:spcPct val="100000"/>
+              </a:lnSpc>
+              <a:spcBef>
+                <a:spcPts val="1200"/>
+              </a:spcBef>
+              <a:spcAft>
+                <a:spcPts val="0"/>
+              </a:spcAft>
+              <a:buNone/>
+            </a:pPr>
+            <a:r>
+              <a:rPr lang="en" sz="900"/>
+              <a:t>Bensenville</a:t>
+            </a:r>
+            <a:endParaRPr sz="900"/>
+          </a:p>
+          <a:p>
+            <a:pPr indent="0" lvl="0" marL="0" rtl="0" algn="l">
+              <a:lnSpc>
+                <a:spcPct val="100000"/>
+              </a:lnSpc>
+              <a:spcBef>
+                <a:spcPts val="1200"/>
+              </a:spcBef>
+              <a:spcAft>
+                <a:spcPts val="0"/>
+              </a:spcAft>
+              <a:buNone/>
+            </a:pPr>
+            <a:r>
+              <a:rPr lang="en" sz="900"/>
+              <a:t>Berkeley</a:t>
+            </a:r>
+            <a:endParaRPr sz="900"/>
+          </a:p>
+          <a:p>
+            <a:pPr indent="0" lvl="0" marL="0" rtl="0" algn="l">
+              <a:lnSpc>
+                <a:spcPct val="100000"/>
+              </a:lnSpc>
+              <a:spcBef>
+                <a:spcPts val="1200"/>
+              </a:spcBef>
+              <a:spcAft>
+                <a:spcPts val="0"/>
+              </a:spcAft>
+              <a:buNone/>
+            </a:pPr>
+            <a:r>
+              <a:rPr lang="en" sz="900"/>
+              <a:t>Community X</a:t>
+            </a:r>
+            <a:endParaRPr sz="900"/>
+          </a:p>
+          <a:p>
+            <a:pPr indent="0" lvl="0" marL="0" rtl="0" algn="l">
+              <a:lnSpc>
+                <a:spcPct val="100000"/>
+              </a:lnSpc>
+              <a:spcBef>
+                <a:spcPts val="1200"/>
+              </a:spcBef>
+              <a:spcAft>
+                <a:spcPts val="1200"/>
+              </a:spcAft>
+              <a:buNone/>
+            </a:pPr>
+            <a:r>
+              <a:rPr b="1" lang="en" sz="900"/>
+              <a:t>…</a:t>
+            </a:r>
+            <a:endParaRPr b="1" sz="900"/>
           </a:p>
         </p:txBody>
       </p:sp>
       <p:pic>
         <p:nvPicPr>
-          <p:cNvPr id="55" name="Google Shape;55;p13"/>
+          <p:cNvPr id="57" name="Google Shape;57;p13"/>
           <p:cNvPicPr preferRelativeResize="0"/>
           <p:nvPr/>
         </p:nvPicPr>
@@ -6975,8 +7349,8 @@
         </p:blipFill>
         <p:spPr>
           <a:xfrm>
-            <a:off x="1814821" y="4187950"/>
-            <a:ext cx="976203" cy="955550"/>
+            <a:off x="2828374" y="2953800"/>
+            <a:ext cx="3797426" cy="2239400"/>
           </a:xfrm>
           <a:prstGeom prst="rect">
             <a:avLst/>
@@ -6987,154 +7361,6 @@
           </a:ln>
         </p:spPr>
       </p:pic>
-      <p:sp>
-        <p:nvSpPr>
-          <p:cNvPr id="56" name="Google Shape;56;p13"/>
-          <p:cNvSpPr txBox="1"/>
-          <p:nvPr/>
-        </p:nvSpPr>
-        <p:spPr>
-          <a:xfrm>
-            <a:off x="1710313" y="3742700"/>
-            <a:ext cx="2612700" cy="338700"/>
-          </a:xfrm>
-          <a:prstGeom prst="rect">
-            <a:avLst/>
-          </a:prstGeom>
-          <a:noFill/>
-          <a:ln>
-            <a:noFill/>
-          </a:ln>
-        </p:spPr>
-        <p:txBody>
-          <a:bodyPr anchorCtr="0" anchor="t" bIns="91425" lIns="91425" spcFirstLastPara="1" rIns="91425" wrap="square" tIns="91425">
-            <a:noAutofit/>
-          </a:bodyPr>
-          <a:lstStyle/>
-          <a:p>
-            <a:pPr indent="0" lvl="0" marL="0" rtl="0" algn="l">
-              <a:spcBef>
-                <a:spcPts val="0"/>
-              </a:spcBef>
-              <a:spcAft>
-                <a:spcPts val="0"/>
-              </a:spcAft>
-              <a:buNone/>
-            </a:pPr>
-            <a:r>
-              <a:rPr lang="en" sz="1800">
-                <a:solidFill>
-                  <a:schemeClr val="dk1"/>
-                </a:solidFill>
-              </a:rPr>
-              <a:t>Community</a:t>
-            </a:r>
-            <a:r>
-              <a:rPr lang="en" sz="1800">
-                <a:solidFill>
-                  <a:schemeClr val="dk1"/>
-                </a:solidFill>
-              </a:rPr>
-              <a:t> Location</a:t>
-            </a:r>
-            <a:endParaRPr sz="1800">
-              <a:solidFill>
-                <a:schemeClr val="dk1"/>
-              </a:solidFill>
-            </a:endParaRPr>
-          </a:p>
-        </p:txBody>
-      </p:sp>
-      <p:sp>
-        <p:nvSpPr>
-          <p:cNvPr id="57" name="Google Shape;57;p13"/>
-          <p:cNvSpPr txBox="1"/>
-          <p:nvPr/>
-        </p:nvSpPr>
-        <p:spPr>
-          <a:xfrm>
-            <a:off x="1710313" y="2298013"/>
-            <a:ext cx="7277100" cy="793200"/>
-          </a:xfrm>
-          <a:prstGeom prst="rect">
-            <a:avLst/>
-          </a:prstGeom>
-          <a:noFill/>
-          <a:ln>
-            <a:noFill/>
-          </a:ln>
-        </p:spPr>
-        <p:txBody>
-          <a:bodyPr anchorCtr="0" anchor="t" bIns="91425" lIns="91425" spcFirstLastPara="1" rIns="91425" wrap="square" tIns="91425">
-            <a:noAutofit/>
-          </a:bodyPr>
-          <a:lstStyle/>
-          <a:p>
-            <a:pPr indent="0" lvl="0" marL="0" rtl="0" algn="l">
-              <a:spcBef>
-                <a:spcPts val="0"/>
-              </a:spcBef>
-              <a:spcAft>
-                <a:spcPts val="0"/>
-              </a:spcAft>
-              <a:buNone/>
-            </a:pPr>
-            <a:r>
-              <a:rPr lang="en" sz="1800">
-                <a:solidFill>
-                  <a:schemeClr val="dk1"/>
-                </a:solidFill>
-              </a:rPr>
-              <a:t>Source</a:t>
-            </a:r>
-            <a:endParaRPr sz="1800">
-              <a:solidFill>
-                <a:schemeClr val="dk1"/>
-              </a:solidFill>
-            </a:endParaRPr>
-          </a:p>
-          <a:p>
-            <a:pPr indent="0" lvl="0" marL="0" rtl="0" algn="l">
-              <a:spcBef>
-                <a:spcPts val="0"/>
-              </a:spcBef>
-              <a:spcAft>
-                <a:spcPts val="0"/>
-              </a:spcAft>
-              <a:buNone/>
-            </a:pPr>
-            <a:r>
-              <a:rPr lang="en" sz="1100">
-                <a:solidFill>
-                  <a:schemeClr val="dk1"/>
-                </a:solidFill>
-              </a:rPr>
-              <a:t>This page is the community profile for </a:t>
-            </a:r>
-            <a:r>
-              <a:rPr i="1" lang="en" sz="1100">
-                <a:solidFill>
-                  <a:schemeClr val="dk1"/>
-                </a:solidFill>
-              </a:rPr>
-              <a:t>Community X</a:t>
-            </a:r>
-            <a:r>
-              <a:rPr lang="en" sz="1100">
-                <a:solidFill>
-                  <a:schemeClr val="dk1"/>
-                </a:solidFill>
-              </a:rPr>
-              <a:t>. It contains health statistical measures for the community. The data is sourced from the Cook County Health Atlas. For more information, please see the methodology page. </a:t>
-            </a:r>
-            <a:endParaRPr sz="1100">
-              <a:solidFill>
-                <a:schemeClr val="dk1"/>
-              </a:solidFill>
-            </a:endParaRPr>
-          </a:p>
-        </p:txBody>
-      </p:sp>
       <p:pic>
         <p:nvPicPr>
           <p:cNvPr descr="Home - Cook County Department of Public Health" id="58" name="Google Shape;58;p13"/>
@@ -7211,793 +7437,13 @@
                   <a:schemeClr val="dk2"/>
                 </a:solidFill>
               </a:rPr>
-              <a:t>font</a:t>
-            </a:r>
-            <a:r>
-              <a:rPr lang="en">
-                <a:solidFill>
-                  <a:schemeClr val="dk2"/>
-                </a:solidFill>
-              </a:rPr>
-              <a:t> settings] [zoom] [audio reader] [search bar] [download pdf] [share]</a:t>
+              <a:t>font settings] [zoom] [audio reader] [search bar] [download pdf] [share]</a:t>
             </a:r>
             <a:endParaRPr>
               <a:solidFill>
                 <a:schemeClr val="dk2"/>
               </a:solidFill>
             </a:endParaRPr>
-          </a:p>
-        </p:txBody>
-      </p:sp>
-      <p:sp>
-        <p:nvSpPr>
-          <p:cNvPr id="60" name="Google Shape;60;p13"/>
-          <p:cNvSpPr txBox="1"/>
-          <p:nvPr/>
-        </p:nvSpPr>
-        <p:spPr>
-          <a:xfrm>
-            <a:off x="1710313" y="3127625"/>
-            <a:ext cx="7277100" cy="572700"/>
-          </a:xfrm>
-          <a:prstGeom prst="rect">
-            <a:avLst/>
-          </a:prstGeom>
-          <a:noFill/>
-          <a:ln>
-            <a:noFill/>
-          </a:ln>
-        </p:spPr>
-        <p:txBody>
-          <a:bodyPr anchorCtr="0" anchor="t" bIns="91425" lIns="91425" spcFirstLastPara="1" rIns="91425" wrap="square" tIns="91425">
-            <a:noAutofit/>
-          </a:bodyPr>
-          <a:lstStyle/>
-          <a:p>
-            <a:pPr indent="0" lvl="0" marL="0" rtl="0" algn="l">
-              <a:spcBef>
-                <a:spcPts val="0"/>
-              </a:spcBef>
-              <a:spcAft>
-                <a:spcPts val="0"/>
-              </a:spcAft>
-              <a:buNone/>
-            </a:pPr>
-            <a:r>
-              <a:rPr lang="en" sz="1800">
-                <a:solidFill>
-                  <a:schemeClr val="dk1"/>
-                </a:solidFill>
-              </a:rPr>
-              <a:t>Simplified View</a:t>
-            </a:r>
-            <a:endParaRPr sz="1800">
-              <a:solidFill>
-                <a:schemeClr val="dk1"/>
-              </a:solidFill>
-            </a:endParaRPr>
-          </a:p>
-          <a:p>
-            <a:pPr indent="0" lvl="0" marL="0" rtl="0" algn="l">
-              <a:spcBef>
-                <a:spcPts val="0"/>
-              </a:spcBef>
-              <a:spcAft>
-                <a:spcPts val="0"/>
-              </a:spcAft>
-              <a:buNone/>
-            </a:pPr>
-            <a:r>
-              <a:rPr lang="en" sz="1100">
-                <a:solidFill>
-                  <a:schemeClr val="dk1"/>
-                </a:solidFill>
-              </a:rPr>
-              <a:t>View all tables</a:t>
-            </a:r>
-            <a:endParaRPr sz="1100">
-              <a:solidFill>
-                <a:schemeClr val="dk1"/>
-              </a:solidFill>
-            </a:endParaRPr>
-          </a:p>
-        </p:txBody>
-      </p:sp>
-      <p:sp>
-        <p:nvSpPr>
-          <p:cNvPr id="61" name="Google Shape;61;p13"/>
-          <p:cNvSpPr txBox="1"/>
-          <p:nvPr/>
-        </p:nvSpPr>
-        <p:spPr>
-          <a:xfrm>
-            <a:off x="1814822" y="1090475"/>
-            <a:ext cx="3233400" cy="1263000"/>
-          </a:xfrm>
-          <a:prstGeom prst="rect">
-            <a:avLst/>
-          </a:prstGeom>
-          <a:solidFill>
-            <a:srgbClr val="F3F3F3"/>
-          </a:solidFill>
-          <a:ln>
-            <a:noFill/>
-          </a:ln>
-        </p:spPr>
-        <p:txBody>
-          <a:bodyPr anchorCtr="0" anchor="t" bIns="91425" lIns="91425" spcFirstLastPara="1" rIns="91425" wrap="square" tIns="91425">
-            <a:noAutofit/>
-          </a:bodyPr>
-          <a:lstStyle/>
-          <a:p>
-            <a:pPr indent="0" lvl="0" marL="0" rtl="0" algn="l">
-              <a:spcBef>
-                <a:spcPts val="0"/>
-              </a:spcBef>
-              <a:spcAft>
-                <a:spcPts val="0"/>
-              </a:spcAft>
-              <a:buNone/>
-            </a:pPr>
-            <a:r>
-              <a:rPr lang="en" sz="1200">
-                <a:solidFill>
-                  <a:schemeClr val="dk2"/>
-                </a:solidFill>
-              </a:rPr>
-              <a:t>Strengths</a:t>
-            </a:r>
-            <a:endParaRPr sz="1200">
-              <a:solidFill>
-                <a:schemeClr val="dk2"/>
-              </a:solidFill>
-            </a:endParaRPr>
-          </a:p>
-          <a:p>
-            <a:pPr indent="-304800" lvl="0" marL="457200" rtl="0" algn="l">
-              <a:spcBef>
-                <a:spcPts val="0"/>
-              </a:spcBef>
-              <a:spcAft>
-                <a:spcPts val="0"/>
-              </a:spcAft>
-              <a:buClr>
-                <a:schemeClr val="dk2"/>
-              </a:buClr>
-              <a:buSzPts val="1200"/>
-              <a:buChar char="●"/>
-            </a:pPr>
-            <a:r>
-              <a:rPr lang="en" sz="1200">
-                <a:solidFill>
-                  <a:schemeClr val="dk2"/>
-                </a:solidFill>
-              </a:rPr>
-              <a:t> </a:t>
-            </a:r>
-            <a:endParaRPr sz="1200">
-              <a:solidFill>
-                <a:schemeClr val="dk2"/>
-              </a:solidFill>
-            </a:endParaRPr>
-          </a:p>
-          <a:p>
-            <a:pPr indent="-304800" lvl="0" marL="457200" rtl="0" algn="l">
-              <a:spcBef>
-                <a:spcPts val="0"/>
-              </a:spcBef>
-              <a:spcAft>
-                <a:spcPts val="0"/>
-              </a:spcAft>
-              <a:buClr>
-                <a:schemeClr val="dk2"/>
-              </a:buClr>
-              <a:buSzPts val="1200"/>
-              <a:buChar char="●"/>
-            </a:pPr>
-            <a:r>
-              <a:rPr lang="en" sz="1200">
-                <a:solidFill>
-                  <a:schemeClr val="dk2"/>
-                </a:solidFill>
-              </a:rPr>
-              <a:t> </a:t>
-            </a:r>
-            <a:endParaRPr sz="1200">
-              <a:solidFill>
-                <a:schemeClr val="dk2"/>
-              </a:solidFill>
-            </a:endParaRPr>
-          </a:p>
-          <a:p>
-            <a:pPr indent="0" lvl="0" marL="0" rtl="0" algn="l">
-              <a:spcBef>
-                <a:spcPts val="0"/>
-              </a:spcBef>
-              <a:spcAft>
-                <a:spcPts val="0"/>
-              </a:spcAft>
-              <a:buNone/>
-            </a:pPr>
-            <a:r>
-              <a:rPr lang="en" sz="1200">
-                <a:solidFill>
-                  <a:schemeClr val="dk2"/>
-                </a:solidFill>
-              </a:rPr>
-              <a:t>Challenges</a:t>
-            </a:r>
-            <a:endParaRPr sz="1200">
-              <a:solidFill>
-                <a:schemeClr val="dk2"/>
-              </a:solidFill>
-            </a:endParaRPr>
-          </a:p>
-          <a:p>
-            <a:pPr indent="-304800" lvl="0" marL="457200" rtl="0" algn="l">
-              <a:spcBef>
-                <a:spcPts val="0"/>
-              </a:spcBef>
-              <a:spcAft>
-                <a:spcPts val="0"/>
-              </a:spcAft>
-              <a:buClr>
-                <a:schemeClr val="dk2"/>
-              </a:buClr>
-              <a:buSzPts val="1200"/>
-              <a:buChar char="●"/>
-            </a:pPr>
-            <a:r>
-              <a:rPr lang="en" sz="1200">
-                <a:solidFill>
-                  <a:schemeClr val="dk2"/>
-                </a:solidFill>
-              </a:rPr>
-              <a:t> </a:t>
-            </a:r>
-            <a:endParaRPr sz="1200">
-              <a:solidFill>
-                <a:schemeClr val="dk2"/>
-              </a:solidFill>
-            </a:endParaRPr>
-          </a:p>
-          <a:p>
-            <a:pPr indent="-304800" lvl="0" marL="457200" rtl="0" algn="l">
-              <a:spcBef>
-                <a:spcPts val="0"/>
-              </a:spcBef>
-              <a:spcAft>
-                <a:spcPts val="0"/>
-              </a:spcAft>
-              <a:buClr>
-                <a:schemeClr val="dk2"/>
-              </a:buClr>
-              <a:buSzPts val="1200"/>
-              <a:buChar char="●"/>
-            </a:pPr>
-            <a:r>
-              <a:rPr lang="en" sz="1200">
-                <a:solidFill>
-                  <a:schemeClr val="dk2"/>
-                </a:solidFill>
-              </a:rPr>
-              <a:t> </a:t>
-            </a:r>
-            <a:endParaRPr sz="1200">
-              <a:solidFill>
-                <a:schemeClr val="dk2"/>
-              </a:solidFill>
-            </a:endParaRPr>
-          </a:p>
-          <a:p>
-            <a:pPr indent="0" lvl="0" marL="0" rtl="0" algn="l">
-              <a:spcBef>
-                <a:spcPts val="0"/>
-              </a:spcBef>
-              <a:spcAft>
-                <a:spcPts val="0"/>
-              </a:spcAft>
-              <a:buNone/>
-            </a:pPr>
-            <a:r>
-              <a:t/>
-            </a:r>
-            <a:endParaRPr sz="1800">
-              <a:solidFill>
-                <a:schemeClr val="dk2"/>
-              </a:solidFill>
-            </a:endParaRPr>
-          </a:p>
-        </p:txBody>
-      </p:sp>
-      <p:sp>
-        <p:nvSpPr>
-          <p:cNvPr id="62" name="Google Shape;62;p13"/>
-          <p:cNvSpPr txBox="1"/>
-          <p:nvPr/>
-        </p:nvSpPr>
-        <p:spPr>
-          <a:xfrm>
-            <a:off x="2638580" y="3016650"/>
-            <a:ext cx="5424000" cy="619500"/>
-          </a:xfrm>
-          <a:prstGeom prst="rect">
-            <a:avLst/>
-          </a:prstGeom>
-          <a:noFill/>
-          <a:ln>
-            <a:noFill/>
-          </a:ln>
-        </p:spPr>
-        <p:txBody>
-          <a:bodyPr anchorCtr="0" anchor="t" bIns="91425" lIns="91425" spcFirstLastPara="1" rIns="91425" wrap="square" tIns="91425">
-            <a:noAutofit/>
-          </a:bodyPr>
-          <a:lstStyle/>
-          <a:p>
-            <a:pPr indent="0" lvl="0" marL="0" rtl="0" algn="l">
-              <a:spcBef>
-                <a:spcPts val="0"/>
-              </a:spcBef>
-              <a:spcAft>
-                <a:spcPts val="0"/>
-              </a:spcAft>
-              <a:buNone/>
-            </a:pPr>
-            <a:r>
-              <a:t/>
-            </a:r>
-            <a:endParaRPr sz="1800">
-              <a:solidFill>
-                <a:schemeClr val="dk2"/>
-              </a:solidFill>
-            </a:endParaRPr>
-          </a:p>
-        </p:txBody>
-      </p:sp>
-      <p:sp>
-        <p:nvSpPr>
-          <p:cNvPr id="63" name="Google Shape;63;p13"/>
-          <p:cNvSpPr txBox="1"/>
-          <p:nvPr/>
-        </p:nvSpPr>
-        <p:spPr>
-          <a:xfrm>
-            <a:off x="5667400" y="1090500"/>
-            <a:ext cx="3165000" cy="1263000"/>
-          </a:xfrm>
-          <a:prstGeom prst="rect">
-            <a:avLst/>
-          </a:prstGeom>
-          <a:solidFill>
-            <a:srgbClr val="F3F3F3"/>
-          </a:solidFill>
-          <a:ln>
-            <a:noFill/>
-          </a:ln>
-        </p:spPr>
-        <p:txBody>
-          <a:bodyPr anchorCtr="0" anchor="t" bIns="91425" lIns="91425" spcFirstLastPara="1" rIns="91425" wrap="square" tIns="91425">
-            <a:noAutofit/>
-          </a:bodyPr>
-          <a:lstStyle/>
-          <a:p>
-            <a:pPr indent="0" lvl="0" marL="0" rtl="0" algn="l">
-              <a:spcBef>
-                <a:spcPts val="0"/>
-              </a:spcBef>
-              <a:spcAft>
-                <a:spcPts val="0"/>
-              </a:spcAft>
-              <a:buNone/>
-            </a:pPr>
-            <a:r>
-              <a:rPr lang="en" sz="1200">
-                <a:solidFill>
-                  <a:schemeClr val="dk2"/>
-                </a:solidFill>
-              </a:rPr>
-              <a:t>Highlights</a:t>
-            </a:r>
-            <a:endParaRPr sz="1200">
-              <a:solidFill>
-                <a:schemeClr val="dk2"/>
-              </a:solidFill>
-            </a:endParaRPr>
-          </a:p>
-          <a:p>
-            <a:pPr indent="-304800" lvl="0" marL="457200" rtl="0" algn="l">
-              <a:spcBef>
-                <a:spcPts val="0"/>
-              </a:spcBef>
-              <a:spcAft>
-                <a:spcPts val="0"/>
-              </a:spcAft>
-              <a:buClr>
-                <a:schemeClr val="dk2"/>
-              </a:buClr>
-              <a:buSzPts val="1200"/>
-              <a:buChar char="●"/>
-            </a:pPr>
-            <a:r>
-              <a:rPr lang="en" sz="1200">
-                <a:solidFill>
-                  <a:schemeClr val="dk2"/>
-                </a:solidFill>
-              </a:rPr>
-              <a:t> </a:t>
-            </a:r>
-            <a:endParaRPr sz="1200">
-              <a:solidFill>
-                <a:schemeClr val="dk2"/>
-              </a:solidFill>
-            </a:endParaRPr>
-          </a:p>
-          <a:p>
-            <a:pPr indent="-304800" lvl="0" marL="457200" rtl="0" algn="l">
-              <a:spcBef>
-                <a:spcPts val="0"/>
-              </a:spcBef>
-              <a:spcAft>
-                <a:spcPts val="0"/>
-              </a:spcAft>
-              <a:buClr>
-                <a:schemeClr val="dk2"/>
-              </a:buClr>
-              <a:buSzPts val="1200"/>
-              <a:buChar char="●"/>
-            </a:pPr>
-            <a:r>
-              <a:rPr lang="en" sz="1200">
-                <a:solidFill>
-                  <a:schemeClr val="dk2"/>
-                </a:solidFill>
-              </a:rPr>
-              <a:t> </a:t>
-            </a:r>
-            <a:endParaRPr sz="1200">
-              <a:solidFill>
-                <a:schemeClr val="dk2"/>
-              </a:solidFill>
-            </a:endParaRPr>
-          </a:p>
-          <a:p>
-            <a:pPr indent="-304800" lvl="0" marL="457200" rtl="0" algn="l">
-              <a:spcBef>
-                <a:spcPts val="0"/>
-              </a:spcBef>
-              <a:spcAft>
-                <a:spcPts val="0"/>
-              </a:spcAft>
-              <a:buClr>
-                <a:schemeClr val="dk2"/>
-              </a:buClr>
-              <a:buSzPts val="1200"/>
-              <a:buChar char="●"/>
-            </a:pPr>
-            <a:r>
-              <a:rPr lang="en" sz="1200">
-                <a:solidFill>
-                  <a:schemeClr val="dk2"/>
-                </a:solidFill>
-              </a:rPr>
-              <a:t> </a:t>
-            </a:r>
-            <a:endParaRPr sz="1200">
-              <a:solidFill>
-                <a:schemeClr val="dk2"/>
-              </a:solidFill>
-            </a:endParaRPr>
-          </a:p>
-          <a:p>
-            <a:pPr indent="0" lvl="0" marL="0" rtl="0" algn="l">
-              <a:spcBef>
-                <a:spcPts val="0"/>
-              </a:spcBef>
-              <a:spcAft>
-                <a:spcPts val="0"/>
-              </a:spcAft>
-              <a:buNone/>
-            </a:pPr>
-            <a:r>
-              <a:t/>
-            </a:r>
-            <a:endParaRPr sz="1800">
-              <a:solidFill>
-                <a:schemeClr val="dk2"/>
-              </a:solidFill>
-            </a:endParaRPr>
-          </a:p>
-        </p:txBody>
-      </p:sp>
-      <p:sp>
-        <p:nvSpPr>
-          <p:cNvPr id="64" name="Google Shape;64;p13"/>
-          <p:cNvSpPr txBox="1"/>
-          <p:nvPr>
-            <p:ph idx="1" type="body"/>
-          </p:nvPr>
-        </p:nvSpPr>
-        <p:spPr>
-          <a:xfrm>
-            <a:off x="0" y="685825"/>
-            <a:ext cx="972600" cy="5143500"/>
-          </a:xfrm>
-          <a:prstGeom prst="rect">
-            <a:avLst/>
-          </a:prstGeom>
-          <a:solidFill>
-            <a:schemeClr val="lt2"/>
-          </a:solidFill>
-        </p:spPr>
-        <p:txBody>
-          <a:bodyPr anchorCtr="0" anchor="t" bIns="91425" lIns="91425" spcFirstLastPara="1" rIns="91425" wrap="square" tIns="91425">
-            <a:normAutofit/>
-          </a:bodyPr>
-          <a:lstStyle/>
-          <a:p>
-            <a:pPr indent="0" lvl="0" marL="0" rtl="0" algn="l">
-              <a:spcBef>
-                <a:spcPts val="0"/>
-              </a:spcBef>
-              <a:spcAft>
-                <a:spcPts val="0"/>
-              </a:spcAft>
-              <a:buNone/>
-            </a:pPr>
-            <a:r>
-              <a:rPr b="1" lang="en" sz="900"/>
-              <a:t>I</a:t>
-            </a:r>
-            <a:r>
-              <a:rPr b="1" lang="en" sz="900"/>
-              <a:t>ntroduction</a:t>
-            </a:r>
-            <a:endParaRPr b="1" sz="900"/>
-          </a:p>
-          <a:p>
-            <a:pPr indent="0" lvl="0" marL="0" rtl="0" algn="l">
-              <a:spcBef>
-                <a:spcPts val="1200"/>
-              </a:spcBef>
-              <a:spcAft>
-                <a:spcPts val="0"/>
-              </a:spcAft>
-              <a:buNone/>
-            </a:pPr>
-            <a:r>
-              <a:rPr b="1" lang="en" sz="900"/>
-              <a:t>Methods</a:t>
-            </a:r>
-            <a:endParaRPr b="1" sz="900"/>
-          </a:p>
-          <a:p>
-            <a:pPr indent="0" lvl="0" marL="0" rtl="0" algn="l">
-              <a:spcBef>
-                <a:spcPts val="1200"/>
-              </a:spcBef>
-              <a:spcAft>
-                <a:spcPts val="0"/>
-              </a:spcAft>
-              <a:buNone/>
-            </a:pPr>
-            <a:r>
-              <a:rPr b="1" lang="en" sz="900"/>
-              <a:t>Communities</a:t>
-            </a:r>
-            <a:endParaRPr b="1" sz="900"/>
-          </a:p>
-          <a:p>
-            <a:pPr indent="0" lvl="0" marL="0" rtl="0" algn="l">
-              <a:spcBef>
-                <a:spcPts val="1200"/>
-              </a:spcBef>
-              <a:spcAft>
-                <a:spcPts val="0"/>
-              </a:spcAft>
-              <a:buNone/>
-            </a:pPr>
-            <a:r>
-              <a:rPr lang="en" sz="900"/>
-              <a:t>[search bar]</a:t>
-            </a:r>
-            <a:endParaRPr sz="900"/>
-          </a:p>
-          <a:p>
-            <a:pPr indent="0" lvl="0" marL="0" rtl="0" algn="l">
-              <a:spcBef>
-                <a:spcPts val="1200"/>
-              </a:spcBef>
-              <a:spcAft>
-                <a:spcPts val="0"/>
-              </a:spcAft>
-              <a:buNone/>
-            </a:pPr>
-            <a:r>
-              <a:rPr lang="en" sz="900"/>
-              <a:t>Alsip</a:t>
-            </a:r>
-            <a:endParaRPr sz="900"/>
-          </a:p>
-          <a:p>
-            <a:pPr indent="0" lvl="0" marL="0" rtl="0" algn="l">
-              <a:spcBef>
-                <a:spcPts val="1200"/>
-              </a:spcBef>
-              <a:spcAft>
-                <a:spcPts val="0"/>
-              </a:spcAft>
-              <a:buClr>
-                <a:schemeClr val="dk1"/>
-              </a:buClr>
-              <a:buSzPts val="1100"/>
-              <a:buFont typeface="Arial"/>
-              <a:buNone/>
-            </a:pPr>
-            <a:r>
-              <a:rPr lang="en" sz="900"/>
-              <a:t>Arlington Heights</a:t>
-            </a:r>
-            <a:endParaRPr sz="900"/>
-          </a:p>
-          <a:p>
-            <a:pPr indent="0" lvl="0" marL="0" rtl="0" algn="l">
-              <a:spcBef>
-                <a:spcPts val="1200"/>
-              </a:spcBef>
-              <a:spcAft>
-                <a:spcPts val="0"/>
-              </a:spcAft>
-              <a:buNone/>
-            </a:pPr>
-            <a:r>
-              <a:rPr lang="en" sz="900"/>
-              <a:t>Barrington</a:t>
-            </a:r>
-            <a:endParaRPr sz="900"/>
-          </a:p>
-          <a:p>
-            <a:pPr indent="0" lvl="0" marL="0" rtl="0" algn="l">
-              <a:spcBef>
-                <a:spcPts val="1200"/>
-              </a:spcBef>
-              <a:spcAft>
-                <a:spcPts val="0"/>
-              </a:spcAft>
-              <a:buClr>
-                <a:schemeClr val="dk1"/>
-              </a:buClr>
-              <a:buSzPts val="1100"/>
-              <a:buFont typeface="Arial"/>
-              <a:buNone/>
-            </a:pPr>
-            <a:r>
-              <a:rPr lang="en" sz="900"/>
-              <a:t>Barrington Hills</a:t>
-            </a:r>
-            <a:endParaRPr sz="900"/>
-          </a:p>
-          <a:p>
-            <a:pPr indent="0" lvl="0" marL="0" rtl="0" algn="l">
-              <a:spcBef>
-                <a:spcPts val="1200"/>
-              </a:spcBef>
-              <a:spcAft>
-                <a:spcPts val="0"/>
-              </a:spcAft>
-              <a:buNone/>
-            </a:pPr>
-            <a:r>
-              <a:rPr lang="en" sz="900"/>
-              <a:t>Bartlett</a:t>
-            </a:r>
-            <a:endParaRPr sz="900"/>
-          </a:p>
-          <a:p>
-            <a:pPr indent="0" lvl="0" marL="0" rtl="0" algn="l">
-              <a:spcBef>
-                <a:spcPts val="1200"/>
-              </a:spcBef>
-              <a:spcAft>
-                <a:spcPts val="0"/>
-              </a:spcAft>
-              <a:buClr>
-                <a:schemeClr val="dk1"/>
-              </a:buClr>
-              <a:buSzPts val="1100"/>
-              <a:buFont typeface="Arial"/>
-              <a:buNone/>
-            </a:pPr>
-            <a:r>
-              <a:rPr lang="en" sz="900"/>
-              <a:t>Bedford Park</a:t>
-            </a:r>
-            <a:endParaRPr sz="900"/>
-          </a:p>
-          <a:p>
-            <a:pPr indent="0" lvl="0" marL="0" rtl="0" algn="l">
-              <a:spcBef>
-                <a:spcPts val="1200"/>
-              </a:spcBef>
-              <a:spcAft>
-                <a:spcPts val="0"/>
-              </a:spcAft>
-              <a:buClr>
-                <a:schemeClr val="dk1"/>
-              </a:buClr>
-              <a:buSzPts val="1100"/>
-              <a:buFont typeface="Arial"/>
-              <a:buNone/>
-            </a:pPr>
-            <a:r>
-              <a:rPr lang="en" sz="900"/>
-              <a:t>Bellwood</a:t>
-            </a:r>
-            <a:endParaRPr sz="900"/>
-          </a:p>
-          <a:p>
-            <a:pPr indent="0" lvl="0" marL="0" rtl="0" algn="l">
-              <a:spcBef>
-                <a:spcPts val="1200"/>
-              </a:spcBef>
-              <a:spcAft>
-                <a:spcPts val="0"/>
-              </a:spcAft>
-              <a:buNone/>
-            </a:pPr>
-            <a:r>
-              <a:rPr lang="en" sz="900"/>
-              <a:t>Bensenville</a:t>
-            </a:r>
-            <a:endParaRPr sz="900"/>
-          </a:p>
-          <a:p>
-            <a:pPr indent="0" lvl="0" marL="0" rtl="0" algn="l">
-              <a:spcBef>
-                <a:spcPts val="1200"/>
-              </a:spcBef>
-              <a:spcAft>
-                <a:spcPts val="0"/>
-              </a:spcAft>
-              <a:buNone/>
-            </a:pPr>
-            <a:r>
-              <a:rPr lang="en" sz="900"/>
-              <a:t>Berkeley</a:t>
-            </a:r>
-            <a:endParaRPr sz="900"/>
-          </a:p>
-          <a:p>
-            <a:pPr indent="0" lvl="0" marL="0" rtl="0" algn="l">
-              <a:spcBef>
-                <a:spcPts val="1200"/>
-              </a:spcBef>
-              <a:spcAft>
-                <a:spcPts val="0"/>
-              </a:spcAft>
-              <a:buNone/>
-            </a:pPr>
-            <a:r>
-              <a:rPr lang="en" sz="900"/>
-              <a:t>Berwyn</a:t>
-            </a:r>
-            <a:endParaRPr sz="900"/>
-          </a:p>
-          <a:p>
-            <a:pPr indent="0" lvl="0" marL="0" rtl="0" algn="l">
-              <a:spcBef>
-                <a:spcPts val="1200"/>
-              </a:spcBef>
-              <a:spcAft>
-                <a:spcPts val="1200"/>
-              </a:spcAft>
-              <a:buNone/>
-            </a:pPr>
-            <a:r>
-              <a:rPr b="1" lang="en" sz="900"/>
-              <a:t>…</a:t>
-            </a:r>
-            <a:endParaRPr b="1" sz="900"/>
           </a:p>
         </p:txBody>
       </p:sp>
@@ -8014,7 +7460,7 @@
   <p:cSld>
     <p:spTree>
       <p:nvGrpSpPr>
-        <p:cNvPr id="133" name="Shape 133"/>
+        <p:cNvPr id="137" name="Shape 137"/>
         <p:cNvGrpSpPr/>
         <p:nvPr/>
       </p:nvGrpSpPr>
@@ -8028,168 +7474,15 @@
       </p:grpSpPr>
       <p:sp>
         <p:nvSpPr>
-          <p:cNvPr id="134" name="Google Shape;134;p22"/>
+          <p:cNvPr id="138" name="Google Shape;138;p22"/>
           <p:cNvSpPr txBox="1"/>
           <p:nvPr>
-            <p:ph type="title"/>
+            <p:ph idx="4294967295" type="body"/>
           </p:nvPr>
         </p:nvSpPr>
         <p:spPr>
           <a:xfrm>
-            <a:off x="2140500" y="-12175"/>
-            <a:ext cx="6681600" cy="572700"/>
-          </a:xfrm>
-          <a:prstGeom prst="rect">
-            <a:avLst/>
-          </a:prstGeom>
-        </p:spPr>
-        <p:txBody>
-          <a:bodyPr anchorCtr="0" anchor="t" bIns="91425" lIns="91425" spcFirstLastPara="1" rIns="91425" wrap="square" tIns="91425">
-            <a:normAutofit fontScale="90000"/>
-          </a:bodyPr>
-          <a:lstStyle/>
-          <a:p>
-            <a:pPr indent="0" lvl="0" marL="0" rtl="0" algn="l">
-              <a:spcBef>
-                <a:spcPts val="0"/>
-              </a:spcBef>
-              <a:spcAft>
-                <a:spcPts val="0"/>
-              </a:spcAft>
-              <a:buNone/>
-            </a:pPr>
-            <a:r>
-              <a:rPr lang="en"/>
-              <a:t>Introduction</a:t>
-            </a:r>
-            <a:endParaRPr/>
-          </a:p>
-        </p:txBody>
-      </p:sp>
-      <p:sp>
-        <p:nvSpPr>
-          <p:cNvPr id="135" name="Google Shape;135;p22"/>
-          <p:cNvSpPr txBox="1"/>
-          <p:nvPr>
-            <p:ph idx="1" type="body"/>
-          </p:nvPr>
-        </p:nvSpPr>
-        <p:spPr>
-          <a:xfrm>
-            <a:off x="2140500" y="695275"/>
-            <a:ext cx="6681600" cy="3416400"/>
-          </a:xfrm>
-          <a:prstGeom prst="rect">
-            <a:avLst/>
-          </a:prstGeom>
-        </p:spPr>
-        <p:txBody>
-          <a:bodyPr anchorCtr="0" anchor="t" bIns="91425" lIns="91425" spcFirstLastPara="1" rIns="91425" wrap="square" tIns="91425">
-            <a:normAutofit/>
-          </a:bodyPr>
-          <a:lstStyle/>
-          <a:p>
-            <a:pPr indent="0" lvl="0" marL="0" rtl="0" algn="l">
-              <a:spcBef>
-                <a:spcPts val="1200"/>
-              </a:spcBef>
-              <a:spcAft>
-                <a:spcPts val="0"/>
-              </a:spcAft>
-              <a:buClr>
-                <a:schemeClr val="dk1"/>
-              </a:buClr>
-              <a:buSzPts val="1100"/>
-              <a:buFont typeface="Arial"/>
-              <a:buNone/>
-            </a:pPr>
-            <a:r>
-              <a:rPr lang="en" sz="1300">
-                <a:solidFill>
-                  <a:schemeClr val="dk1"/>
-                </a:solidFill>
-              </a:rPr>
-              <a:t>This report presents a wide variety of health health indicators for every community in </a:t>
-            </a:r>
-            <a:r>
-              <a:rPr lang="en" sz="1300">
-                <a:solidFill>
-                  <a:schemeClr val="dk1"/>
-                </a:solidFill>
-              </a:rPr>
-              <a:t>suburban</a:t>
-            </a:r>
-            <a:r>
-              <a:rPr lang="en" sz="1300">
-                <a:solidFill>
-                  <a:schemeClr val="dk1"/>
-                </a:solidFill>
-              </a:rPr>
-              <a:t> Cook County, Illinois. The report contains the measures for one community per page. You can go to a community’s page by clicking on the county name in the navigation box to the left or on a community in the map below.</a:t>
-            </a:r>
-            <a:endParaRPr sz="1300">
-              <a:solidFill>
-                <a:schemeClr val="dk1"/>
-              </a:solidFill>
-            </a:endParaRPr>
-          </a:p>
-          <a:p>
-            <a:pPr indent="0" lvl="0" marL="0" rtl="0" algn="l">
-              <a:spcBef>
-                <a:spcPts val="1200"/>
-              </a:spcBef>
-              <a:spcAft>
-                <a:spcPts val="0"/>
-              </a:spcAft>
-              <a:buClr>
-                <a:schemeClr val="dk1"/>
-              </a:buClr>
-              <a:buSzPts val="1100"/>
-              <a:buFont typeface="Arial"/>
-              <a:buNone/>
-            </a:pPr>
-            <a:r>
-              <a:rPr lang="en" sz="1300">
-                <a:solidFill>
-                  <a:schemeClr val="dk1"/>
-                </a:solidFill>
-              </a:rPr>
-              <a:t>The community health indicators are accompanied by both numbers and rates. The most up-to-date health data is compared against past health data to show changes or patterns. For more information, please see the methodology.</a:t>
-            </a:r>
-            <a:endParaRPr sz="1300">
-              <a:solidFill>
-                <a:schemeClr val="dk1"/>
-              </a:solidFill>
-            </a:endParaRPr>
-          </a:p>
-          <a:p>
-            <a:pPr indent="0" lvl="0" marL="0" rtl="0" algn="l">
-              <a:spcBef>
-                <a:spcPts val="1200"/>
-              </a:spcBef>
-              <a:spcAft>
-                <a:spcPts val="1200"/>
-              </a:spcAft>
-              <a:buNone/>
-            </a:pPr>
-            <a:r>
-              <a:t/>
-            </a:r>
-            <a:endParaRPr/>
-          </a:p>
-        </p:txBody>
-      </p:sp>
-      <p:sp>
-        <p:nvSpPr>
-          <p:cNvPr id="136" name="Google Shape;136;p22"/>
-          <p:cNvSpPr txBox="1"/>
-          <p:nvPr>
-            <p:ph idx="1" type="body"/>
-          </p:nvPr>
-        </p:nvSpPr>
-        <p:spPr>
-          <a:xfrm>
-            <a:off x="0" y="25"/>
+            <a:off x="0" y="0"/>
             <a:ext cx="972600" cy="5143500"/>
           </a:xfrm>
           <a:prstGeom prst="rect">
@@ -8212,90 +7505,6 @@
               <a:spcAft>
                 <a:spcPts val="0"/>
               </a:spcAft>
-              <a:buNone/>
-            </a:pPr>
-            <a:r>
-              <a:rPr b="1" lang="en" sz="900"/>
-              <a:t>I</a:t>
-            </a:r>
-            <a:r>
-              <a:rPr b="1" lang="en" sz="900"/>
-              <a:t>ntroduction</a:t>
-            </a:r>
-            <a:endParaRPr b="1" sz="900"/>
-          </a:p>
-          <a:p>
-            <a:pPr indent="0" lvl="0" marL="0" rtl="0" algn="l">
-              <a:spcBef>
-                <a:spcPts val="1200"/>
-              </a:spcBef>
-              <a:spcAft>
-                <a:spcPts val="0"/>
-              </a:spcAft>
-              <a:buNone/>
-            </a:pPr>
-            <a:r>
-              <a:rPr b="1" lang="en" sz="900"/>
-              <a:t>Methods</a:t>
-            </a:r>
-            <a:endParaRPr b="1" sz="900"/>
-          </a:p>
-          <a:p>
-            <a:pPr indent="0" lvl="0" marL="0" rtl="0" algn="l">
-              <a:spcBef>
-                <a:spcPts val="1200"/>
-              </a:spcBef>
-              <a:spcAft>
-                <a:spcPts val="0"/>
-              </a:spcAft>
-              <a:buNone/>
-            </a:pPr>
-            <a:r>
-              <a:rPr b="1" lang="en" sz="900"/>
-              <a:t>Communities</a:t>
-            </a:r>
-            <a:endParaRPr b="1" sz="900"/>
-          </a:p>
-          <a:p>
-            <a:pPr indent="0" lvl="0" marL="0" rtl="0" algn="l">
-              <a:spcBef>
-                <a:spcPts val="1200"/>
-              </a:spcBef>
-              <a:spcAft>
-                <a:spcPts val="0"/>
-              </a:spcAft>
-              <a:buNone/>
-            </a:pPr>
-            <a:r>
-              <a:rPr lang="en" sz="900"/>
-              <a:t>[search bar]</a:t>
-            </a:r>
-            <a:endParaRPr sz="900"/>
-          </a:p>
-          <a:p>
-            <a:pPr indent="0" lvl="0" marL="0" rtl="0" algn="l">
-              <a:spcBef>
-                <a:spcPts val="1200"/>
-              </a:spcBef>
-              <a:spcAft>
-                <a:spcPts val="0"/>
-              </a:spcAft>
-              <a:buNone/>
-            </a:pPr>
-            <a:r>
-              <a:rPr lang="en" sz="900"/>
-              <a:t>Alsip</a:t>
-            </a:r>
-            <a:endParaRPr sz="900"/>
-          </a:p>
-          <a:p>
-            <a:pPr indent="0" lvl="0" marL="0" rtl="0" algn="l">
-              <a:spcBef>
-                <a:spcPts val="1200"/>
-              </a:spcBef>
-              <a:spcAft>
-                <a:spcPts val="0"/>
-              </a:spcAft>
               <a:buClr>
                 <a:schemeClr val="dk1"/>
               </a:buClr>
@@ -8304,26 +7513,10 @@
               <a:buNone/>
             </a:pPr>
             <a:r>
-              <a:rPr lang="en" sz="900"/>
-              <a:t>Arlington Heights</a:t>
-            </a:r>
-            <a:endParaRPr sz="900"/>
-          </a:p>
-          <a:p>
-            <a:pPr indent="0" lvl="0" marL="0" rtl="0" algn="l">
-              <a:spcBef>
-                <a:spcPts val="1200"/>
-              </a:spcBef>
-              <a:spcAft>
-                <a:spcPts val="0"/>
-              </a:spcAft>
-              <a:buNone/>
-            </a:pPr>
-            <a:r>
-              <a:rPr lang="en" sz="900"/>
-              <a:t>Barrington</a:t>
-            </a:r>
-            <a:endParaRPr sz="900"/>
+              <a:rPr b="1" lang="en" sz="900"/>
+              <a:t>Introduction</a:t>
+            </a:r>
+            <a:endParaRPr b="1" sz="900"/>
           </a:p>
           <a:p>
             <a:pPr indent="0" lvl="0" marL="0" rtl="0" algn="l">
@@ -8341,26 +7534,10 @@
               <a:buNone/>
             </a:pPr>
             <a:r>
-              <a:rPr lang="en" sz="900"/>
-              <a:t>Barrington Hills</a:t>
-            </a:r>
-            <a:endParaRPr sz="900"/>
-          </a:p>
-          <a:p>
-            <a:pPr indent="0" lvl="0" marL="0" rtl="0" algn="l">
-              <a:spcBef>
-                <a:spcPts val="1200"/>
-              </a:spcBef>
-              <a:spcAft>
-                <a:spcPts val="0"/>
-              </a:spcAft>
-              <a:buNone/>
-            </a:pPr>
-            <a:r>
-              <a:rPr lang="en" sz="900"/>
-              <a:t>Bartlett</a:t>
-            </a:r>
-            <a:endParaRPr sz="900"/>
+              <a:rPr b="1" lang="en" sz="900"/>
+              <a:t>Methods</a:t>
+            </a:r>
+            <a:endParaRPr b="1" sz="900"/>
           </a:p>
           <a:p>
             <a:pPr indent="0" lvl="0" marL="0" rtl="0" algn="l">
@@ -8378,10 +7555,10 @@
               <a:buNone/>
             </a:pPr>
             <a:r>
-              <a:rPr lang="en" sz="900"/>
-              <a:t>Bedford Park</a:t>
-            </a:r>
-            <a:endParaRPr sz="900"/>
+              <a:rPr b="1" lang="en" sz="900"/>
+              <a:t>Communities</a:t>
+            </a:r>
+            <a:endParaRPr b="1" sz="900"/>
           </a:p>
           <a:p>
             <a:pPr indent="0" lvl="0" marL="0" rtl="0" algn="l">
@@ -8400,7 +7577,7 @@
             </a:pPr>
             <a:r>
               <a:rPr lang="en" sz="900"/>
-              <a:t>Bellwood</a:t>
+              <a:t>Community X</a:t>
             </a:r>
             <a:endParaRPr sz="900"/>
           </a:p>
@@ -8412,11 +7589,16 @@
               <a:spcAft>
                 <a:spcPts val="0"/>
               </a:spcAft>
+              <a:buClr>
+                <a:schemeClr val="dk1"/>
+              </a:buClr>
+              <a:buSzPts val="1100"/>
+              <a:buFont typeface="Arial"/>
               <a:buNone/>
             </a:pPr>
             <a:r>
               <a:rPr lang="en" sz="900"/>
-              <a:t>Bensenville</a:t>
+              <a:t>• Demographics</a:t>
             </a:r>
             <a:endParaRPr sz="900"/>
           </a:p>
@@ -8428,11 +7610,16 @@
               <a:spcAft>
                 <a:spcPts val="0"/>
               </a:spcAft>
+              <a:buClr>
+                <a:schemeClr val="dk1"/>
+              </a:buClr>
+              <a:buSzPts val="1100"/>
+              <a:buFont typeface="Arial"/>
               <a:buNone/>
             </a:pPr>
             <a:r>
               <a:rPr lang="en" sz="900"/>
-              <a:t>Berkeley</a:t>
+              <a:t>• Socioeconomics</a:t>
             </a:r>
             <a:endParaRPr sz="900"/>
           </a:p>
@@ -8444,11 +7631,41 @@
               <a:spcAft>
                 <a:spcPts val="0"/>
               </a:spcAft>
+              <a:buClr>
+                <a:schemeClr val="dk1"/>
+              </a:buClr>
+              <a:buSzPts val="1100"/>
+              <a:buFont typeface="Arial"/>
               <a:buNone/>
             </a:pPr>
             <a:r>
               <a:rPr lang="en" sz="900"/>
-              <a:t>Berwyn</a:t>
+              <a:t>• Health Outcomes</a:t>
+            </a:r>
+            <a:endParaRPr sz="900">
+              <a:highlight>
+                <a:srgbClr val="F4CCCC"/>
+              </a:highlight>
+            </a:endParaRPr>
+          </a:p>
+          <a:p>
+            <a:pPr indent="0" lvl="0" marL="0" rtl="0" algn="l">
+              <a:spcBef>
+                <a:spcPts val="1200"/>
+              </a:spcBef>
+              <a:spcAft>
+                <a:spcPts val="0"/>
+              </a:spcAft>
+              <a:buClr>
+                <a:schemeClr val="dk1"/>
+              </a:buClr>
+              <a:buSzPts val="1100"/>
+              <a:buFont typeface="Arial"/>
+              <a:buNone/>
+            </a:pPr>
+            <a:r>
+              <a:rPr lang="en" sz="900"/>
+              <a:t>• Health Care</a:t>
             </a:r>
             <a:endParaRPr sz="900"/>
           </a:p>
@@ -8458,36 +7675,54 @@
                 <a:spcPts val="1200"/>
               </a:spcBef>
               <a:spcAft>
+                <a:spcPts val="0"/>
+              </a:spcAft>
+              <a:buClr>
+                <a:schemeClr val="dk1"/>
+              </a:buClr>
+              <a:buSzPts val="1100"/>
+              <a:buFont typeface="Arial"/>
+              <a:buNone/>
+            </a:pPr>
+            <a:r>
+              <a:rPr lang="en" sz="900"/>
+              <a:t>• Health Behaviors</a:t>
+            </a:r>
+            <a:endParaRPr sz="900"/>
+          </a:p>
+          <a:p>
+            <a:pPr indent="0" lvl="0" marL="0" rtl="0" algn="l">
+              <a:spcBef>
                 <a:spcPts val="1200"/>
-              </a:spcAft>
-              <a:buNone/>
-            </a:pPr>
-            <a:r>
-              <a:rPr b="1" lang="en" sz="900"/>
-              <a:t>…</a:t>
+              </a:spcBef>
+              <a:spcAft>
+                <a:spcPts val="1200"/>
+              </a:spcAft>
+              <a:buClr>
+                <a:schemeClr val="dk1"/>
+              </a:buClr>
+              <a:buSzPts val="1100"/>
+              <a:buFont typeface="Arial"/>
+              <a:buNone/>
+            </a:pPr>
+            <a:r>
+              <a:rPr lang="en" sz="900"/>
+              <a:t>• Physical Environment</a:t>
             </a:r>
             <a:endParaRPr b="1" sz="900"/>
           </a:p>
         </p:txBody>
       </p:sp>
-      <p:pic>
-        <p:nvPicPr>
-          <p:cNvPr id="137" name="Google Shape;137;p22"/>
-          <p:cNvPicPr preferRelativeResize="0"/>
+      <p:sp>
+        <p:nvSpPr>
+          <p:cNvPr id="139" name="Google Shape;139;p22"/>
+          <p:cNvSpPr txBox="1"/>
           <p:nvPr/>
-        </p:nvPicPr>
-        <p:blipFill>
-          <a:blip r:embed="rId4">
-            <a:alphaModFix/>
-          </a:blip>
-          <a:stretch>
-            <a:fillRect/>
-          </a:stretch>
-        </p:blipFill>
+        </p:nvSpPr>
         <p:spPr>
           <a:xfrm>
-            <a:off x="2828374" y="2767600"/>
-            <a:ext cx="3797426" cy="2239400"/>
+            <a:off x="1265600" y="333075"/>
+            <a:ext cx="7706400" cy="1776300"/>
           </a:xfrm>
           <a:prstGeom prst="rect">
             <a:avLst/>
@@ -8497,7 +7732,335 @@
             <a:noFill/>
           </a:ln>
         </p:spPr>
-      </p:pic>
+        <p:txBody>
+          <a:bodyPr anchorCtr="0" anchor="t" bIns="91425" lIns="91425" spcFirstLastPara="1" rIns="91425" wrap="square" tIns="91425">
+            <a:noAutofit/>
+          </a:bodyPr>
+          <a:lstStyle/>
+          <a:p>
+            <a:pPr indent="0" lvl="0" marL="0" rtl="0" algn="l">
+              <a:spcBef>
+                <a:spcPts val="0"/>
+              </a:spcBef>
+              <a:spcAft>
+                <a:spcPts val="0"/>
+              </a:spcAft>
+              <a:buNone/>
+            </a:pPr>
+            <a:r>
+              <a:rPr b="1" lang="en" sz="1800">
+                <a:solidFill>
+                  <a:schemeClr val="dk1"/>
+                </a:solidFill>
+              </a:rPr>
+              <a:t>Health Behaviors</a:t>
+            </a:r>
+            <a:endParaRPr b="1" sz="1800">
+              <a:solidFill>
+                <a:schemeClr val="dk1"/>
+              </a:solidFill>
+            </a:endParaRPr>
+          </a:p>
+          <a:p>
+            <a:pPr indent="0" lvl="0" marL="0" rtl="0" algn="l">
+              <a:spcBef>
+                <a:spcPts val="0"/>
+              </a:spcBef>
+              <a:spcAft>
+                <a:spcPts val="0"/>
+              </a:spcAft>
+              <a:buNone/>
+            </a:pPr>
+            <a:r>
+              <a:t/>
+            </a:r>
+            <a:endParaRPr i="1" sz="1200">
+              <a:solidFill>
+                <a:schemeClr val="dk1"/>
+              </a:solidFill>
+            </a:endParaRPr>
+          </a:p>
+          <a:p>
+            <a:pPr indent="0" lvl="0" marL="0" rtl="0" algn="l">
+              <a:spcBef>
+                <a:spcPts val="0"/>
+              </a:spcBef>
+              <a:spcAft>
+                <a:spcPts val="0"/>
+              </a:spcAft>
+              <a:buClr>
+                <a:schemeClr val="dk1"/>
+              </a:buClr>
+              <a:buSzPts val="1100"/>
+              <a:buFont typeface="Arial"/>
+              <a:buNone/>
+            </a:pPr>
+            <a:r>
+              <a:rPr lang="en" sz="1300">
+                <a:solidFill>
+                  <a:schemeClr val="dk1"/>
+                </a:solidFill>
+              </a:rPr>
+              <a:t>Health behaviors are individual actions we take to prevent illnesses and stay healthy, such as exercising and eating a balanced diet. These habits are greatly influenced by the social and economic conditions in which people live. For example, it’s hard to go outside for a walk to exercise if you don’t feel safe in your neighborhood.</a:t>
+            </a:r>
+            <a:endParaRPr i="1" sz="1200">
+              <a:solidFill>
+                <a:schemeClr val="dk1"/>
+              </a:solidFill>
+            </a:endParaRPr>
+          </a:p>
+        </p:txBody>
+      </p:sp>
+      <p:sp>
+        <p:nvSpPr>
+          <p:cNvPr id="140" name="Google Shape;140;p22"/>
+          <p:cNvSpPr txBox="1"/>
+          <p:nvPr/>
+        </p:nvSpPr>
+        <p:spPr>
+          <a:xfrm>
+            <a:off x="1330500" y="4254125"/>
+            <a:ext cx="7154400" cy="703200"/>
+          </a:xfrm>
+          <a:prstGeom prst="rect">
+            <a:avLst/>
+          </a:prstGeom>
+          <a:solidFill>
+            <a:schemeClr val="lt2"/>
+          </a:solidFill>
+          <a:ln>
+            <a:noFill/>
+          </a:ln>
+        </p:spPr>
+        <p:txBody>
+          <a:bodyPr anchorCtr="0" anchor="t" bIns="91425" lIns="91425" spcFirstLastPara="1" rIns="91425" wrap="square" tIns="91425">
+            <a:noAutofit/>
+          </a:bodyPr>
+          <a:lstStyle/>
+          <a:p>
+            <a:pPr indent="0" lvl="0" marL="0" rtl="0" algn="ctr">
+              <a:spcBef>
+                <a:spcPts val="0"/>
+              </a:spcBef>
+              <a:spcAft>
+                <a:spcPts val="0"/>
+              </a:spcAft>
+              <a:buNone/>
+            </a:pPr>
+            <a:r>
+              <a:rPr lang="en" sz="1800">
+                <a:solidFill>
+                  <a:schemeClr val="dk1"/>
+                </a:solidFill>
+              </a:rPr>
+              <a:t>Table of selected characteristics </a:t>
+            </a:r>
+            <a:endParaRPr sz="1800">
+              <a:solidFill>
+                <a:schemeClr val="dk1"/>
+              </a:solidFill>
+            </a:endParaRPr>
+          </a:p>
+          <a:p>
+            <a:pPr indent="0" lvl="0" marL="0" rtl="0" algn="ctr">
+              <a:spcBef>
+                <a:spcPts val="0"/>
+              </a:spcBef>
+              <a:spcAft>
+                <a:spcPts val="0"/>
+              </a:spcAft>
+              <a:buNone/>
+            </a:pPr>
+            <a:r>
+              <a:rPr i="1" lang="en" sz="1800">
+                <a:solidFill>
+                  <a:schemeClr val="dk1"/>
+                </a:solidFill>
+              </a:rPr>
+              <a:t>(see spreadsheet)</a:t>
+            </a:r>
+            <a:endParaRPr i="1" sz="1800">
+              <a:solidFill>
+                <a:schemeClr val="dk1"/>
+              </a:solidFill>
+            </a:endParaRPr>
+          </a:p>
+        </p:txBody>
+      </p:sp>
+      <p:sp>
+        <p:nvSpPr>
+          <p:cNvPr id="141" name="Google Shape;141;p22"/>
+          <p:cNvSpPr txBox="1"/>
+          <p:nvPr/>
+        </p:nvSpPr>
+        <p:spPr>
+          <a:xfrm>
+            <a:off x="5597700" y="1912000"/>
+            <a:ext cx="2887200" cy="2297700"/>
+          </a:xfrm>
+          <a:prstGeom prst="rect">
+            <a:avLst/>
+          </a:prstGeom>
+          <a:solidFill>
+            <a:srgbClr val="F4CCCC"/>
+          </a:solidFill>
+          <a:ln>
+            <a:noFill/>
+          </a:ln>
+        </p:spPr>
+        <p:txBody>
+          <a:bodyPr anchorCtr="0" anchor="t" bIns="91425" lIns="91425" spcFirstLastPara="1" rIns="91425" wrap="square" tIns="91425">
+            <a:noAutofit/>
+          </a:bodyPr>
+          <a:lstStyle/>
+          <a:p>
+            <a:pPr indent="0" lvl="0" marL="0" rtl="0" algn="ctr">
+              <a:spcBef>
+                <a:spcPts val="0"/>
+              </a:spcBef>
+              <a:spcAft>
+                <a:spcPts val="0"/>
+              </a:spcAft>
+              <a:buNone/>
+            </a:pPr>
+            <a:r>
+              <a:rPr lang="en" sz="1800">
+                <a:solidFill>
+                  <a:schemeClr val="dk1"/>
+                </a:solidFill>
+              </a:rPr>
+              <a:t>Infographics</a:t>
+            </a:r>
+            <a:endParaRPr sz="1800">
+              <a:solidFill>
+                <a:schemeClr val="dk1"/>
+              </a:solidFill>
+            </a:endParaRPr>
+          </a:p>
+          <a:p>
+            <a:pPr indent="0" lvl="0" marL="0" rtl="0" algn="ctr">
+              <a:spcBef>
+                <a:spcPts val="0"/>
+              </a:spcBef>
+              <a:spcAft>
+                <a:spcPts val="0"/>
+              </a:spcAft>
+              <a:buNone/>
+            </a:pPr>
+            <a:r>
+              <a:rPr lang="en" sz="1800">
+                <a:solidFill>
+                  <a:schemeClr val="dk1"/>
+                </a:solidFill>
+              </a:rPr>
+              <a:t>(charts, graphs,illustrations etc.)</a:t>
+            </a:r>
+            <a:endParaRPr sz="1800">
+              <a:solidFill>
+                <a:schemeClr val="dk1"/>
+              </a:solidFill>
+            </a:endParaRPr>
+          </a:p>
+          <a:p>
+            <a:pPr indent="0" lvl="0" marL="0" rtl="0" algn="l">
+              <a:spcBef>
+                <a:spcPts val="0"/>
+              </a:spcBef>
+              <a:spcAft>
+                <a:spcPts val="0"/>
+              </a:spcAft>
+              <a:buNone/>
+            </a:pPr>
+            <a:r>
+              <a:t/>
+            </a:r>
+            <a:endParaRPr sz="1800">
+              <a:solidFill>
+                <a:schemeClr val="dk1"/>
+              </a:solidFill>
+            </a:endParaRPr>
+          </a:p>
+          <a:p>
+            <a:pPr indent="0" lvl="0" marL="0" rtl="0" algn="l">
+              <a:spcBef>
+                <a:spcPts val="0"/>
+              </a:spcBef>
+              <a:spcAft>
+                <a:spcPts val="0"/>
+              </a:spcAft>
+              <a:buNone/>
+            </a:pPr>
+            <a:r>
+              <a:t/>
+            </a:r>
+            <a:endParaRPr sz="1000">
+              <a:solidFill>
+                <a:schemeClr val="dk1"/>
+              </a:solidFill>
+            </a:endParaRPr>
+          </a:p>
+        </p:txBody>
+      </p:sp>
+      <p:sp>
+        <p:nvSpPr>
+          <p:cNvPr id="142" name="Google Shape;142;p22"/>
+          <p:cNvSpPr txBox="1"/>
+          <p:nvPr/>
+        </p:nvSpPr>
+        <p:spPr>
+          <a:xfrm>
+            <a:off x="1330500" y="1912000"/>
+            <a:ext cx="4009800" cy="2297700"/>
+          </a:xfrm>
+          <a:prstGeom prst="rect">
+            <a:avLst/>
+          </a:prstGeom>
+          <a:solidFill>
+            <a:srgbClr val="CFE2F3"/>
+          </a:solidFill>
+          <a:ln>
+            <a:noFill/>
+          </a:ln>
+        </p:spPr>
+        <p:txBody>
+          <a:bodyPr anchorCtr="0" anchor="t" bIns="91425" lIns="91425" spcFirstLastPara="1" rIns="91425" wrap="square" tIns="91425">
+            <a:noAutofit/>
+          </a:bodyPr>
+          <a:lstStyle/>
+          <a:p>
+            <a:pPr indent="0" lvl="0" marL="0" rtl="0" algn="l">
+              <a:spcBef>
+                <a:spcPts val="0"/>
+              </a:spcBef>
+              <a:spcAft>
+                <a:spcPts val="0"/>
+              </a:spcAft>
+              <a:buNone/>
+            </a:pPr>
+            <a:r>
+              <a:rPr lang="en" sz="1200">
+                <a:solidFill>
+                  <a:schemeClr val="dk2"/>
+                </a:solidFill>
+              </a:rPr>
+              <a:t>3-5</a:t>
+            </a:r>
+            <a:r>
+              <a:rPr lang="en" sz="1200">
+                <a:solidFill>
+                  <a:schemeClr val="dk2"/>
+                </a:solidFill>
+              </a:rPr>
+              <a:t> insights interpreting the raw data found in the data table below</a:t>
+            </a:r>
+            <a:endParaRPr sz="1200">
+              <a:solidFill>
+                <a:schemeClr val="dk2"/>
+              </a:solidFill>
+            </a:endParaRPr>
+          </a:p>
+        </p:txBody>
+      </p:sp>
     </p:spTree>
   </p:cSld>
   <p:clrMapOvr>
@@ -8511,7 +8074,7 @@
   <p:cSld>
     <p:spTree>
       <p:nvGrpSpPr>
-        <p:cNvPr id="141" name="Shape 141"/>
+        <p:cNvPr id="146" name="Shape 146"/>
         <p:cNvGrpSpPr/>
         <p:nvPr/>
       </p:nvGrpSpPr>
@@ -8525,7 +8088,597 @@
       </p:grpSpPr>
       <p:sp>
         <p:nvSpPr>
-          <p:cNvPr id="142" name="Google Shape;142;p23"/>
+          <p:cNvPr id="147" name="Google Shape;147;p23"/>
+          <p:cNvSpPr txBox="1"/>
+          <p:nvPr>
+            <p:ph idx="4294967295" type="body"/>
+          </p:nvPr>
+        </p:nvSpPr>
+        <p:spPr>
+          <a:xfrm>
+            <a:off x="0" y="0"/>
+            <a:ext cx="972600" cy="5143500"/>
+          </a:xfrm>
+          <a:prstGeom prst="rect">
+            <a:avLst/>
+          </a:prstGeom>
+          <a:solidFill>
+            <a:schemeClr val="lt2"/>
+          </a:solidFill>
+        </p:spPr>
+        <p:txBody>
+          <a:bodyPr anchorCtr="0" anchor="t" bIns="91425" lIns="91425" spcFirstLastPara="1" rIns="91425" wrap="square" tIns="91425">
+            <a:normAutofit/>
+          </a:bodyPr>
+          <a:lstStyle/>
+          <a:p>
+            <a:pPr indent="0" lvl="0" marL="0" rtl="0" algn="l">
+              <a:spcBef>
+                <a:spcPts val="0"/>
+              </a:spcBef>
+              <a:spcAft>
+                <a:spcPts val="0"/>
+              </a:spcAft>
+              <a:buClr>
+                <a:schemeClr val="dk1"/>
+              </a:buClr>
+              <a:buSzPts val="1100"/>
+              <a:buFont typeface="Arial"/>
+              <a:buNone/>
+            </a:pPr>
+            <a:r>
+              <a:rPr b="1" lang="en" sz="900"/>
+              <a:t>Introduction</a:t>
+            </a:r>
+            <a:endParaRPr b="1" sz="900"/>
+          </a:p>
+          <a:p>
+            <a:pPr indent="0" lvl="0" marL="0" rtl="0" algn="l">
+              <a:spcBef>
+                <a:spcPts val="1200"/>
+              </a:spcBef>
+              <a:spcAft>
+                <a:spcPts val="0"/>
+              </a:spcAft>
+              <a:buClr>
+                <a:schemeClr val="dk1"/>
+              </a:buClr>
+              <a:buSzPts val="1100"/>
+              <a:buFont typeface="Arial"/>
+              <a:buNone/>
+            </a:pPr>
+            <a:r>
+              <a:rPr b="1" lang="en" sz="900"/>
+              <a:t>Methods</a:t>
+            </a:r>
+            <a:endParaRPr b="1" sz="900"/>
+          </a:p>
+          <a:p>
+            <a:pPr indent="0" lvl="0" marL="0" rtl="0" algn="l">
+              <a:spcBef>
+                <a:spcPts val="1200"/>
+              </a:spcBef>
+              <a:spcAft>
+                <a:spcPts val="0"/>
+              </a:spcAft>
+              <a:buClr>
+                <a:schemeClr val="dk1"/>
+              </a:buClr>
+              <a:buSzPts val="1100"/>
+              <a:buFont typeface="Arial"/>
+              <a:buNone/>
+            </a:pPr>
+            <a:r>
+              <a:rPr b="1" lang="en" sz="900"/>
+              <a:t>Communities</a:t>
+            </a:r>
+            <a:endParaRPr b="1" sz="900"/>
+          </a:p>
+          <a:p>
+            <a:pPr indent="0" lvl="0" marL="0" rtl="0" algn="l">
+              <a:spcBef>
+                <a:spcPts val="1200"/>
+              </a:spcBef>
+              <a:spcAft>
+                <a:spcPts val="0"/>
+              </a:spcAft>
+              <a:buClr>
+                <a:schemeClr val="dk1"/>
+              </a:buClr>
+              <a:buSzPts val="1100"/>
+              <a:buFont typeface="Arial"/>
+              <a:buNone/>
+            </a:pPr>
+            <a:r>
+              <a:rPr lang="en" sz="900"/>
+              <a:t>Community X</a:t>
+            </a:r>
+            <a:endParaRPr sz="900"/>
+          </a:p>
+          <a:p>
+            <a:pPr indent="0" lvl="0" marL="0" rtl="0" algn="l">
+              <a:spcBef>
+                <a:spcPts val="1200"/>
+              </a:spcBef>
+              <a:spcAft>
+                <a:spcPts val="0"/>
+              </a:spcAft>
+              <a:buClr>
+                <a:schemeClr val="dk1"/>
+              </a:buClr>
+              <a:buSzPts val="1100"/>
+              <a:buFont typeface="Arial"/>
+              <a:buNone/>
+            </a:pPr>
+            <a:r>
+              <a:rPr lang="en" sz="900"/>
+              <a:t>• Demographics</a:t>
+            </a:r>
+            <a:endParaRPr sz="900"/>
+          </a:p>
+          <a:p>
+            <a:pPr indent="0" lvl="0" marL="0" rtl="0" algn="l">
+              <a:spcBef>
+                <a:spcPts val="1200"/>
+              </a:spcBef>
+              <a:spcAft>
+                <a:spcPts val="0"/>
+              </a:spcAft>
+              <a:buClr>
+                <a:schemeClr val="dk1"/>
+              </a:buClr>
+              <a:buSzPts val="1100"/>
+              <a:buFont typeface="Arial"/>
+              <a:buNone/>
+            </a:pPr>
+            <a:r>
+              <a:rPr lang="en" sz="900"/>
+              <a:t>• Socioeconomics</a:t>
+            </a:r>
+            <a:endParaRPr sz="900"/>
+          </a:p>
+          <a:p>
+            <a:pPr indent="0" lvl="0" marL="0" rtl="0" algn="l">
+              <a:spcBef>
+                <a:spcPts val="1200"/>
+              </a:spcBef>
+              <a:spcAft>
+                <a:spcPts val="0"/>
+              </a:spcAft>
+              <a:buClr>
+                <a:schemeClr val="dk1"/>
+              </a:buClr>
+              <a:buSzPts val="1100"/>
+              <a:buFont typeface="Arial"/>
+              <a:buNone/>
+            </a:pPr>
+            <a:r>
+              <a:rPr lang="en" sz="900"/>
+              <a:t>• Health Outcomes</a:t>
+            </a:r>
+            <a:endParaRPr sz="900">
+              <a:highlight>
+                <a:srgbClr val="F4CCCC"/>
+              </a:highlight>
+            </a:endParaRPr>
+          </a:p>
+          <a:p>
+            <a:pPr indent="0" lvl="0" marL="0" rtl="0" algn="l">
+              <a:spcBef>
+                <a:spcPts val="1200"/>
+              </a:spcBef>
+              <a:spcAft>
+                <a:spcPts val="0"/>
+              </a:spcAft>
+              <a:buClr>
+                <a:schemeClr val="dk1"/>
+              </a:buClr>
+              <a:buSzPts val="1100"/>
+              <a:buFont typeface="Arial"/>
+              <a:buNone/>
+            </a:pPr>
+            <a:r>
+              <a:rPr lang="en" sz="900"/>
+              <a:t>• Health Care</a:t>
+            </a:r>
+            <a:endParaRPr sz="900"/>
+          </a:p>
+          <a:p>
+            <a:pPr indent="0" lvl="0" marL="0" rtl="0" algn="l">
+              <a:spcBef>
+                <a:spcPts val="1200"/>
+              </a:spcBef>
+              <a:spcAft>
+                <a:spcPts val="0"/>
+              </a:spcAft>
+              <a:buClr>
+                <a:schemeClr val="dk1"/>
+              </a:buClr>
+              <a:buSzPts val="1100"/>
+              <a:buFont typeface="Arial"/>
+              <a:buNone/>
+            </a:pPr>
+            <a:r>
+              <a:rPr lang="en" sz="900"/>
+              <a:t>• Health Behaviors</a:t>
+            </a:r>
+            <a:endParaRPr sz="900"/>
+          </a:p>
+          <a:p>
+            <a:pPr indent="0" lvl="0" marL="0" rtl="0" algn="l">
+              <a:spcBef>
+                <a:spcPts val="1200"/>
+              </a:spcBef>
+              <a:spcAft>
+                <a:spcPts val="1200"/>
+              </a:spcAft>
+              <a:buClr>
+                <a:schemeClr val="dk1"/>
+              </a:buClr>
+              <a:buSzPts val="1100"/>
+              <a:buFont typeface="Arial"/>
+              <a:buNone/>
+            </a:pPr>
+            <a:r>
+              <a:rPr lang="en" sz="900"/>
+              <a:t>• Physical Environment</a:t>
+            </a:r>
+            <a:endParaRPr b="1" sz="900"/>
+          </a:p>
+        </p:txBody>
+      </p:sp>
+      <p:sp>
+        <p:nvSpPr>
+          <p:cNvPr id="148" name="Google Shape;148;p23"/>
+          <p:cNvSpPr txBox="1"/>
+          <p:nvPr/>
+        </p:nvSpPr>
+        <p:spPr>
+          <a:xfrm>
+            <a:off x="1265600" y="333075"/>
+            <a:ext cx="7706400" cy="1776300"/>
+          </a:xfrm>
+          <a:prstGeom prst="rect">
+            <a:avLst/>
+          </a:prstGeom>
+          <a:noFill/>
+          <a:ln>
+            <a:noFill/>
+          </a:ln>
+        </p:spPr>
+        <p:txBody>
+          <a:bodyPr anchorCtr="0" anchor="t" bIns="91425" lIns="91425" spcFirstLastPara="1" rIns="91425" wrap="square" tIns="91425">
+            <a:noAutofit/>
+          </a:bodyPr>
+          <a:lstStyle/>
+          <a:p>
+            <a:pPr indent="0" lvl="0" marL="0" rtl="0" algn="l">
+              <a:spcBef>
+                <a:spcPts val="0"/>
+              </a:spcBef>
+              <a:spcAft>
+                <a:spcPts val="0"/>
+              </a:spcAft>
+              <a:buNone/>
+            </a:pPr>
+            <a:r>
+              <a:rPr b="1" lang="en" sz="1800">
+                <a:solidFill>
+                  <a:schemeClr val="dk1"/>
+                </a:solidFill>
+              </a:rPr>
+              <a:t>Neighborhood and Physical Environment</a:t>
+            </a:r>
+            <a:endParaRPr b="1" sz="1800">
+              <a:solidFill>
+                <a:schemeClr val="dk1"/>
+              </a:solidFill>
+            </a:endParaRPr>
+          </a:p>
+          <a:p>
+            <a:pPr indent="0" lvl="0" marL="0" rtl="0" algn="l">
+              <a:spcBef>
+                <a:spcPts val="0"/>
+              </a:spcBef>
+              <a:spcAft>
+                <a:spcPts val="0"/>
+              </a:spcAft>
+              <a:buNone/>
+            </a:pPr>
+            <a:r>
+              <a:t/>
+            </a:r>
+            <a:endParaRPr sz="1200">
+              <a:solidFill>
+                <a:schemeClr val="dk1"/>
+              </a:solidFill>
+            </a:endParaRPr>
+          </a:p>
+          <a:p>
+            <a:pPr indent="0" lvl="0" marL="0" rtl="0" algn="l">
+              <a:spcBef>
+                <a:spcPts val="0"/>
+              </a:spcBef>
+              <a:spcAft>
+                <a:spcPts val="0"/>
+              </a:spcAft>
+              <a:buNone/>
+            </a:pPr>
+            <a:r>
+              <a:rPr lang="en" sz="1300">
+                <a:solidFill>
+                  <a:schemeClr val="dk1"/>
+                </a:solidFill>
+              </a:rPr>
+              <a:t>The neighborhood and physical environment refer to the natural and man-made surroundings in which people live, work, and play. This includes This includes factors like air and water quality, housing, and neighborhood safety.</a:t>
+            </a:r>
+            <a:endParaRPr sz="1300">
+              <a:solidFill>
+                <a:schemeClr val="dk1"/>
+              </a:solidFill>
+            </a:endParaRPr>
+          </a:p>
+        </p:txBody>
+      </p:sp>
+      <p:sp>
+        <p:nvSpPr>
+          <p:cNvPr id="149" name="Google Shape;149;p23"/>
+          <p:cNvSpPr txBox="1"/>
+          <p:nvPr/>
+        </p:nvSpPr>
+        <p:spPr>
+          <a:xfrm>
+            <a:off x="1330500" y="4254125"/>
+            <a:ext cx="7154400" cy="703200"/>
+          </a:xfrm>
+          <a:prstGeom prst="rect">
+            <a:avLst/>
+          </a:prstGeom>
+          <a:solidFill>
+            <a:schemeClr val="lt2"/>
+          </a:solidFill>
+          <a:ln>
+            <a:noFill/>
+          </a:ln>
+        </p:spPr>
+        <p:txBody>
+          <a:bodyPr anchorCtr="0" anchor="t" bIns="91425" lIns="91425" spcFirstLastPara="1" rIns="91425" wrap="square" tIns="91425">
+            <a:noAutofit/>
+          </a:bodyPr>
+          <a:lstStyle/>
+          <a:p>
+            <a:pPr indent="0" lvl="0" marL="0" rtl="0" algn="ctr">
+              <a:spcBef>
+                <a:spcPts val="0"/>
+              </a:spcBef>
+              <a:spcAft>
+                <a:spcPts val="0"/>
+              </a:spcAft>
+              <a:buNone/>
+            </a:pPr>
+            <a:r>
+              <a:rPr lang="en" sz="1800">
+                <a:solidFill>
+                  <a:schemeClr val="dk1"/>
+                </a:solidFill>
+              </a:rPr>
+              <a:t>Table of selected characteristics </a:t>
+            </a:r>
+            <a:endParaRPr sz="1800">
+              <a:solidFill>
+                <a:schemeClr val="dk1"/>
+              </a:solidFill>
+            </a:endParaRPr>
+          </a:p>
+          <a:p>
+            <a:pPr indent="0" lvl="0" marL="0" rtl="0" algn="ctr">
+              <a:spcBef>
+                <a:spcPts val="0"/>
+              </a:spcBef>
+              <a:spcAft>
+                <a:spcPts val="0"/>
+              </a:spcAft>
+              <a:buNone/>
+            </a:pPr>
+            <a:r>
+              <a:rPr i="1" lang="en" sz="1800">
+                <a:solidFill>
+                  <a:schemeClr val="dk1"/>
+                </a:solidFill>
+              </a:rPr>
+              <a:t>(see spreadsheet)</a:t>
+            </a:r>
+            <a:endParaRPr i="1" sz="1800">
+              <a:solidFill>
+                <a:schemeClr val="dk1"/>
+              </a:solidFill>
+            </a:endParaRPr>
+          </a:p>
+        </p:txBody>
+      </p:sp>
+      <p:sp>
+        <p:nvSpPr>
+          <p:cNvPr id="150" name="Google Shape;150;p23"/>
+          <p:cNvSpPr txBox="1"/>
+          <p:nvPr/>
+        </p:nvSpPr>
+        <p:spPr>
+          <a:xfrm>
+            <a:off x="5597700" y="1912000"/>
+            <a:ext cx="2887200" cy="2297700"/>
+          </a:xfrm>
+          <a:prstGeom prst="rect">
+            <a:avLst/>
+          </a:prstGeom>
+          <a:solidFill>
+            <a:srgbClr val="F4CCCC"/>
+          </a:solidFill>
+          <a:ln>
+            <a:noFill/>
+          </a:ln>
+        </p:spPr>
+        <p:txBody>
+          <a:bodyPr anchorCtr="0" anchor="t" bIns="91425" lIns="91425" spcFirstLastPara="1" rIns="91425" wrap="square" tIns="91425">
+            <a:noAutofit/>
+          </a:bodyPr>
+          <a:lstStyle/>
+          <a:p>
+            <a:pPr indent="0" lvl="0" marL="0" rtl="0" algn="ctr">
+              <a:spcBef>
+                <a:spcPts val="0"/>
+              </a:spcBef>
+              <a:spcAft>
+                <a:spcPts val="0"/>
+              </a:spcAft>
+              <a:buNone/>
+            </a:pPr>
+            <a:r>
+              <a:rPr lang="en" sz="1800">
+                <a:solidFill>
+                  <a:schemeClr val="dk1"/>
+                </a:solidFill>
+              </a:rPr>
+              <a:t>Infographics</a:t>
+            </a:r>
+            <a:endParaRPr sz="1800">
+              <a:solidFill>
+                <a:schemeClr val="dk1"/>
+              </a:solidFill>
+            </a:endParaRPr>
+          </a:p>
+          <a:p>
+            <a:pPr indent="0" lvl="0" marL="0" rtl="0" algn="ctr">
+              <a:spcBef>
+                <a:spcPts val="0"/>
+              </a:spcBef>
+              <a:spcAft>
+                <a:spcPts val="0"/>
+              </a:spcAft>
+              <a:buNone/>
+            </a:pPr>
+            <a:r>
+              <a:rPr lang="en" sz="1800">
+                <a:solidFill>
+                  <a:schemeClr val="dk1"/>
+                </a:solidFill>
+              </a:rPr>
+              <a:t>(charts, graphs,illustrations etc.)</a:t>
+            </a:r>
+            <a:endParaRPr sz="1800">
+              <a:solidFill>
+                <a:schemeClr val="dk1"/>
+              </a:solidFill>
+            </a:endParaRPr>
+          </a:p>
+          <a:p>
+            <a:pPr indent="0" lvl="0" marL="0" rtl="0" algn="l">
+              <a:spcBef>
+                <a:spcPts val="0"/>
+              </a:spcBef>
+              <a:spcAft>
+                <a:spcPts val="0"/>
+              </a:spcAft>
+              <a:buNone/>
+            </a:pPr>
+            <a:r>
+              <a:t/>
+            </a:r>
+            <a:endParaRPr sz="1000">
+              <a:solidFill>
+                <a:schemeClr val="dk1"/>
+              </a:solidFill>
+            </a:endParaRPr>
+          </a:p>
+        </p:txBody>
+      </p:sp>
+      <p:sp>
+        <p:nvSpPr>
+          <p:cNvPr id="151" name="Google Shape;151;p23"/>
+          <p:cNvSpPr txBox="1"/>
+          <p:nvPr/>
+        </p:nvSpPr>
+        <p:spPr>
+          <a:xfrm>
+            <a:off x="1330500" y="1912000"/>
+            <a:ext cx="4009800" cy="2297700"/>
+          </a:xfrm>
+          <a:prstGeom prst="rect">
+            <a:avLst/>
+          </a:prstGeom>
+          <a:solidFill>
+            <a:srgbClr val="CFE2F3"/>
+          </a:solidFill>
+          <a:ln>
+            <a:noFill/>
+          </a:ln>
+        </p:spPr>
+        <p:txBody>
+          <a:bodyPr anchorCtr="0" anchor="t" bIns="91425" lIns="91425" spcFirstLastPara="1" rIns="91425" wrap="square" tIns="91425">
+            <a:noAutofit/>
+          </a:bodyPr>
+          <a:lstStyle/>
+          <a:p>
+            <a:pPr indent="0" lvl="0" marL="0" rtl="0" algn="l">
+              <a:spcBef>
+                <a:spcPts val="0"/>
+              </a:spcBef>
+              <a:spcAft>
+                <a:spcPts val="0"/>
+              </a:spcAft>
+              <a:buNone/>
+            </a:pPr>
+            <a:r>
+              <a:rPr lang="en" sz="1200">
+                <a:solidFill>
+                  <a:schemeClr val="dk2"/>
+                </a:solidFill>
+              </a:rPr>
+              <a:t>3-5</a:t>
+            </a:r>
+            <a:r>
+              <a:rPr lang="en" sz="1200">
+                <a:solidFill>
+                  <a:schemeClr val="dk2"/>
+                </a:solidFill>
+              </a:rPr>
+              <a:t> insights interpreting the raw data found in the data table below</a:t>
+            </a:r>
+            <a:endParaRPr sz="1200">
+              <a:solidFill>
+                <a:schemeClr val="dk2"/>
+              </a:solidFill>
+            </a:endParaRPr>
+          </a:p>
+        </p:txBody>
+      </p:sp>
+    </p:spTree>
+  </p:cSld>
+  <p:clrMapOvr>
+    <a:masterClrMapping/>
+  </p:clrMapOvr>
+</p:sld>
+</file>
+
+<file path=ppt/slides/slide12.xml><?xml version="1.0" encoding="utf-8"?>
+<p:sld xmlns:a="http://schemas.openxmlformats.org/drawingml/2006/main" xmlns:r="http://schemas.openxmlformats.org/officeDocument/2006/relationships" xmlns:mc="http://schemas.openxmlformats.org/markup-compatibility/2006" xmlns:mv="urn:schemas-microsoft-com:mac:vml" xmlns:p="http://schemas.openxmlformats.org/presentationml/2006/main" xmlns:c="http://schemas.openxmlformats.org/drawingml/2006/chart" xmlns:dgm="http://schemas.openxmlformats.org/drawingml/2006/diagram" xmlns:o="urn:schemas-microsoft-com:office:office" xmlns:v="urn:schemas-microsoft-com:vml" xmlns:pvml="urn:schemas-microsoft-com:office:powerpoint" xmlns:com="http://schemas.openxmlformats.org/drawingml/2006/compatibility" xmlns:p14="http://schemas.microsoft.com/office/powerpoint/2010/main" xmlns:p15="http://schemas.microsoft.com/office/powerpoint/2012/main" xmlns:ahyp="http://schemas.microsoft.com/office/drawing/2018/hyperlinkcolor">
+  <p:cSld>
+    <p:spTree>
+      <p:nvGrpSpPr>
+        <p:cNvPr id="155" name="Shape 155"/>
+        <p:cNvGrpSpPr/>
+        <p:nvPr/>
+      </p:nvGrpSpPr>
+      <p:grpSpPr>
+        <a:xfrm>
+          <a:off x="0" y="0"/>
+          <a:ext cx="0" cy="0"/>
+          <a:chOff x="0" y="0"/>
+          <a:chExt cx="0" cy="0"/>
+        </a:xfrm>
+      </p:grpSpPr>
+      <p:sp>
+        <p:nvSpPr>
+          <p:cNvPr id="156" name="Google Shape;156;p24"/>
           <p:cNvSpPr txBox="1"/>
           <p:nvPr>
             <p:ph type="title"/>
@@ -8556,6 +8709,288 @@
               <a:buNone/>
             </a:pPr>
             <a:r>
+              <a:rPr lang="en"/>
+              <a:t>Simplified View</a:t>
+            </a:r>
+            <a:endParaRPr/>
+          </a:p>
+        </p:txBody>
+      </p:sp>
+      <p:sp>
+        <p:nvSpPr>
+          <p:cNvPr id="157" name="Google Shape;157;p24"/>
+          <p:cNvSpPr txBox="1"/>
+          <p:nvPr/>
+        </p:nvSpPr>
+        <p:spPr>
+          <a:xfrm>
+            <a:off x="408725" y="1017725"/>
+            <a:ext cx="8375700" cy="3757200"/>
+          </a:xfrm>
+          <a:prstGeom prst="rect">
+            <a:avLst/>
+          </a:prstGeom>
+          <a:solidFill>
+            <a:schemeClr val="lt2"/>
+          </a:solidFill>
+          <a:ln>
+            <a:noFill/>
+          </a:ln>
+        </p:spPr>
+        <p:txBody>
+          <a:bodyPr anchorCtr="0" anchor="t" bIns="91425" lIns="91425" spcFirstLastPara="1" rIns="91425" wrap="square" tIns="91425">
+            <a:noAutofit/>
+          </a:bodyPr>
+          <a:lstStyle/>
+          <a:p>
+            <a:pPr indent="0" lvl="0" marL="0" rtl="0" algn="ctr">
+              <a:spcBef>
+                <a:spcPts val="0"/>
+              </a:spcBef>
+              <a:spcAft>
+                <a:spcPts val="0"/>
+              </a:spcAft>
+              <a:buNone/>
+            </a:pPr>
+            <a:r>
+              <a:rPr lang="en" sz="1800">
+                <a:solidFill>
+                  <a:schemeClr val="dk1"/>
+                </a:solidFill>
+              </a:rPr>
+              <a:t>Single table of all health indicators without any narrative text or figures.</a:t>
+            </a:r>
+            <a:endParaRPr i="1" sz="1800">
+              <a:solidFill>
+                <a:schemeClr val="dk1"/>
+              </a:solidFill>
+            </a:endParaRPr>
+          </a:p>
+        </p:txBody>
+      </p:sp>
+    </p:spTree>
+  </p:cSld>
+  <p:clrMapOvr>
+    <a:masterClrMapping/>
+  </p:clrMapOvr>
+</p:sld>
+</file>
+
+<file path=ppt/slides/slide13.xml><?xml version="1.0" encoding="utf-8"?>
+<p:sld xmlns:a="http://schemas.openxmlformats.org/drawingml/2006/main" xmlns:r="http://schemas.openxmlformats.org/officeDocument/2006/relationships" xmlns:mc="http://schemas.openxmlformats.org/markup-compatibility/2006" xmlns:mv="urn:schemas-microsoft-com:mac:vml" xmlns:p="http://schemas.openxmlformats.org/presentationml/2006/main" xmlns:c="http://schemas.openxmlformats.org/drawingml/2006/chart" xmlns:dgm="http://schemas.openxmlformats.org/drawingml/2006/diagram" xmlns:o="urn:schemas-microsoft-com:office:office" xmlns:v="urn:schemas-microsoft-com:vml" xmlns:pvml="urn:schemas-microsoft-com:office:powerpoint" xmlns:com="http://schemas.openxmlformats.org/drawingml/2006/compatibility" xmlns:p14="http://schemas.microsoft.com/office/powerpoint/2010/main" xmlns:p15="http://schemas.microsoft.com/office/powerpoint/2012/main" xmlns:ahyp="http://schemas.microsoft.com/office/drawing/2018/hyperlinkcolor">
+  <p:cSld>
+    <p:spTree>
+      <p:nvGrpSpPr>
+        <p:cNvPr id="161" name="Shape 161"/>
+        <p:cNvGrpSpPr/>
+        <p:nvPr/>
+      </p:nvGrpSpPr>
+      <p:grpSpPr>
+        <a:xfrm>
+          <a:off x="0" y="0"/>
+          <a:ext cx="0" cy="0"/>
+          <a:chOff x="0" y="0"/>
+          <a:chExt cx="0" cy="0"/>
+        </a:xfrm>
+      </p:grpSpPr>
+      <p:sp>
+        <p:nvSpPr>
+          <p:cNvPr id="162" name="Google Shape;162;p25"/>
+          <p:cNvSpPr txBox="1"/>
+          <p:nvPr>
+            <p:ph type="title"/>
+          </p:nvPr>
+        </p:nvSpPr>
+        <p:spPr>
+          <a:xfrm>
+            <a:off x="311700" y="445025"/>
+            <a:ext cx="8520600" cy="572700"/>
+          </a:xfrm>
+          <a:prstGeom prst="rect">
+            <a:avLst/>
+          </a:prstGeom>
+        </p:spPr>
+        <p:txBody>
+          <a:bodyPr anchorCtr="0" anchor="t" bIns="91425" lIns="91425" spcFirstLastPara="1" rIns="91425" wrap="square" tIns="91425">
+            <a:normAutofit fontScale="90000"/>
+          </a:bodyPr>
+          <a:lstStyle/>
+          <a:p>
+            <a:pPr indent="0" lvl="0" marL="0" rtl="0" algn="l">
+              <a:spcBef>
+                <a:spcPts val="0"/>
+              </a:spcBef>
+              <a:spcAft>
+                <a:spcPts val="0"/>
+              </a:spcAft>
+              <a:buNone/>
+            </a:pPr>
+            <a:r>
+              <a:rPr lang="en"/>
+              <a:t>Presentation Notes</a:t>
+            </a:r>
+            <a:endParaRPr/>
+          </a:p>
+        </p:txBody>
+      </p:sp>
+      <p:sp>
+        <p:nvSpPr>
+          <p:cNvPr id="163" name="Google Shape;163;p25"/>
+          <p:cNvSpPr txBox="1"/>
+          <p:nvPr>
+            <p:ph idx="1" type="body"/>
+          </p:nvPr>
+        </p:nvSpPr>
+        <p:spPr>
+          <a:xfrm>
+            <a:off x="311700" y="1152475"/>
+            <a:ext cx="8520600" cy="3416400"/>
+          </a:xfrm>
+          <a:prstGeom prst="rect">
+            <a:avLst/>
+          </a:prstGeom>
+        </p:spPr>
+        <p:txBody>
+          <a:bodyPr anchorCtr="0" anchor="t" bIns="91425" lIns="91425" spcFirstLastPara="1" rIns="91425" wrap="square" tIns="91425">
+            <a:normAutofit/>
+          </a:bodyPr>
+          <a:lstStyle/>
+          <a:p>
+            <a:pPr indent="-342900" lvl="0" marL="457200" rtl="0" algn="l">
+              <a:spcBef>
+                <a:spcPts val="0"/>
+              </a:spcBef>
+              <a:spcAft>
+                <a:spcPts val="0"/>
+              </a:spcAft>
+              <a:buSzPts val="1800"/>
+              <a:buChar char="●"/>
+            </a:pPr>
+            <a:r>
+              <a:rPr lang="en"/>
+              <a:t>Use AI-generated infographics to summarize the content of each data table per topic area (e.g., demographics, socioeconomics, health outcomes)</a:t>
+            </a:r>
+            <a:endParaRPr/>
+          </a:p>
+          <a:p>
+            <a:pPr indent="-342900" lvl="0" marL="457200" rtl="0" algn="l">
+              <a:spcBef>
+                <a:spcPts val="0"/>
+              </a:spcBef>
+              <a:spcAft>
+                <a:spcPts val="0"/>
+              </a:spcAft>
+              <a:buSzPts val="1800"/>
+              <a:buChar char="●"/>
+            </a:pPr>
+            <a:r>
+              <a:rPr lang="en"/>
+              <a:t>Ai-</a:t>
+            </a:r>
+            <a:r>
+              <a:rPr lang="en"/>
+              <a:t>generate three bullet pointed</a:t>
+            </a:r>
+            <a:r>
+              <a:rPr lang="en"/>
+              <a:t> “insights” using the data table as an input </a:t>
+            </a:r>
+            <a:endParaRPr/>
+          </a:p>
+          <a:p>
+            <a:pPr indent="-342900" lvl="0" marL="457200" rtl="0" algn="l">
+              <a:spcBef>
+                <a:spcPts val="0"/>
+              </a:spcBef>
+              <a:spcAft>
+                <a:spcPts val="0"/>
+              </a:spcAft>
+              <a:buSzPts val="1800"/>
+              <a:buChar char="●"/>
+            </a:pPr>
+            <a:r>
+              <a:rPr lang="en"/>
+              <a:t>Insights align with the infographics </a:t>
+            </a:r>
+            <a:endParaRPr/>
+          </a:p>
+          <a:p>
+            <a:pPr indent="-342900" lvl="0" marL="457200" rtl="0" algn="l">
+              <a:spcBef>
+                <a:spcPts val="0"/>
+              </a:spcBef>
+              <a:spcAft>
+                <a:spcPts val="0"/>
+              </a:spcAft>
+              <a:buSzPts val="1800"/>
+              <a:buChar char="●"/>
+            </a:pPr>
+            <a:r>
+              <a:rPr lang="en"/>
+              <a:t>Insights and infographics appear side-by-side on the website </a:t>
+            </a:r>
+            <a:endParaRPr/>
+          </a:p>
+        </p:txBody>
+      </p:sp>
+    </p:spTree>
+  </p:cSld>
+  <p:clrMapOvr>
+    <a:masterClrMapping/>
+  </p:clrMapOvr>
+</p:sld>
+</file>
+
+<file path=ppt/slides/slide2.xml><?xml version="1.0" encoding="utf-8"?>
+<p:sld xmlns:a="http://schemas.openxmlformats.org/drawingml/2006/main" xmlns:r="http://schemas.openxmlformats.org/officeDocument/2006/relationships" xmlns:mc="http://schemas.openxmlformats.org/markup-compatibility/2006" xmlns:mv="urn:schemas-microsoft-com:mac:vml" xmlns:p="http://schemas.openxmlformats.org/presentationml/2006/main" xmlns:c="http://schemas.openxmlformats.org/drawingml/2006/chart" xmlns:dgm="http://schemas.openxmlformats.org/drawingml/2006/diagram" xmlns:o="urn:schemas-microsoft-com:office:office" xmlns:v="urn:schemas-microsoft-com:vml" xmlns:pvml="urn:schemas-microsoft-com:office:powerpoint" xmlns:com="http://schemas.openxmlformats.org/drawingml/2006/compatibility" xmlns:p14="http://schemas.microsoft.com/office/powerpoint/2010/main" xmlns:p15="http://schemas.microsoft.com/office/powerpoint/2012/main" xmlns:ahyp="http://schemas.microsoft.com/office/drawing/2018/hyperlinkcolor">
+  <p:cSld>
+    <p:spTree>
+      <p:nvGrpSpPr>
+        <p:cNvPr id="63" name="Shape 63"/>
+        <p:cNvGrpSpPr/>
+        <p:nvPr/>
+      </p:nvGrpSpPr>
+      <p:grpSpPr>
+        <a:xfrm>
+          <a:off x="0" y="0"/>
+          <a:ext cx="0" cy="0"/>
+          <a:chOff x="0" y="0"/>
+          <a:chExt cx="0" cy="0"/>
+        </a:xfrm>
+      </p:grpSpPr>
+      <p:sp>
+        <p:nvSpPr>
+          <p:cNvPr id="64" name="Google Shape;64;p14"/>
+          <p:cNvSpPr txBox="1"/>
+          <p:nvPr>
+            <p:ph type="title"/>
+          </p:nvPr>
+        </p:nvSpPr>
+        <p:spPr>
+          <a:xfrm>
+            <a:off x="311700" y="445025"/>
+            <a:ext cx="8520600" cy="572700"/>
+          </a:xfrm>
+          <a:prstGeom prst="rect">
+            <a:avLst/>
+          </a:prstGeom>
+        </p:spPr>
+        <p:txBody>
+          <a:bodyPr anchorCtr="0" anchor="t" bIns="91425" lIns="91425" spcFirstLastPara="1" rIns="91425" wrap="square" tIns="91425">
+            <a:normAutofit fontScale="90000"/>
+          </a:bodyPr>
+          <a:lstStyle/>
+          <a:p>
+            <a:pPr indent="0" lvl="0" marL="0" rtl="0" algn="l">
+              <a:spcBef>
+                <a:spcPts val="0"/>
+              </a:spcBef>
+              <a:spcAft>
+                <a:spcPts val="0"/>
+              </a:spcAft>
+              <a:buNone/>
+            </a:pPr>
+            <a:r>
               <a:rPr i="1" lang="en"/>
               <a:t>Larger Example of the Map</a:t>
             </a:r>
@@ -8565,7 +9000,7 @@
       </p:sp>
       <p:pic>
         <p:nvPicPr>
-          <p:cNvPr id="143" name="Google Shape;143;p23"/>
+          <p:cNvPr id="65" name="Google Shape;65;p14"/>
           <p:cNvPicPr preferRelativeResize="0"/>
           <p:nvPr/>
         </p:nvPicPr>
@@ -8599,12 +9034,12 @@
 </p:sld>
 </file>
 
-<file path=ppt/slides/slide12.xml><?xml version="1.0" encoding="utf-8"?>
+<file path=ppt/slides/slide3.xml><?xml version="1.0" encoding="utf-8"?>
 <p:sld xmlns:a="http://schemas.openxmlformats.org/drawingml/2006/main" xmlns:r="http://schemas.openxmlformats.org/officeDocument/2006/relationships" xmlns:mc="http://schemas.openxmlformats.org/markup-compatibility/2006" xmlns:mv="urn:schemas-microsoft-com:mac:vml" xmlns:p="http://schemas.openxmlformats.org/presentationml/2006/main" xmlns:c="http://schemas.openxmlformats.org/drawingml/2006/chart" xmlns:dgm="http://schemas.openxmlformats.org/drawingml/2006/diagram" xmlns:o="urn:schemas-microsoft-com:office:office" xmlns:v="urn:schemas-microsoft-com:vml" xmlns:pvml="urn:schemas-microsoft-com:office:powerpoint" xmlns:com="http://schemas.openxmlformats.org/drawingml/2006/compatibility" xmlns:p14="http://schemas.microsoft.com/office/powerpoint/2010/main" xmlns:p15="http://schemas.microsoft.com/office/powerpoint/2012/main" xmlns:ahyp="http://schemas.microsoft.com/office/drawing/2018/hyperlinkcolor">
   <p:cSld>
     <p:spTree>
       <p:nvGrpSpPr>
-        <p:cNvPr id="147" name="Shape 147"/>
+        <p:cNvPr id="69" name="Shape 69"/>
         <p:cNvGrpSpPr/>
         <p:nvPr/>
       </p:nvGrpSpPr>
@@ -8618,7 +9053,7 @@
       </p:grpSpPr>
       <p:sp>
         <p:nvSpPr>
-          <p:cNvPr id="148" name="Google Shape;148;p24"/>
+          <p:cNvPr id="70" name="Google Shape;70;p15"/>
           <p:cNvSpPr txBox="1"/>
           <p:nvPr>
             <p:ph type="title"/>
@@ -8658,7 +9093,7 @@
       </p:sp>
       <p:sp>
         <p:nvSpPr>
-          <p:cNvPr id="149" name="Google Shape;149;p24"/>
+          <p:cNvPr id="71" name="Google Shape;71;p15"/>
           <p:cNvSpPr txBox="1"/>
           <p:nvPr>
             <p:ph idx="1" type="body"/>
@@ -9029,7 +9464,7 @@
       </p:sp>
       <p:sp>
         <p:nvSpPr>
-          <p:cNvPr id="150" name="Google Shape;150;p24"/>
+          <p:cNvPr id="72" name="Google Shape;72;p15"/>
           <p:cNvSpPr txBox="1"/>
           <p:nvPr>
             <p:ph idx="1" type="body"/>
@@ -9306,12 +9741,12 @@
 </p:sld>
 </file>
 
-<file path=ppt/slides/slide13.xml><?xml version="1.0" encoding="utf-8"?>
+<file path=ppt/slides/slide4.xml><?xml version="1.0" encoding="utf-8"?>
 <p:sld xmlns:a="http://schemas.openxmlformats.org/drawingml/2006/main" xmlns:r="http://schemas.openxmlformats.org/officeDocument/2006/relationships" xmlns:mc="http://schemas.openxmlformats.org/markup-compatibility/2006" xmlns:mv="urn:schemas-microsoft-com:mac:vml" xmlns:p="http://schemas.openxmlformats.org/presentationml/2006/main" xmlns:c="http://schemas.openxmlformats.org/drawingml/2006/chart" xmlns:dgm="http://schemas.openxmlformats.org/drawingml/2006/diagram" xmlns:o="urn:schemas-microsoft-com:office:office" xmlns:v="urn:schemas-microsoft-com:vml" xmlns:pvml="urn:schemas-microsoft-com:office:powerpoint" xmlns:com="http://schemas.openxmlformats.org/drawingml/2006/compatibility" xmlns:p14="http://schemas.microsoft.com/office/powerpoint/2010/main" xmlns:p15="http://schemas.microsoft.com/office/powerpoint/2012/main" xmlns:ahyp="http://schemas.microsoft.com/office/drawing/2018/hyperlinkcolor">
   <p:cSld>
     <p:spTree>
       <p:nvGrpSpPr>
-        <p:cNvPr id="154" name="Shape 154"/>
+        <p:cNvPr id="76" name="Shape 76"/>
         <p:cNvGrpSpPr/>
         <p:nvPr/>
       </p:nvGrpSpPr>
@@ -9325,7 +9760,7 @@
       </p:grpSpPr>
       <p:sp>
         <p:nvSpPr>
-          <p:cNvPr id="155" name="Google Shape;155;p25"/>
+          <p:cNvPr id="77" name="Google Shape;77;p16"/>
           <p:cNvSpPr txBox="1"/>
           <p:nvPr>
             <p:ph type="title"/>
@@ -9333,8 +9768,8 @@
         </p:nvSpPr>
         <p:spPr>
           <a:xfrm>
-            <a:off x="311700" y="445025"/>
-            <a:ext cx="8520600" cy="572700"/>
+            <a:off x="1657650" y="501650"/>
+            <a:ext cx="3390600" cy="572700"/>
           </a:xfrm>
           <a:prstGeom prst="rect">
             <a:avLst/>
@@ -9356,29 +9791,377 @@
               <a:buNone/>
             </a:pPr>
             <a:r>
+              <a:rPr i="1" lang="en"/>
+              <a:t>Community X </a:t>
+            </a:r>
+            <a:r>
               <a:rPr lang="en"/>
-              <a:t>Simplified View</a:t>
+              <a:t>Profile</a:t>
             </a:r>
             <a:endParaRPr/>
           </a:p>
         </p:txBody>
       </p:sp>
+      <p:pic>
+        <p:nvPicPr>
+          <p:cNvPr id="78" name="Google Shape;78;p16"/>
+          <p:cNvPicPr preferRelativeResize="0"/>
+          <p:nvPr/>
+        </p:nvPicPr>
+        <p:blipFill>
+          <a:blip r:embed="rId4">
+            <a:alphaModFix/>
+          </a:blip>
+          <a:stretch>
+            <a:fillRect/>
+          </a:stretch>
+        </p:blipFill>
+        <p:spPr>
+          <a:xfrm>
+            <a:off x="1814821" y="4187950"/>
+            <a:ext cx="976203" cy="955550"/>
+          </a:xfrm>
+          <a:prstGeom prst="rect">
+            <a:avLst/>
+          </a:prstGeom>
+          <a:noFill/>
+          <a:ln>
+            <a:noFill/>
+          </a:ln>
+        </p:spPr>
+      </p:pic>
       <p:sp>
         <p:nvSpPr>
-          <p:cNvPr id="156" name="Google Shape;156;p25"/>
+          <p:cNvPr id="79" name="Google Shape;79;p16"/>
           <p:cNvSpPr txBox="1"/>
           <p:nvPr/>
         </p:nvSpPr>
         <p:spPr>
           <a:xfrm>
-            <a:off x="408725" y="1017725"/>
-            <a:ext cx="8375700" cy="3757200"/>
+            <a:off x="1710313" y="3742700"/>
+            <a:ext cx="2612700" cy="338700"/>
+          </a:xfrm>
+          <a:prstGeom prst="rect">
+            <a:avLst/>
+          </a:prstGeom>
+          <a:noFill/>
+          <a:ln>
+            <a:noFill/>
+          </a:ln>
+        </p:spPr>
+        <p:txBody>
+          <a:bodyPr anchorCtr="0" anchor="t" bIns="91425" lIns="91425" spcFirstLastPara="1" rIns="91425" wrap="square" tIns="91425">
+            <a:noAutofit/>
+          </a:bodyPr>
+          <a:lstStyle/>
+          <a:p>
+            <a:pPr indent="0" lvl="0" marL="0" rtl="0" algn="l">
+              <a:spcBef>
+                <a:spcPts val="0"/>
+              </a:spcBef>
+              <a:spcAft>
+                <a:spcPts val="0"/>
+              </a:spcAft>
+              <a:buNone/>
+            </a:pPr>
+            <a:r>
+              <a:rPr lang="en" sz="1800">
+                <a:solidFill>
+                  <a:schemeClr val="dk1"/>
+                </a:solidFill>
+              </a:rPr>
+              <a:t>Community</a:t>
+            </a:r>
+            <a:r>
+              <a:rPr lang="en" sz="1800">
+                <a:solidFill>
+                  <a:schemeClr val="dk1"/>
+                </a:solidFill>
+              </a:rPr>
+              <a:t> Location</a:t>
+            </a:r>
+            <a:endParaRPr sz="1800">
+              <a:solidFill>
+                <a:schemeClr val="dk1"/>
+              </a:solidFill>
+            </a:endParaRPr>
+          </a:p>
+        </p:txBody>
+      </p:sp>
+      <p:sp>
+        <p:nvSpPr>
+          <p:cNvPr id="80" name="Google Shape;80;p16"/>
+          <p:cNvSpPr txBox="1"/>
+          <p:nvPr/>
+        </p:nvSpPr>
+        <p:spPr>
+          <a:xfrm>
+            <a:off x="1710313" y="2298013"/>
+            <a:ext cx="7277100" cy="793200"/>
+          </a:xfrm>
+          <a:prstGeom prst="rect">
+            <a:avLst/>
+          </a:prstGeom>
+          <a:noFill/>
+          <a:ln>
+            <a:noFill/>
+          </a:ln>
+        </p:spPr>
+        <p:txBody>
+          <a:bodyPr anchorCtr="0" anchor="t" bIns="91425" lIns="91425" spcFirstLastPara="1" rIns="91425" wrap="square" tIns="91425">
+            <a:noAutofit/>
+          </a:bodyPr>
+          <a:lstStyle/>
+          <a:p>
+            <a:pPr indent="0" lvl="0" marL="0" rtl="0" algn="l">
+              <a:spcBef>
+                <a:spcPts val="0"/>
+              </a:spcBef>
+              <a:spcAft>
+                <a:spcPts val="0"/>
+              </a:spcAft>
+              <a:buNone/>
+            </a:pPr>
+            <a:r>
+              <a:rPr lang="en" sz="1800">
+                <a:solidFill>
+                  <a:schemeClr val="dk1"/>
+                </a:solidFill>
+              </a:rPr>
+              <a:t>Source</a:t>
+            </a:r>
+            <a:endParaRPr sz="1800">
+              <a:solidFill>
+                <a:schemeClr val="dk1"/>
+              </a:solidFill>
+            </a:endParaRPr>
+          </a:p>
+          <a:p>
+            <a:pPr indent="0" lvl="0" marL="0" rtl="0" algn="l">
+              <a:spcBef>
+                <a:spcPts val="0"/>
+              </a:spcBef>
+              <a:spcAft>
+                <a:spcPts val="0"/>
+              </a:spcAft>
+              <a:buNone/>
+            </a:pPr>
+            <a:r>
+              <a:rPr lang="en" sz="1100">
+                <a:solidFill>
+                  <a:schemeClr val="dk1"/>
+                </a:solidFill>
+              </a:rPr>
+              <a:t>This page is the community profile for </a:t>
+            </a:r>
+            <a:r>
+              <a:rPr i="1" lang="en" sz="1100">
+                <a:solidFill>
+                  <a:schemeClr val="dk1"/>
+                </a:solidFill>
+              </a:rPr>
+              <a:t>Community X</a:t>
+            </a:r>
+            <a:r>
+              <a:rPr lang="en" sz="1100">
+                <a:solidFill>
+                  <a:schemeClr val="dk1"/>
+                </a:solidFill>
+              </a:rPr>
+              <a:t>. It contains health statistical measures for the community. The data is sourced from the Cook County Health Atlas. For more information, please see the methodology page. </a:t>
+            </a:r>
+            <a:endParaRPr sz="1100">
+              <a:solidFill>
+                <a:schemeClr val="dk1"/>
+              </a:solidFill>
+            </a:endParaRPr>
+          </a:p>
+        </p:txBody>
+      </p:sp>
+      <p:pic>
+        <p:nvPicPr>
+          <p:cNvPr descr="Home - Cook County Department of Public Health" id="81" name="Google Shape;81;p16"/>
+          <p:cNvPicPr preferRelativeResize="0"/>
+          <p:nvPr/>
+        </p:nvPicPr>
+        <p:blipFill>
+          <a:blip r:embed="rId5">
+            <a:alphaModFix/>
+          </a:blip>
+          <a:stretch>
+            <a:fillRect/>
+          </a:stretch>
+        </p:blipFill>
+        <p:spPr>
+          <a:xfrm>
+            <a:off x="0" y="0"/>
+            <a:ext cx="1411950" cy="427300"/>
+          </a:xfrm>
+          <a:prstGeom prst="rect">
+            <a:avLst/>
+          </a:prstGeom>
+          <a:noFill/>
+          <a:ln>
+            <a:noFill/>
+          </a:ln>
+        </p:spPr>
+      </p:pic>
+      <p:sp>
+        <p:nvSpPr>
+          <p:cNvPr id="82" name="Google Shape;82;p16"/>
+          <p:cNvSpPr txBox="1"/>
+          <p:nvPr/>
+        </p:nvSpPr>
+        <p:spPr>
+          <a:xfrm>
+            <a:off x="1811500" y="112625"/>
+            <a:ext cx="6748500" cy="314700"/>
+          </a:xfrm>
+          <a:prstGeom prst="rect">
+            <a:avLst/>
+          </a:prstGeom>
+          <a:noFill/>
+          <a:ln>
+            <a:noFill/>
+          </a:ln>
+        </p:spPr>
+        <p:txBody>
+          <a:bodyPr anchorCtr="0" anchor="t" bIns="91425" lIns="91425" spcFirstLastPara="1" rIns="91425" wrap="square" tIns="91425">
+            <a:noAutofit/>
+          </a:bodyPr>
+          <a:lstStyle/>
+          <a:p>
+            <a:pPr indent="0" lvl="0" marL="0" rtl="0" algn="l">
+              <a:spcBef>
+                <a:spcPts val="0"/>
+              </a:spcBef>
+              <a:spcAft>
+                <a:spcPts val="0"/>
+              </a:spcAft>
+              <a:buNone/>
+            </a:pPr>
+            <a:r>
+              <a:rPr lang="en">
+                <a:solidFill>
+                  <a:schemeClr val="dk2"/>
+                </a:solidFill>
+              </a:rPr>
+              <a:t>[</a:t>
+            </a:r>
+            <a:r>
+              <a:rPr lang="en">
+                <a:solidFill>
+                  <a:schemeClr val="dk2"/>
+                </a:solidFill>
+              </a:rPr>
+              <a:t>font</a:t>
+            </a:r>
+            <a:r>
+              <a:rPr lang="en">
+                <a:solidFill>
+                  <a:schemeClr val="dk2"/>
+                </a:solidFill>
+              </a:rPr>
+              <a:t> settings] [zoom] [audio reader] [search bar] [download pdf] [share]</a:t>
+            </a:r>
+            <a:endParaRPr>
+              <a:solidFill>
+                <a:schemeClr val="dk2"/>
+              </a:solidFill>
+            </a:endParaRPr>
+          </a:p>
+        </p:txBody>
+      </p:sp>
+      <p:sp>
+        <p:nvSpPr>
+          <p:cNvPr id="83" name="Google Shape;83;p16"/>
+          <p:cNvSpPr txBox="1"/>
+          <p:nvPr/>
+        </p:nvSpPr>
+        <p:spPr>
+          <a:xfrm>
+            <a:off x="1710313" y="3127625"/>
+            <a:ext cx="7277100" cy="572700"/>
+          </a:xfrm>
+          <a:prstGeom prst="rect">
+            <a:avLst/>
+          </a:prstGeom>
+          <a:noFill/>
+          <a:ln>
+            <a:noFill/>
+          </a:ln>
+        </p:spPr>
+        <p:txBody>
+          <a:bodyPr anchorCtr="0" anchor="t" bIns="91425" lIns="91425" spcFirstLastPara="1" rIns="91425" wrap="square" tIns="91425">
+            <a:noAutofit/>
+          </a:bodyPr>
+          <a:lstStyle/>
+          <a:p>
+            <a:pPr indent="0" lvl="0" marL="0" rtl="0" algn="l">
+              <a:spcBef>
+                <a:spcPts val="0"/>
+              </a:spcBef>
+              <a:spcAft>
+                <a:spcPts val="0"/>
+              </a:spcAft>
+              <a:buNone/>
+            </a:pPr>
+            <a:r>
+              <a:rPr lang="en" sz="1800">
+                <a:solidFill>
+                  <a:schemeClr val="dk1"/>
+                </a:solidFill>
+              </a:rPr>
+              <a:t>Simplified View</a:t>
+            </a:r>
+            <a:endParaRPr sz="1800">
+              <a:solidFill>
+                <a:schemeClr val="dk1"/>
+              </a:solidFill>
+            </a:endParaRPr>
+          </a:p>
+          <a:p>
+            <a:pPr indent="0" lvl="0" marL="0" rtl="0" algn="l">
+              <a:spcBef>
+                <a:spcPts val="0"/>
+              </a:spcBef>
+              <a:spcAft>
+                <a:spcPts val="0"/>
+              </a:spcAft>
+              <a:buNone/>
+            </a:pPr>
+            <a:r>
+              <a:rPr lang="en" sz="1100">
+                <a:solidFill>
+                  <a:schemeClr val="dk1"/>
+                </a:solidFill>
+              </a:rPr>
+              <a:t>View all tables</a:t>
+            </a:r>
+            <a:endParaRPr sz="1100">
+              <a:solidFill>
+                <a:schemeClr val="dk1"/>
+              </a:solidFill>
+            </a:endParaRPr>
+          </a:p>
+        </p:txBody>
+      </p:sp>
+      <p:sp>
+        <p:nvSpPr>
+          <p:cNvPr id="84" name="Google Shape;84;p16"/>
+          <p:cNvSpPr txBox="1"/>
+          <p:nvPr/>
+        </p:nvSpPr>
+        <p:spPr>
+          <a:xfrm>
+            <a:off x="1814822" y="1090475"/>
+            <a:ext cx="3233400" cy="1263000"/>
           </a:xfrm>
           <a:prstGeom prst="rect">
             <a:avLst/>
           </a:prstGeom>
           <a:solidFill>
-            <a:schemeClr val="lt2"/>
+            <a:srgbClr val="F3F3F3"/>
           </a:solidFill>
           <a:ln>
             <a:noFill/>
@@ -9390,28 +10173,674 @@
           </a:bodyPr>
           <a:lstStyle/>
           <a:p>
-            <a:pPr indent="0" lvl="0" marL="0" rtl="0" algn="ctr">
-              <a:spcBef>
-                <a:spcPts val="0"/>
-              </a:spcBef>
-              <a:spcAft>
-                <a:spcPts val="0"/>
-              </a:spcAft>
-              <a:buNone/>
-            </a:pPr>
-            <a:r>
-              <a:rPr lang="en" sz="1800">
-                <a:solidFill>
-                  <a:schemeClr val="dk1"/>
+            <a:pPr indent="0" lvl="0" marL="0" rtl="0" algn="l">
+              <a:spcBef>
+                <a:spcPts val="0"/>
+              </a:spcBef>
+              <a:spcAft>
+                <a:spcPts val="0"/>
+              </a:spcAft>
+              <a:buNone/>
+            </a:pPr>
+            <a:r>
+              <a:rPr lang="en" sz="1200">
+                <a:solidFill>
+                  <a:schemeClr val="dk2"/>
                 </a:solidFill>
               </a:rPr>
-              <a:t>Single table of all health indicators without any narrative text or figures.</a:t>
-            </a:r>
-            <a:endParaRPr i="1" sz="1800">
+              <a:t>Strengths</a:t>
+            </a:r>
+            <a:endParaRPr sz="1200">
               <a:solidFill>
-                <a:schemeClr val="dk1"/>
+                <a:schemeClr val="dk2"/>
               </a:solidFill>
             </a:endParaRPr>
+          </a:p>
+          <a:p>
+            <a:pPr indent="-304800" lvl="0" marL="457200" rtl="0" algn="l">
+              <a:spcBef>
+                <a:spcPts val="0"/>
+              </a:spcBef>
+              <a:spcAft>
+                <a:spcPts val="0"/>
+              </a:spcAft>
+              <a:buClr>
+                <a:schemeClr val="dk2"/>
+              </a:buClr>
+              <a:buSzPts val="1200"/>
+              <a:buChar char="●"/>
+            </a:pPr>
+            <a:r>
+              <a:rPr lang="en" sz="1200">
+                <a:solidFill>
+                  <a:schemeClr val="dk2"/>
+                </a:solidFill>
+              </a:rPr>
+              <a:t> </a:t>
+            </a:r>
+            <a:endParaRPr sz="1200">
+              <a:solidFill>
+                <a:schemeClr val="dk2"/>
+              </a:solidFill>
+            </a:endParaRPr>
+          </a:p>
+          <a:p>
+            <a:pPr indent="-304800" lvl="0" marL="457200" rtl="0" algn="l">
+              <a:spcBef>
+                <a:spcPts val="0"/>
+              </a:spcBef>
+              <a:spcAft>
+                <a:spcPts val="0"/>
+              </a:spcAft>
+              <a:buClr>
+                <a:schemeClr val="dk2"/>
+              </a:buClr>
+              <a:buSzPts val="1200"/>
+              <a:buChar char="●"/>
+            </a:pPr>
+            <a:r>
+              <a:rPr lang="en" sz="1200">
+                <a:solidFill>
+                  <a:schemeClr val="dk2"/>
+                </a:solidFill>
+              </a:rPr>
+              <a:t> </a:t>
+            </a:r>
+            <a:endParaRPr sz="1200">
+              <a:solidFill>
+                <a:schemeClr val="dk2"/>
+              </a:solidFill>
+            </a:endParaRPr>
+          </a:p>
+          <a:p>
+            <a:pPr indent="0" lvl="0" marL="0" rtl="0" algn="l">
+              <a:spcBef>
+                <a:spcPts val="0"/>
+              </a:spcBef>
+              <a:spcAft>
+                <a:spcPts val="0"/>
+              </a:spcAft>
+              <a:buNone/>
+            </a:pPr>
+            <a:r>
+              <a:rPr lang="en" sz="1200">
+                <a:solidFill>
+                  <a:schemeClr val="dk2"/>
+                </a:solidFill>
+              </a:rPr>
+              <a:t>Challenges</a:t>
+            </a:r>
+            <a:endParaRPr sz="1200">
+              <a:solidFill>
+                <a:schemeClr val="dk2"/>
+              </a:solidFill>
+            </a:endParaRPr>
+          </a:p>
+          <a:p>
+            <a:pPr indent="-304800" lvl="0" marL="457200" rtl="0" algn="l">
+              <a:spcBef>
+                <a:spcPts val="0"/>
+              </a:spcBef>
+              <a:spcAft>
+                <a:spcPts val="0"/>
+              </a:spcAft>
+              <a:buClr>
+                <a:schemeClr val="dk2"/>
+              </a:buClr>
+              <a:buSzPts val="1200"/>
+              <a:buChar char="●"/>
+            </a:pPr>
+            <a:r>
+              <a:rPr lang="en" sz="1200">
+                <a:solidFill>
+                  <a:schemeClr val="dk2"/>
+                </a:solidFill>
+              </a:rPr>
+              <a:t> </a:t>
+            </a:r>
+            <a:endParaRPr sz="1200">
+              <a:solidFill>
+                <a:schemeClr val="dk2"/>
+              </a:solidFill>
+            </a:endParaRPr>
+          </a:p>
+          <a:p>
+            <a:pPr indent="-304800" lvl="0" marL="457200" rtl="0" algn="l">
+              <a:spcBef>
+                <a:spcPts val="0"/>
+              </a:spcBef>
+              <a:spcAft>
+                <a:spcPts val="0"/>
+              </a:spcAft>
+              <a:buClr>
+                <a:schemeClr val="dk2"/>
+              </a:buClr>
+              <a:buSzPts val="1200"/>
+              <a:buChar char="●"/>
+            </a:pPr>
+            <a:r>
+              <a:rPr lang="en" sz="1200">
+                <a:solidFill>
+                  <a:schemeClr val="dk2"/>
+                </a:solidFill>
+              </a:rPr>
+              <a:t> </a:t>
+            </a:r>
+            <a:endParaRPr sz="1200">
+              <a:solidFill>
+                <a:schemeClr val="dk2"/>
+              </a:solidFill>
+            </a:endParaRPr>
+          </a:p>
+          <a:p>
+            <a:pPr indent="0" lvl="0" marL="0" rtl="0" algn="l">
+              <a:spcBef>
+                <a:spcPts val="0"/>
+              </a:spcBef>
+              <a:spcAft>
+                <a:spcPts val="0"/>
+              </a:spcAft>
+              <a:buNone/>
+            </a:pPr>
+            <a:r>
+              <a:t/>
+            </a:r>
+            <a:endParaRPr sz="1800">
+              <a:solidFill>
+                <a:schemeClr val="dk2"/>
+              </a:solidFill>
+            </a:endParaRPr>
+          </a:p>
+        </p:txBody>
+      </p:sp>
+      <p:sp>
+        <p:nvSpPr>
+          <p:cNvPr id="85" name="Google Shape;85;p16"/>
+          <p:cNvSpPr txBox="1"/>
+          <p:nvPr/>
+        </p:nvSpPr>
+        <p:spPr>
+          <a:xfrm>
+            <a:off x="2638580" y="3016650"/>
+            <a:ext cx="5424000" cy="619500"/>
+          </a:xfrm>
+          <a:prstGeom prst="rect">
+            <a:avLst/>
+          </a:prstGeom>
+          <a:noFill/>
+          <a:ln>
+            <a:noFill/>
+          </a:ln>
+        </p:spPr>
+        <p:txBody>
+          <a:bodyPr anchorCtr="0" anchor="t" bIns="91425" lIns="91425" spcFirstLastPara="1" rIns="91425" wrap="square" tIns="91425">
+            <a:noAutofit/>
+          </a:bodyPr>
+          <a:lstStyle/>
+          <a:p>
+            <a:pPr indent="0" lvl="0" marL="0" rtl="0" algn="l">
+              <a:spcBef>
+                <a:spcPts val="0"/>
+              </a:spcBef>
+              <a:spcAft>
+                <a:spcPts val="0"/>
+              </a:spcAft>
+              <a:buNone/>
+            </a:pPr>
+            <a:r>
+              <a:t/>
+            </a:r>
+            <a:endParaRPr sz="1800">
+              <a:solidFill>
+                <a:schemeClr val="dk2"/>
+              </a:solidFill>
+            </a:endParaRPr>
+          </a:p>
+        </p:txBody>
+      </p:sp>
+      <p:sp>
+        <p:nvSpPr>
+          <p:cNvPr id="86" name="Google Shape;86;p16"/>
+          <p:cNvSpPr txBox="1"/>
+          <p:nvPr/>
+        </p:nvSpPr>
+        <p:spPr>
+          <a:xfrm>
+            <a:off x="5667400" y="1090500"/>
+            <a:ext cx="3165000" cy="1263000"/>
+          </a:xfrm>
+          <a:prstGeom prst="rect">
+            <a:avLst/>
+          </a:prstGeom>
+          <a:solidFill>
+            <a:srgbClr val="F3F3F3"/>
+          </a:solidFill>
+          <a:ln>
+            <a:noFill/>
+          </a:ln>
+        </p:spPr>
+        <p:txBody>
+          <a:bodyPr anchorCtr="0" anchor="t" bIns="91425" lIns="91425" spcFirstLastPara="1" rIns="91425" wrap="square" tIns="91425">
+            <a:noAutofit/>
+          </a:bodyPr>
+          <a:lstStyle/>
+          <a:p>
+            <a:pPr indent="0" lvl="0" marL="0" rtl="0" algn="l">
+              <a:spcBef>
+                <a:spcPts val="0"/>
+              </a:spcBef>
+              <a:spcAft>
+                <a:spcPts val="0"/>
+              </a:spcAft>
+              <a:buNone/>
+            </a:pPr>
+            <a:r>
+              <a:rPr lang="en" sz="1200">
+                <a:solidFill>
+                  <a:schemeClr val="dk2"/>
+                </a:solidFill>
+              </a:rPr>
+              <a:t>Highlights</a:t>
+            </a:r>
+            <a:endParaRPr sz="1200">
+              <a:solidFill>
+                <a:schemeClr val="dk2"/>
+              </a:solidFill>
+            </a:endParaRPr>
+          </a:p>
+          <a:p>
+            <a:pPr indent="-304800" lvl="0" marL="457200" rtl="0" algn="l">
+              <a:spcBef>
+                <a:spcPts val="0"/>
+              </a:spcBef>
+              <a:spcAft>
+                <a:spcPts val="0"/>
+              </a:spcAft>
+              <a:buClr>
+                <a:schemeClr val="dk2"/>
+              </a:buClr>
+              <a:buSzPts val="1200"/>
+              <a:buChar char="●"/>
+            </a:pPr>
+            <a:r>
+              <a:rPr lang="en" sz="1200">
+                <a:solidFill>
+                  <a:schemeClr val="dk2"/>
+                </a:solidFill>
+              </a:rPr>
+              <a:t> </a:t>
+            </a:r>
+            <a:endParaRPr sz="1200">
+              <a:solidFill>
+                <a:schemeClr val="dk2"/>
+              </a:solidFill>
+            </a:endParaRPr>
+          </a:p>
+          <a:p>
+            <a:pPr indent="-304800" lvl="0" marL="457200" rtl="0" algn="l">
+              <a:spcBef>
+                <a:spcPts val="0"/>
+              </a:spcBef>
+              <a:spcAft>
+                <a:spcPts val="0"/>
+              </a:spcAft>
+              <a:buClr>
+                <a:schemeClr val="dk2"/>
+              </a:buClr>
+              <a:buSzPts val="1200"/>
+              <a:buChar char="●"/>
+            </a:pPr>
+            <a:r>
+              <a:rPr lang="en" sz="1200">
+                <a:solidFill>
+                  <a:schemeClr val="dk2"/>
+                </a:solidFill>
+              </a:rPr>
+              <a:t> </a:t>
+            </a:r>
+            <a:endParaRPr sz="1200">
+              <a:solidFill>
+                <a:schemeClr val="dk2"/>
+              </a:solidFill>
+            </a:endParaRPr>
+          </a:p>
+          <a:p>
+            <a:pPr indent="-304800" lvl="0" marL="457200" rtl="0" algn="l">
+              <a:spcBef>
+                <a:spcPts val="0"/>
+              </a:spcBef>
+              <a:spcAft>
+                <a:spcPts val="0"/>
+              </a:spcAft>
+              <a:buClr>
+                <a:schemeClr val="dk2"/>
+              </a:buClr>
+              <a:buSzPts val="1200"/>
+              <a:buChar char="●"/>
+            </a:pPr>
+            <a:r>
+              <a:rPr lang="en" sz="1200">
+                <a:solidFill>
+                  <a:schemeClr val="dk2"/>
+                </a:solidFill>
+              </a:rPr>
+              <a:t> </a:t>
+            </a:r>
+            <a:endParaRPr sz="1200">
+              <a:solidFill>
+                <a:schemeClr val="dk2"/>
+              </a:solidFill>
+            </a:endParaRPr>
+          </a:p>
+          <a:p>
+            <a:pPr indent="0" lvl="0" marL="0" rtl="0" algn="l">
+              <a:spcBef>
+                <a:spcPts val="0"/>
+              </a:spcBef>
+              <a:spcAft>
+                <a:spcPts val="0"/>
+              </a:spcAft>
+              <a:buNone/>
+            </a:pPr>
+            <a:r>
+              <a:t/>
+            </a:r>
+            <a:endParaRPr sz="1800">
+              <a:solidFill>
+                <a:schemeClr val="dk2"/>
+              </a:solidFill>
+            </a:endParaRPr>
+          </a:p>
+        </p:txBody>
+      </p:sp>
+      <p:sp>
+        <p:nvSpPr>
+          <p:cNvPr id="87" name="Google Shape;87;p16"/>
+          <p:cNvSpPr txBox="1"/>
+          <p:nvPr>
+            <p:ph idx="1" type="body"/>
+          </p:nvPr>
+        </p:nvSpPr>
+        <p:spPr>
+          <a:xfrm>
+            <a:off x="0" y="685825"/>
+            <a:ext cx="972600" cy="5143500"/>
+          </a:xfrm>
+          <a:prstGeom prst="rect">
+            <a:avLst/>
+          </a:prstGeom>
+          <a:solidFill>
+            <a:schemeClr val="lt2"/>
+          </a:solidFill>
+        </p:spPr>
+        <p:txBody>
+          <a:bodyPr anchorCtr="0" anchor="t" bIns="91425" lIns="91425" spcFirstLastPara="1" rIns="91425" wrap="square" tIns="91425">
+            <a:normAutofit/>
+          </a:bodyPr>
+          <a:lstStyle/>
+          <a:p>
+            <a:pPr indent="0" lvl="0" marL="0" rtl="0" algn="l">
+              <a:spcBef>
+                <a:spcPts val="0"/>
+              </a:spcBef>
+              <a:spcAft>
+                <a:spcPts val="0"/>
+              </a:spcAft>
+              <a:buNone/>
+            </a:pPr>
+            <a:r>
+              <a:rPr b="1" lang="en" sz="900"/>
+              <a:t>I</a:t>
+            </a:r>
+            <a:r>
+              <a:rPr b="1" lang="en" sz="900"/>
+              <a:t>ntroduction</a:t>
+            </a:r>
+            <a:endParaRPr b="1" sz="900"/>
+          </a:p>
+          <a:p>
+            <a:pPr indent="0" lvl="0" marL="0" rtl="0" algn="l">
+              <a:spcBef>
+                <a:spcPts val="1200"/>
+              </a:spcBef>
+              <a:spcAft>
+                <a:spcPts val="0"/>
+              </a:spcAft>
+              <a:buNone/>
+            </a:pPr>
+            <a:r>
+              <a:rPr b="1" lang="en" sz="900"/>
+              <a:t>Methods</a:t>
+            </a:r>
+            <a:endParaRPr b="1" sz="900"/>
+          </a:p>
+          <a:p>
+            <a:pPr indent="0" lvl="0" marL="0" rtl="0" algn="l">
+              <a:spcBef>
+                <a:spcPts val="1200"/>
+              </a:spcBef>
+              <a:spcAft>
+                <a:spcPts val="0"/>
+              </a:spcAft>
+              <a:buNone/>
+            </a:pPr>
+            <a:r>
+              <a:rPr b="1" lang="en" sz="900"/>
+              <a:t>Communities</a:t>
+            </a:r>
+            <a:endParaRPr b="1" sz="900"/>
+          </a:p>
+          <a:p>
+            <a:pPr indent="0" lvl="0" marL="0" rtl="0" algn="l">
+              <a:spcBef>
+                <a:spcPts val="1200"/>
+              </a:spcBef>
+              <a:spcAft>
+                <a:spcPts val="0"/>
+              </a:spcAft>
+              <a:buNone/>
+            </a:pPr>
+            <a:r>
+              <a:rPr lang="en" sz="900"/>
+              <a:t>[search bar]</a:t>
+            </a:r>
+            <a:endParaRPr sz="900"/>
+          </a:p>
+          <a:p>
+            <a:pPr indent="0" lvl="0" marL="0" rtl="0" algn="l">
+              <a:spcBef>
+                <a:spcPts val="1200"/>
+              </a:spcBef>
+              <a:spcAft>
+                <a:spcPts val="0"/>
+              </a:spcAft>
+              <a:buNone/>
+            </a:pPr>
+            <a:r>
+              <a:rPr lang="en" sz="900"/>
+              <a:t>Alsip</a:t>
+            </a:r>
+            <a:endParaRPr sz="900"/>
+          </a:p>
+          <a:p>
+            <a:pPr indent="0" lvl="0" marL="0" rtl="0" algn="l">
+              <a:spcBef>
+                <a:spcPts val="1200"/>
+              </a:spcBef>
+              <a:spcAft>
+                <a:spcPts val="0"/>
+              </a:spcAft>
+              <a:buClr>
+                <a:schemeClr val="dk1"/>
+              </a:buClr>
+              <a:buSzPts val="1100"/>
+              <a:buFont typeface="Arial"/>
+              <a:buNone/>
+            </a:pPr>
+            <a:r>
+              <a:rPr lang="en" sz="900"/>
+              <a:t>Arlington Heights</a:t>
+            </a:r>
+            <a:endParaRPr sz="900"/>
+          </a:p>
+          <a:p>
+            <a:pPr indent="0" lvl="0" marL="0" rtl="0" algn="l">
+              <a:spcBef>
+                <a:spcPts val="1200"/>
+              </a:spcBef>
+              <a:spcAft>
+                <a:spcPts val="0"/>
+              </a:spcAft>
+              <a:buNone/>
+            </a:pPr>
+            <a:r>
+              <a:rPr lang="en" sz="900"/>
+              <a:t>Barrington</a:t>
+            </a:r>
+            <a:endParaRPr sz="900"/>
+          </a:p>
+          <a:p>
+            <a:pPr indent="0" lvl="0" marL="0" rtl="0" algn="l">
+              <a:spcBef>
+                <a:spcPts val="1200"/>
+              </a:spcBef>
+              <a:spcAft>
+                <a:spcPts val="0"/>
+              </a:spcAft>
+              <a:buClr>
+                <a:schemeClr val="dk1"/>
+              </a:buClr>
+              <a:buSzPts val="1100"/>
+              <a:buFont typeface="Arial"/>
+              <a:buNone/>
+            </a:pPr>
+            <a:r>
+              <a:rPr lang="en" sz="900"/>
+              <a:t>Barrington Hills</a:t>
+            </a:r>
+            <a:endParaRPr sz="900"/>
+          </a:p>
+          <a:p>
+            <a:pPr indent="0" lvl="0" marL="0" rtl="0" algn="l">
+              <a:spcBef>
+                <a:spcPts val="1200"/>
+              </a:spcBef>
+              <a:spcAft>
+                <a:spcPts val="0"/>
+              </a:spcAft>
+              <a:buNone/>
+            </a:pPr>
+            <a:r>
+              <a:rPr lang="en" sz="900"/>
+              <a:t>Bartlett</a:t>
+            </a:r>
+            <a:endParaRPr sz="900"/>
+          </a:p>
+          <a:p>
+            <a:pPr indent="0" lvl="0" marL="0" rtl="0" algn="l">
+              <a:spcBef>
+                <a:spcPts val="1200"/>
+              </a:spcBef>
+              <a:spcAft>
+                <a:spcPts val="0"/>
+              </a:spcAft>
+              <a:buClr>
+                <a:schemeClr val="dk1"/>
+              </a:buClr>
+              <a:buSzPts val="1100"/>
+              <a:buFont typeface="Arial"/>
+              <a:buNone/>
+            </a:pPr>
+            <a:r>
+              <a:rPr lang="en" sz="900"/>
+              <a:t>Bedford Park</a:t>
+            </a:r>
+            <a:endParaRPr sz="900"/>
+          </a:p>
+          <a:p>
+            <a:pPr indent="0" lvl="0" marL="0" rtl="0" algn="l">
+              <a:spcBef>
+                <a:spcPts val="1200"/>
+              </a:spcBef>
+              <a:spcAft>
+                <a:spcPts val="0"/>
+              </a:spcAft>
+              <a:buClr>
+                <a:schemeClr val="dk1"/>
+              </a:buClr>
+              <a:buSzPts val="1100"/>
+              <a:buFont typeface="Arial"/>
+              <a:buNone/>
+            </a:pPr>
+            <a:r>
+              <a:rPr lang="en" sz="900"/>
+              <a:t>Bellwood</a:t>
+            </a:r>
+            <a:endParaRPr sz="900"/>
+          </a:p>
+          <a:p>
+            <a:pPr indent="0" lvl="0" marL="0" rtl="0" algn="l">
+              <a:spcBef>
+                <a:spcPts val="1200"/>
+              </a:spcBef>
+              <a:spcAft>
+                <a:spcPts val="0"/>
+              </a:spcAft>
+              <a:buNone/>
+            </a:pPr>
+            <a:r>
+              <a:rPr lang="en" sz="900"/>
+              <a:t>Bensenville</a:t>
+            </a:r>
+            <a:endParaRPr sz="900"/>
+          </a:p>
+          <a:p>
+            <a:pPr indent="0" lvl="0" marL="0" rtl="0" algn="l">
+              <a:spcBef>
+                <a:spcPts val="1200"/>
+              </a:spcBef>
+              <a:spcAft>
+                <a:spcPts val="0"/>
+              </a:spcAft>
+              <a:buNone/>
+            </a:pPr>
+            <a:r>
+              <a:rPr lang="en" sz="900"/>
+              <a:t>Berkeley</a:t>
+            </a:r>
+            <a:endParaRPr sz="900"/>
+          </a:p>
+          <a:p>
+            <a:pPr indent="0" lvl="0" marL="0" rtl="0" algn="l">
+              <a:spcBef>
+                <a:spcPts val="1200"/>
+              </a:spcBef>
+              <a:spcAft>
+                <a:spcPts val="0"/>
+              </a:spcAft>
+              <a:buNone/>
+            </a:pPr>
+            <a:r>
+              <a:rPr lang="en" sz="900"/>
+              <a:t>Berwyn</a:t>
+            </a:r>
+            <a:endParaRPr sz="900"/>
+          </a:p>
+          <a:p>
+            <a:pPr indent="0" lvl="0" marL="0" rtl="0" algn="l">
+              <a:spcBef>
+                <a:spcPts val="1200"/>
+              </a:spcBef>
+              <a:spcAft>
+                <a:spcPts val="1200"/>
+              </a:spcAft>
+              <a:buNone/>
+            </a:pPr>
+            <a:r>
+              <a:rPr b="1" lang="en" sz="900"/>
+              <a:t>…</a:t>
+            </a:r>
+            <a:endParaRPr b="1" sz="900"/>
           </a:p>
         </p:txBody>
       </p:sp>
@@ -9423,12 +10852,12 @@
 </p:sld>
 </file>
 
-<file path=ppt/slides/slide14.xml><?xml version="1.0" encoding="utf-8"?>
+<file path=ppt/slides/slide5.xml><?xml version="1.0" encoding="utf-8"?>
 <p:sld xmlns:a="http://schemas.openxmlformats.org/drawingml/2006/main" xmlns:r="http://schemas.openxmlformats.org/officeDocument/2006/relationships" xmlns:mc="http://schemas.openxmlformats.org/markup-compatibility/2006" xmlns:mv="urn:schemas-microsoft-com:mac:vml" xmlns:p="http://schemas.openxmlformats.org/presentationml/2006/main" xmlns:c="http://schemas.openxmlformats.org/drawingml/2006/chart" xmlns:dgm="http://schemas.openxmlformats.org/drawingml/2006/diagram" xmlns:o="urn:schemas-microsoft-com:office:office" xmlns:v="urn:schemas-microsoft-com:vml" xmlns:pvml="urn:schemas-microsoft-com:office:powerpoint" xmlns:com="http://schemas.openxmlformats.org/drawingml/2006/compatibility" xmlns:p14="http://schemas.microsoft.com/office/powerpoint/2010/main" xmlns:p15="http://schemas.microsoft.com/office/powerpoint/2012/main" xmlns:ahyp="http://schemas.microsoft.com/office/drawing/2018/hyperlinkcolor">
   <p:cSld>
     <p:spTree>
       <p:nvGrpSpPr>
-        <p:cNvPr id="160" name="Shape 160"/>
+        <p:cNvPr id="91" name="Shape 91"/>
         <p:cNvGrpSpPr/>
         <p:nvPr/>
       </p:nvGrpSpPr>
@@ -9442,172 +10871,7 @@
       </p:grpSpPr>
       <p:sp>
         <p:nvSpPr>
-          <p:cNvPr id="161" name="Google Shape;161;p26"/>
-          <p:cNvSpPr txBox="1"/>
-          <p:nvPr>
-            <p:ph type="title"/>
-          </p:nvPr>
-        </p:nvSpPr>
-        <p:spPr>
-          <a:xfrm>
-            <a:off x="311700" y="445025"/>
-            <a:ext cx="8520600" cy="572700"/>
-          </a:xfrm>
-          <a:prstGeom prst="rect">
-            <a:avLst/>
-          </a:prstGeom>
-        </p:spPr>
-        <p:txBody>
-          <a:bodyPr anchorCtr="0" anchor="t" bIns="91425" lIns="91425" spcFirstLastPara="1" rIns="91425" wrap="square" tIns="91425">
-            <a:normAutofit fontScale="90000"/>
-          </a:bodyPr>
-          <a:lstStyle/>
-          <a:p>
-            <a:pPr indent="0" lvl="0" marL="0" rtl="0" algn="l">
-              <a:spcBef>
-                <a:spcPts val="0"/>
-              </a:spcBef>
-              <a:spcAft>
-                <a:spcPts val="0"/>
-              </a:spcAft>
-              <a:buNone/>
-            </a:pPr>
-            <a:r>
-              <a:rPr lang="en"/>
-              <a:t>Presentation Notes</a:t>
-            </a:r>
-            <a:endParaRPr/>
-          </a:p>
-        </p:txBody>
-      </p:sp>
-      <p:sp>
-        <p:nvSpPr>
-          <p:cNvPr id="162" name="Google Shape;162;p26"/>
-          <p:cNvSpPr txBox="1"/>
-          <p:nvPr>
-            <p:ph idx="1" type="body"/>
-          </p:nvPr>
-        </p:nvSpPr>
-        <p:spPr>
-          <a:xfrm>
-            <a:off x="311700" y="1152475"/>
-            <a:ext cx="8520600" cy="3416400"/>
-          </a:xfrm>
-          <a:prstGeom prst="rect">
-            <a:avLst/>
-          </a:prstGeom>
-        </p:spPr>
-        <p:txBody>
-          <a:bodyPr anchorCtr="0" anchor="t" bIns="91425" lIns="91425" spcFirstLastPara="1" rIns="91425" wrap="square" tIns="91425">
-            <a:normAutofit/>
-          </a:bodyPr>
-          <a:lstStyle/>
-          <a:p>
-            <a:pPr indent="-342900" lvl="0" marL="457200" rtl="0" algn="l">
-              <a:spcBef>
-                <a:spcPts val="0"/>
-              </a:spcBef>
-              <a:spcAft>
-                <a:spcPts val="0"/>
-              </a:spcAft>
-              <a:buSzPts val="1800"/>
-              <a:buChar char="●"/>
-            </a:pPr>
-            <a:r>
-              <a:rPr lang="en"/>
-              <a:t>Use AI-generated infographics to summarize the content of each data table per topic area (e.g., demographics, socioeconomics, health outcomes)</a:t>
-            </a:r>
-            <a:endParaRPr/>
-          </a:p>
-          <a:p>
-            <a:pPr indent="-342900" lvl="0" marL="457200" rtl="0" algn="l">
-              <a:spcBef>
-                <a:spcPts val="0"/>
-              </a:spcBef>
-              <a:spcAft>
-                <a:spcPts val="0"/>
-              </a:spcAft>
-              <a:buSzPts val="1800"/>
-              <a:buChar char="●"/>
-            </a:pPr>
-            <a:r>
-              <a:rPr lang="en"/>
-              <a:t>Ai-</a:t>
-            </a:r>
-            <a:r>
-              <a:rPr lang="en"/>
-              <a:t>generate three bullet pointed</a:t>
-            </a:r>
-            <a:r>
-              <a:rPr lang="en"/>
-              <a:t> “insights” using the data table as an input </a:t>
-            </a:r>
-            <a:endParaRPr/>
-          </a:p>
-          <a:p>
-            <a:pPr indent="-342900" lvl="0" marL="457200" rtl="0" algn="l">
-              <a:spcBef>
-                <a:spcPts val="0"/>
-              </a:spcBef>
-              <a:spcAft>
-                <a:spcPts val="0"/>
-              </a:spcAft>
-              <a:buSzPts val="1800"/>
-              <a:buChar char="●"/>
-            </a:pPr>
-            <a:r>
-              <a:rPr lang="en"/>
-              <a:t>Insights align with the infographics </a:t>
-            </a:r>
-            <a:endParaRPr/>
-          </a:p>
-          <a:p>
-            <a:pPr indent="-342900" lvl="0" marL="457200" rtl="0" algn="l">
-              <a:spcBef>
-                <a:spcPts val="0"/>
-              </a:spcBef>
-              <a:spcAft>
-                <a:spcPts val="0"/>
-              </a:spcAft>
-              <a:buSzPts val="1800"/>
-              <a:buChar char="●"/>
-            </a:pPr>
-            <a:r>
-              <a:rPr lang="en"/>
-              <a:t>Insights and infographics appear side-by-side on the website </a:t>
-            </a:r>
-            <a:endParaRPr/>
-          </a:p>
-        </p:txBody>
-      </p:sp>
-    </p:spTree>
-  </p:cSld>
-  <p:clrMapOvr>
-    <a:masterClrMapping/>
-  </p:clrMapOvr>
-</p:sld>
-</file>
-
-<file path=ppt/slides/slide2.xml><?xml version="1.0" encoding="utf-8"?>
-<p:sld xmlns:a="http://schemas.openxmlformats.org/drawingml/2006/main" xmlns:r="http://schemas.openxmlformats.org/officeDocument/2006/relationships" xmlns:mc="http://schemas.openxmlformats.org/markup-compatibility/2006" xmlns:mv="urn:schemas-microsoft-com:mac:vml" xmlns:p="http://schemas.openxmlformats.org/presentationml/2006/main" xmlns:c="http://schemas.openxmlformats.org/drawingml/2006/chart" xmlns:dgm="http://schemas.openxmlformats.org/drawingml/2006/diagram" xmlns:o="urn:schemas-microsoft-com:office:office" xmlns:v="urn:schemas-microsoft-com:vml" xmlns:pvml="urn:schemas-microsoft-com:office:powerpoint" xmlns:com="http://schemas.openxmlformats.org/drawingml/2006/compatibility" xmlns:p14="http://schemas.microsoft.com/office/powerpoint/2010/main" xmlns:p15="http://schemas.microsoft.com/office/powerpoint/2012/main" xmlns:ahyp="http://schemas.microsoft.com/office/drawing/2018/hyperlinkcolor">
-  <p:cSld>
-    <p:spTree>
-      <p:nvGrpSpPr>
-        <p:cNvPr id="68" name="Shape 68"/>
-        <p:cNvGrpSpPr/>
-        <p:nvPr/>
-      </p:nvGrpSpPr>
-      <p:grpSpPr>
-        <a:xfrm>
-          <a:off x="0" y="0"/>
-          <a:ext cx="0" cy="0"/>
-          <a:chOff x="0" y="0"/>
-          <a:chExt cx="0" cy="0"/>
-        </a:xfrm>
-      </p:grpSpPr>
-      <p:sp>
-        <p:nvSpPr>
-          <p:cNvPr id="69" name="Google Shape;69;p14"/>
+          <p:cNvPr id="92" name="Google Shape;92;p17"/>
           <p:cNvSpPr txBox="1"/>
           <p:nvPr>
             <p:ph idx="4294967295" type="body"/>
@@ -9740,26 +11004,6 @@
               <a:rPr lang="en" sz="900"/>
               <a:t>• Health Outcomes</a:t>
             </a:r>
-            <a:endParaRPr sz="900"/>
-          </a:p>
-          <a:p>
-            <a:pPr indent="0" lvl="0" marL="0" rtl="0" algn="l">
-              <a:spcBef>
-                <a:spcPts val="1200"/>
-              </a:spcBef>
-              <a:spcAft>
-                <a:spcPts val="0"/>
-              </a:spcAft>
-              <a:buNone/>
-            </a:pPr>
-            <a:r>
-              <a:rPr lang="en" sz="900">
-                <a:highlight>
-                  <a:srgbClr val="F4CCCC"/>
-                </a:highlight>
-              </a:rPr>
-              <a:t>• Hospitalization</a:t>
-            </a:r>
             <a:endParaRPr sz="900">
               <a:highlight>
                 <a:srgbClr val="F4CCCC"/>
@@ -9848,7 +11092,7 @@
       </p:sp>
       <p:sp>
         <p:nvSpPr>
-          <p:cNvPr id="70" name="Google Shape;70;p14"/>
+          <p:cNvPr id="93" name="Google Shape;93;p17"/>
           <p:cNvSpPr txBox="1"/>
           <p:nvPr/>
         </p:nvSpPr>
@@ -9965,14 +11209,14 @@
       </p:sp>
       <p:sp>
         <p:nvSpPr>
-          <p:cNvPr id="71" name="Google Shape;71;p14"/>
+          <p:cNvPr id="94" name="Google Shape;94;p17"/>
           <p:cNvSpPr txBox="1"/>
           <p:nvPr/>
         </p:nvSpPr>
         <p:spPr>
           <a:xfrm>
             <a:off x="1330500" y="4254125"/>
-            <a:ext cx="4526700" cy="703200"/>
+            <a:ext cx="7154400" cy="703200"/>
           </a:xfrm>
           <a:prstGeom prst="rect">
             <a:avLst/>
@@ -10057,13 +11301,13 @@
       </p:sp>
       <p:sp>
         <p:nvSpPr>
-          <p:cNvPr id="72" name="Google Shape;72;p14"/>
+          <p:cNvPr id="95" name="Google Shape;95;p17"/>
           <p:cNvSpPr txBox="1"/>
           <p:nvPr/>
         </p:nvSpPr>
         <p:spPr>
           <a:xfrm>
-            <a:off x="1330500" y="1912000"/>
+            <a:off x="5597700" y="1912000"/>
             <a:ext cx="2887200" cy="2297700"/>
           </a:xfrm>
           <a:prstGeom prst="rect">
@@ -10302,6 +11546,58 @@
           </a:p>
         </p:txBody>
       </p:sp>
+      <p:sp>
+        <p:nvSpPr>
+          <p:cNvPr id="96" name="Google Shape;96;p17"/>
+          <p:cNvSpPr txBox="1"/>
+          <p:nvPr/>
+        </p:nvSpPr>
+        <p:spPr>
+          <a:xfrm>
+            <a:off x="1330500" y="1912000"/>
+            <a:ext cx="4009800" cy="2297700"/>
+          </a:xfrm>
+          <a:prstGeom prst="rect">
+            <a:avLst/>
+          </a:prstGeom>
+          <a:solidFill>
+            <a:srgbClr val="CFE2F3"/>
+          </a:solidFill>
+          <a:ln>
+            <a:noFill/>
+          </a:ln>
+        </p:spPr>
+        <p:txBody>
+          <a:bodyPr anchorCtr="0" anchor="t" bIns="91425" lIns="91425" spcFirstLastPara="1" rIns="91425" wrap="square" tIns="91425">
+            <a:noAutofit/>
+          </a:bodyPr>
+          <a:lstStyle/>
+          <a:p>
+            <a:pPr indent="0" lvl="0" marL="0" rtl="0" algn="l">
+              <a:spcBef>
+                <a:spcPts val="0"/>
+              </a:spcBef>
+              <a:spcAft>
+                <a:spcPts val="0"/>
+              </a:spcAft>
+              <a:buNone/>
+            </a:pPr>
+            <a:r>
+              <a:rPr lang="en" sz="1200">
+                <a:solidFill>
+                  <a:schemeClr val="dk2"/>
+                </a:solidFill>
+              </a:rPr>
+              <a:t>3-5 insights interpreting the raw data found in the data table below</a:t>
+            </a:r>
+            <a:endParaRPr sz="1200">
+              <a:solidFill>
+                <a:schemeClr val="dk2"/>
+              </a:solidFill>
+            </a:endParaRPr>
+          </a:p>
+        </p:txBody>
+      </p:sp>
     </p:spTree>
   </p:cSld>
   <p:clrMapOvr>
@@ -10310,12 +11606,12 @@
 </p:sld>
 </file>
 
-<file path=ppt/slides/slide3.xml><?xml version="1.0" encoding="utf-8"?>
+<file path=ppt/slides/slide6.xml><?xml version="1.0" encoding="utf-8"?>
 <p:sld xmlns:a="http://schemas.openxmlformats.org/drawingml/2006/main" xmlns:r="http://schemas.openxmlformats.org/officeDocument/2006/relationships" xmlns:mc="http://schemas.openxmlformats.org/markup-compatibility/2006" xmlns:mv="urn:schemas-microsoft-com:mac:vml" xmlns:p="http://schemas.openxmlformats.org/presentationml/2006/main" xmlns:c="http://schemas.openxmlformats.org/drawingml/2006/chart" xmlns:dgm="http://schemas.openxmlformats.org/drawingml/2006/diagram" xmlns:o="urn:schemas-microsoft-com:office:office" xmlns:v="urn:schemas-microsoft-com:vml" xmlns:pvml="urn:schemas-microsoft-com:office:powerpoint" xmlns:com="http://schemas.openxmlformats.org/drawingml/2006/compatibility" xmlns:p14="http://schemas.microsoft.com/office/powerpoint/2010/main" xmlns:p15="http://schemas.microsoft.com/office/powerpoint/2012/main" xmlns:ahyp="http://schemas.microsoft.com/office/drawing/2018/hyperlinkcolor">
   <p:cSld>
     <p:spTree>
       <p:nvGrpSpPr>
-        <p:cNvPr id="76" name="Shape 76"/>
+        <p:cNvPr id="100" name="Shape 100"/>
         <p:cNvGrpSpPr/>
         <p:nvPr/>
       </p:nvGrpSpPr>
@@ -10329,7 +11625,7 @@
       </p:grpSpPr>
       <p:sp>
         <p:nvSpPr>
-          <p:cNvPr id="77" name="Google Shape;77;p15"/>
+          <p:cNvPr id="101" name="Google Shape;101;p18"/>
           <p:cNvSpPr txBox="1"/>
           <p:nvPr>
             <p:ph idx="4294967295" type="body"/>
@@ -10338,7 +11634,7 @@
         <p:spPr>
           <a:xfrm>
             <a:off x="0" y="0"/>
-            <a:ext cx="972600" cy="5143500"/>
+            <a:ext cx="1110600" cy="5143500"/>
           </a:xfrm>
           <a:prstGeom prst="rect">
             <a:avLst/>
@@ -10476,34 +11772,6 @@
             </a:pPr>
             <a:r>
               <a:rPr lang="en" sz="900"/>
-              <a:t>• </a:t>
-            </a:r>
-            <a:r>
-              <a:rPr lang="en" sz="900">
-                <a:highlight>
-                  <a:srgbClr val="F4CCCC"/>
-                </a:highlight>
-              </a:rPr>
-              <a:t>Hospitalization</a:t>
-            </a:r>
-            <a:endParaRPr sz="900">
-              <a:highlight>
-                <a:srgbClr val="F4CCCC"/>
-              </a:highlight>
-            </a:endParaRPr>
-          </a:p>
-          <a:p>
-            <a:pPr indent="0" lvl="0" marL="0" rtl="0" algn="l">
-              <a:spcBef>
-                <a:spcPts val="1200"/>
-              </a:spcBef>
-              <a:spcAft>
-                <a:spcPts val="0"/>
-              </a:spcAft>
-              <a:buNone/>
-            </a:pPr>
-            <a:r>
-              <a:rPr lang="en" sz="900"/>
               <a:t>• Health Care</a:t>
             </a:r>
             <a:endParaRPr sz="900"/>
@@ -10530,33 +11798,58 @@
                 <a:spcPts val="1200"/>
               </a:spcBef>
               <a:spcAft>
-                <a:spcPts val="1200"/>
-              </a:spcAft>
-              <a:buClr>
-                <a:schemeClr val="dk1"/>
-              </a:buClr>
-              <a:buSzPts val="1100"/>
-              <a:buFont typeface="Arial"/>
+                <a:spcPts val="0"/>
+              </a:spcAft>
               <a:buNone/>
             </a:pPr>
             <a:r>
               <a:rPr lang="en" sz="900"/>
               <a:t>• Physical Environment</a:t>
             </a:r>
-            <a:endParaRPr b="1" sz="900"/>
+            <a:endParaRPr sz="900"/>
+          </a:p>
+          <a:p>
+            <a:pPr indent="0" lvl="0" marL="0" rtl="0" algn="l">
+              <a:spcBef>
+                <a:spcPts val="1200"/>
+              </a:spcBef>
+              <a:spcAft>
+                <a:spcPts val="0"/>
+              </a:spcAft>
+              <a:buNone/>
+            </a:pPr>
+            <a:r>
+              <a:t/>
+            </a:r>
+            <a:endParaRPr sz="900"/>
+          </a:p>
+          <a:p>
+            <a:pPr indent="0" lvl="0" marL="0" rtl="0" algn="l">
+              <a:spcBef>
+                <a:spcPts val="1200"/>
+              </a:spcBef>
+              <a:spcAft>
+                <a:spcPts val="1200"/>
+              </a:spcAft>
+              <a:buNone/>
+            </a:pPr>
+            <a:r>
+              <a:t/>
+            </a:r>
+            <a:endParaRPr sz="900"/>
           </a:p>
         </p:txBody>
       </p:sp>
       <p:sp>
         <p:nvSpPr>
-          <p:cNvPr id="78" name="Google Shape;78;p15"/>
+          <p:cNvPr id="102" name="Google Shape;102;p18"/>
           <p:cNvSpPr txBox="1"/>
           <p:nvPr/>
         </p:nvSpPr>
         <p:spPr>
           <a:xfrm>
             <a:off x="1265600" y="333075"/>
-            <a:ext cx="7706400" cy="1776300"/>
+            <a:ext cx="7706400" cy="2409000"/>
           </a:xfrm>
           <a:prstGeom prst="rect">
             <a:avLst/>
@@ -10579,6 +11872,11 @@
               <a:spcAft>
                 <a:spcPts val="0"/>
               </a:spcAft>
+              <a:buClr>
+                <a:schemeClr val="dk1"/>
+              </a:buClr>
+              <a:buSzPts val="1100"/>
+              <a:buFont typeface="Arial"/>
               <a:buNone/>
             </a:pPr>
             <a:r>
@@ -10587,7 +11885,7 @@
                   <a:schemeClr val="dk1"/>
                 </a:solidFill>
               </a:rPr>
-              <a:t>Socioeconomics</a:t>
+              <a:t>Socioeconomics (Updated Example 1/12/2025)</a:t>
             </a:r>
             <a:endParaRPr b="1" sz="1800">
               <a:solidFill>
@@ -10603,6 +11901,11 @@
               <a:spcAft>
                 <a:spcPts val="0"/>
               </a:spcAft>
+              <a:buClr>
+                <a:schemeClr val="dk1"/>
+              </a:buClr>
+              <a:buSzPts val="1100"/>
+              <a:buFont typeface="Arial"/>
               <a:buNone/>
             </a:pPr>
             <a:r>
@@ -10622,33 +11925,91 @@
               <a:spcAft>
                 <a:spcPts val="0"/>
               </a:spcAft>
-              <a:buNone/>
-            </a:pPr>
-            <a:r>
-              <a:rPr lang="en" sz="1300">
+              <a:buClr>
+                <a:schemeClr val="dk1"/>
+              </a:buClr>
+              <a:buSzPts val="1100"/>
+              <a:buFont typeface="Arial"/>
+              <a:buNone/>
+            </a:pPr>
+            <a:r>
+              <a:rPr lang="en" sz="1100">
                 <a:solidFill>
                   <a:schemeClr val="dk1"/>
                 </a:solidFill>
               </a:rPr>
-              <a:t>Socioeconomic status refers to a person's economic and social position. Factors such as race or ethnicity, income, education, and occupation influence a person’s socioeconomic status and affect access to resources such as healthcare, housing, and food</a:t>
-            </a:r>
-            <a:r>
-              <a:rPr lang="en" sz="1300">
+              <a:t>Socioeconomic status refers to a person's economic and social position. Factors such as race or ethnicity, income, education, and occupation influence a person’s socioeconomic status and affect access to resources such as healthcare, housing, and food, which in turn influence their overall health and well-being.</a:t>
+            </a:r>
+            <a:endParaRPr sz="1100">
+              <a:solidFill>
+                <a:schemeClr val="dk1"/>
+              </a:solidFill>
+            </a:endParaRPr>
+          </a:p>
+          <a:p>
+            <a:pPr indent="0" lvl="0" marL="0" rtl="0" algn="l">
+              <a:spcBef>
+                <a:spcPts val="0"/>
+              </a:spcBef>
+              <a:spcAft>
+                <a:spcPts val="0"/>
+              </a:spcAft>
+              <a:buClr>
+                <a:schemeClr val="dk1"/>
+              </a:buClr>
+              <a:buSzPts val="1100"/>
+              <a:buFont typeface="Arial"/>
+              <a:buNone/>
+            </a:pPr>
+            <a:r>
+              <a:t/>
+            </a:r>
+            <a:endParaRPr sz="1100">
+              <a:solidFill>
+                <a:schemeClr val="dk1"/>
+              </a:solidFill>
+            </a:endParaRPr>
+          </a:p>
+          <a:p>
+            <a:pPr indent="0" lvl="0" marL="0" rtl="0" algn="l">
+              <a:spcBef>
+                <a:spcPts val="0"/>
+              </a:spcBef>
+              <a:spcAft>
+                <a:spcPts val="0"/>
+              </a:spcAft>
+              <a:buClr>
+                <a:schemeClr val="dk1"/>
+              </a:buClr>
+              <a:buSzPts val="1100"/>
+              <a:buFont typeface="Arial"/>
+              <a:buNone/>
+            </a:pPr>
+            <a:r>
+              <a:rPr lang="en" sz="1100">
                 <a:solidFill>
                   <a:schemeClr val="dk1"/>
                 </a:solidFill>
               </a:rPr>
-              <a:t>,</a:t>
-            </a:r>
-            <a:r>
-              <a:rPr lang="en" sz="1300">
+              <a:t>[</a:t>
+            </a:r>
+            <a:r>
+              <a:rPr i="1" lang="en" sz="1100">
                 <a:solidFill>
                   <a:schemeClr val="dk1"/>
                 </a:solidFill>
               </a:rPr>
-              <a:t> which in turn influence their overall health and well-being.</a:t>
-            </a:r>
-            <a:endParaRPr sz="1300">
+              <a:t>explanatory section</a:t>
+            </a:r>
+            <a:r>
+              <a:rPr lang="en" sz="1100">
+                <a:solidFill>
+                  <a:schemeClr val="dk1"/>
+                </a:solidFill>
+              </a:rPr>
+              <a:t>] ….</a:t>
+            </a:r>
+            <a:endParaRPr b="1" sz="1800">
               <a:solidFill>
                 <a:schemeClr val="dk1"/>
               </a:solidFill>
@@ -10658,14 +12019,14 @@
       </p:sp>
       <p:sp>
         <p:nvSpPr>
-          <p:cNvPr id="79" name="Google Shape;79;p15"/>
+          <p:cNvPr id="103" name="Google Shape;103;p18"/>
           <p:cNvSpPr txBox="1"/>
           <p:nvPr/>
         </p:nvSpPr>
         <p:spPr>
           <a:xfrm>
-            <a:off x="1330500" y="3757575"/>
-            <a:ext cx="4526700" cy="1199400"/>
+            <a:off x="1330500" y="4254125"/>
+            <a:ext cx="7154400" cy="703200"/>
           </a:xfrm>
           <a:prstGeom prst="rect">
             <a:avLst/>
@@ -10734,14 +12095,14 @@
       </p:sp>
       <p:sp>
         <p:nvSpPr>
-          <p:cNvPr id="80" name="Google Shape;80;p15"/>
+          <p:cNvPr id="104" name="Google Shape;104;p18"/>
           <p:cNvSpPr txBox="1"/>
           <p:nvPr/>
         </p:nvSpPr>
         <p:spPr>
           <a:xfrm>
-            <a:off x="1330500" y="1813675"/>
-            <a:ext cx="2887200" cy="1944000"/>
+            <a:off x="5597700" y="1912000"/>
+            <a:ext cx="2887200" cy="2297700"/>
           </a:xfrm>
           <a:prstGeom prst="rect">
             <a:avLst/>
@@ -10774,7 +12135,7 @@
                   <a:schemeClr val="dk1"/>
                 </a:solidFill>
               </a:rPr>
-              <a:t>Figures </a:t>
+              <a:t>Infographics</a:t>
             </a:r>
             <a:endParaRPr sz="1800">
               <a:solidFill>
@@ -10798,7 +12159,7 @@
                   <a:schemeClr val="dk1"/>
                 </a:solidFill>
               </a:rPr>
-              <a:t>(charts, graphs, illustrations etc.)</a:t>
+              <a:t>(charts, graphs,illustrations etc.)</a:t>
             </a:r>
             <a:endParaRPr sz="1800">
               <a:solidFill>
@@ -10833,11 +12194,6 @@
               <a:spcAft>
                 <a:spcPts val="0"/>
               </a:spcAft>
-              <a:buClr>
-                <a:schemeClr val="dk1"/>
-              </a:buClr>
-              <a:buSzPts val="1100"/>
-              <a:buFont typeface="Arial"/>
               <a:buNone/>
             </a:pPr>
             <a:r>
@@ -10874,7 +12230,7 @@
                   <a:schemeClr val="dk1"/>
                 </a:solidFill>
               </a:rPr>
-              <a:t>Per capita income bar graph distribution by race &amp; ethnicity</a:t>
+              <a:t>Age distribution bar graph</a:t>
             </a:r>
             <a:endParaRPr sz="1000">
               <a:solidFill>
@@ -10902,7 +12258,7 @@
                   <a:schemeClr val="dk1"/>
                 </a:solidFill>
               </a:rPr>
-              <a:t>Poverty rate bar graph distribution by race &amp; ethnicity</a:t>
+              <a:t>Race &amp; ethnicity composition pie chart</a:t>
             </a:r>
             <a:endParaRPr sz="1000">
               <a:solidFill>
@@ -10910,362 +12266,80 @@
               </a:solidFill>
             </a:endParaRPr>
           </a:p>
+          <a:p>
+            <a:pPr indent="-292100" lvl="0" marL="457200" rtl="0" algn="l">
+              <a:spcBef>
+                <a:spcPts val="0"/>
+              </a:spcBef>
+              <a:spcAft>
+                <a:spcPts val="0"/>
+              </a:spcAft>
+              <a:buClr>
+                <a:schemeClr val="dk1"/>
+              </a:buClr>
+              <a:buSzPts val="1000"/>
+              <a:buChar char="●"/>
+            </a:pPr>
+            <a:r>
+              <a:rPr lang="en" sz="1000">
+                <a:solidFill>
+                  <a:schemeClr val="dk1"/>
+                </a:solidFill>
+              </a:rPr>
+              <a:t>Man &amp; Woman symbols accompanied by % </a:t>
+            </a:r>
+            <a:endParaRPr sz="1000">
+              <a:solidFill>
+                <a:schemeClr val="dk1"/>
+              </a:solidFill>
+            </a:endParaRPr>
+          </a:p>
+          <a:p>
+            <a:pPr indent="-292100" lvl="1" marL="914400" rtl="0" algn="l">
+              <a:spcBef>
+                <a:spcPts val="0"/>
+              </a:spcBef>
+              <a:spcAft>
+                <a:spcPts val="0"/>
+              </a:spcAft>
+              <a:buClr>
+                <a:schemeClr val="dk1"/>
+              </a:buClr>
+              <a:buSzPts val="1000"/>
+              <a:buChar char="○"/>
+            </a:pPr>
+            <a:r>
+              <a:rPr lang="en" sz="1000">
+                <a:solidFill>
+                  <a:schemeClr val="dk1"/>
+                </a:solidFill>
+              </a:rPr>
+              <a:t>👨🏻 49% | 👩🏻 51%</a:t>
+            </a:r>
+            <a:endParaRPr sz="1000">
+              <a:solidFill>
+                <a:schemeClr val="dk1"/>
+              </a:solidFill>
+            </a:endParaRPr>
+          </a:p>
         </p:txBody>
       </p:sp>
-    </p:spTree>
-  </p:cSld>
-  <p:clrMapOvr>
-    <a:masterClrMapping/>
-  </p:clrMapOvr>
-</p:sld>
-</file>
-
-<file path=ppt/slides/slide4.xml><?xml version="1.0" encoding="utf-8"?>
-<p:sld xmlns:a="http://schemas.openxmlformats.org/drawingml/2006/main" xmlns:r="http://schemas.openxmlformats.org/officeDocument/2006/relationships" xmlns:mc="http://schemas.openxmlformats.org/markup-compatibility/2006" xmlns:mv="urn:schemas-microsoft-com:mac:vml" xmlns:p="http://schemas.openxmlformats.org/presentationml/2006/main" xmlns:c="http://schemas.openxmlformats.org/drawingml/2006/chart" xmlns:dgm="http://schemas.openxmlformats.org/drawingml/2006/diagram" xmlns:o="urn:schemas-microsoft-com:office:office" xmlns:v="urn:schemas-microsoft-com:vml" xmlns:pvml="urn:schemas-microsoft-com:office:powerpoint" xmlns:com="http://schemas.openxmlformats.org/drawingml/2006/compatibility" xmlns:p14="http://schemas.microsoft.com/office/powerpoint/2010/main" xmlns:p15="http://schemas.microsoft.com/office/powerpoint/2012/main" xmlns:ahyp="http://schemas.microsoft.com/office/drawing/2018/hyperlinkcolor">
-  <p:cSld>
-    <p:spTree>
-      <p:nvGrpSpPr>
-        <p:cNvPr id="84" name="Shape 84"/>
-        <p:cNvGrpSpPr/>
-        <p:nvPr/>
-      </p:nvGrpSpPr>
-      <p:grpSpPr>
-        <a:xfrm>
-          <a:off x="0" y="0"/>
-          <a:ext cx="0" cy="0"/>
-          <a:chOff x="0" y="0"/>
-          <a:chExt cx="0" cy="0"/>
-        </a:xfrm>
-      </p:grpSpPr>
       <p:sp>
         <p:nvSpPr>
-          <p:cNvPr id="85" name="Google Shape;85;p16"/>
+          <p:cNvPr id="105" name="Google Shape;105;p18"/>
           <p:cNvSpPr txBox="1"/>
-          <p:nvPr>
-            <p:ph idx="4294967295" type="body"/>
-          </p:nvPr>
+          <p:nvPr/>
         </p:nvSpPr>
         <p:spPr>
           <a:xfrm>
-            <a:off x="0" y="0"/>
-            <a:ext cx="972600" cy="5143500"/>
+            <a:off x="1330500" y="1912000"/>
+            <a:ext cx="4009800" cy="2297700"/>
           </a:xfrm>
           <a:prstGeom prst="rect">
             <a:avLst/>
           </a:prstGeom>
           <a:solidFill>
-            <a:schemeClr val="lt2"/>
-          </a:solidFill>
-        </p:spPr>
-        <p:txBody>
-          <a:bodyPr anchorCtr="0" anchor="t" bIns="91425" lIns="91425" spcFirstLastPara="1" rIns="91425" wrap="square" tIns="91425">
-            <a:normAutofit/>
-          </a:bodyPr>
-          <a:lstStyle/>
-          <a:p>
-            <a:pPr indent="0" lvl="0" marL="0" rtl="0" algn="l">
-              <a:spcBef>
-                <a:spcPts val="0"/>
-              </a:spcBef>
-              <a:spcAft>
-                <a:spcPts val="0"/>
-              </a:spcAft>
-              <a:buNone/>
-            </a:pPr>
-            <a:r>
-              <a:rPr b="1" lang="en" sz="900"/>
-              <a:t>Introduction</a:t>
-            </a:r>
-            <a:endParaRPr b="1" sz="900"/>
-          </a:p>
-          <a:p>
-            <a:pPr indent="0" lvl="0" marL="0" rtl="0" algn="l">
-              <a:spcBef>
-                <a:spcPts val="1200"/>
-              </a:spcBef>
-              <a:spcAft>
-                <a:spcPts val="0"/>
-              </a:spcAft>
-              <a:buNone/>
-            </a:pPr>
-            <a:r>
-              <a:rPr b="1" lang="en" sz="900"/>
-              <a:t>Methods</a:t>
-            </a:r>
-            <a:endParaRPr b="1" sz="900"/>
-          </a:p>
-          <a:p>
-            <a:pPr indent="0" lvl="0" marL="0" rtl="0" algn="l">
-              <a:spcBef>
-                <a:spcPts val="1200"/>
-              </a:spcBef>
-              <a:spcAft>
-                <a:spcPts val="0"/>
-              </a:spcAft>
-              <a:buNone/>
-            </a:pPr>
-            <a:r>
-              <a:rPr b="1" lang="en" sz="900"/>
-              <a:t>Communities</a:t>
-            </a:r>
-            <a:endParaRPr b="1" sz="900"/>
-          </a:p>
-          <a:p>
-            <a:pPr indent="0" lvl="0" marL="0" rtl="0" algn="l">
-              <a:spcBef>
-                <a:spcPts val="1200"/>
-              </a:spcBef>
-              <a:spcAft>
-                <a:spcPts val="0"/>
-              </a:spcAft>
-              <a:buNone/>
-            </a:pPr>
-            <a:r>
-              <a:rPr lang="en" sz="900"/>
-              <a:t>Community X</a:t>
-            </a:r>
-            <a:endParaRPr sz="900"/>
-          </a:p>
-          <a:p>
-            <a:pPr indent="0" lvl="0" marL="0" rtl="0" algn="l">
-              <a:spcBef>
-                <a:spcPts val="1200"/>
-              </a:spcBef>
-              <a:spcAft>
-                <a:spcPts val="0"/>
-              </a:spcAft>
-              <a:buNone/>
-            </a:pPr>
-            <a:r>
-              <a:rPr lang="en" sz="900"/>
-              <a:t>• Demographics</a:t>
-            </a:r>
-            <a:endParaRPr sz="900"/>
-          </a:p>
-          <a:p>
-            <a:pPr indent="0" lvl="0" marL="0" rtl="0" algn="l">
-              <a:spcBef>
-                <a:spcPts val="1200"/>
-              </a:spcBef>
-              <a:spcAft>
-                <a:spcPts val="0"/>
-              </a:spcAft>
-              <a:buNone/>
-            </a:pPr>
-            <a:r>
-              <a:rPr lang="en" sz="900"/>
-              <a:t>• Socioeconomics</a:t>
-            </a:r>
-            <a:endParaRPr sz="900"/>
-          </a:p>
-          <a:p>
-            <a:pPr indent="0" lvl="0" marL="0" rtl="0" algn="l">
-              <a:spcBef>
-                <a:spcPts val="1200"/>
-              </a:spcBef>
-              <a:spcAft>
-                <a:spcPts val="0"/>
-              </a:spcAft>
-              <a:buNone/>
-            </a:pPr>
-            <a:r>
-              <a:rPr lang="en" sz="900"/>
-              <a:t>• Health Outcomes</a:t>
-            </a:r>
-            <a:endParaRPr sz="900"/>
-          </a:p>
-          <a:p>
-            <a:pPr indent="0" lvl="0" marL="0" rtl="0" algn="l">
-              <a:spcBef>
-                <a:spcPts val="1200"/>
-              </a:spcBef>
-              <a:spcAft>
-                <a:spcPts val="0"/>
-              </a:spcAft>
-              <a:buNone/>
-            </a:pPr>
-            <a:r>
-              <a:rPr lang="en" sz="900"/>
-              <a:t>• </a:t>
-            </a:r>
-            <a:r>
-              <a:rPr lang="en" sz="900">
-                <a:highlight>
-                  <a:srgbClr val="F4CCCC"/>
-                </a:highlight>
-              </a:rPr>
-              <a:t>Hospitalization</a:t>
-            </a:r>
-            <a:endParaRPr sz="900">
-              <a:highlight>
-                <a:srgbClr val="F4CCCC"/>
-              </a:highlight>
-            </a:endParaRPr>
-          </a:p>
-          <a:p>
-            <a:pPr indent="0" lvl="0" marL="0" rtl="0" algn="l">
-              <a:spcBef>
-                <a:spcPts val="1200"/>
-              </a:spcBef>
-              <a:spcAft>
-                <a:spcPts val="0"/>
-              </a:spcAft>
-              <a:buNone/>
-            </a:pPr>
-            <a:r>
-              <a:rPr lang="en" sz="900"/>
-              <a:t>• Health Care</a:t>
-            </a:r>
-            <a:endParaRPr sz="900"/>
-          </a:p>
-          <a:p>
-            <a:pPr indent="0" lvl="0" marL="0" rtl="0" algn="l">
-              <a:spcBef>
-                <a:spcPts val="1200"/>
-              </a:spcBef>
-              <a:spcAft>
-                <a:spcPts val="0"/>
-              </a:spcAft>
-              <a:buNone/>
-            </a:pPr>
-            <a:r>
-              <a:rPr lang="en" sz="900"/>
-              <a:t>• Health Behaviors</a:t>
-            </a:r>
-            <a:endParaRPr sz="900"/>
-          </a:p>
-          <a:p>
-            <a:pPr indent="0" lvl="0" marL="0" rtl="0" algn="l">
-              <a:spcBef>
-                <a:spcPts val="1200"/>
-              </a:spcBef>
-              <a:spcAft>
-                <a:spcPts val="1200"/>
-              </a:spcAft>
-              <a:buClr>
-                <a:schemeClr val="dk1"/>
-              </a:buClr>
-              <a:buSzPts val="1100"/>
-              <a:buFont typeface="Arial"/>
-              <a:buNone/>
-            </a:pPr>
-            <a:r>
-              <a:rPr lang="en" sz="900"/>
-              <a:t>• Physical Environment</a:t>
-            </a:r>
-            <a:endParaRPr b="1" sz="900"/>
-          </a:p>
-        </p:txBody>
-      </p:sp>
-      <p:sp>
-        <p:nvSpPr>
-          <p:cNvPr id="86" name="Google Shape;86;p16"/>
-          <p:cNvSpPr txBox="1"/>
-          <p:nvPr/>
-        </p:nvSpPr>
-        <p:spPr>
-          <a:xfrm>
-            <a:off x="1265600" y="333075"/>
-            <a:ext cx="7706400" cy="1776300"/>
-          </a:xfrm>
-          <a:prstGeom prst="rect">
-            <a:avLst/>
-          </a:prstGeom>
-          <a:noFill/>
-          <a:ln>
-            <a:noFill/>
-          </a:ln>
-        </p:spPr>
-        <p:txBody>
-          <a:bodyPr anchorCtr="0" anchor="t" bIns="91425" lIns="91425" spcFirstLastPara="1" rIns="91425" wrap="square" tIns="91425">
-            <a:noAutofit/>
-          </a:bodyPr>
-          <a:lstStyle/>
-          <a:p>
-            <a:pPr indent="0" lvl="0" marL="0" rtl="0" algn="l">
-              <a:spcBef>
-                <a:spcPts val="0"/>
-              </a:spcBef>
-              <a:spcAft>
-                <a:spcPts val="0"/>
-              </a:spcAft>
-              <a:buNone/>
-            </a:pPr>
-            <a:r>
-              <a:rPr b="1" lang="en" sz="1800">
-                <a:solidFill>
-                  <a:schemeClr val="dk1"/>
-                </a:solidFill>
-              </a:rPr>
-              <a:t>Socioeconomics (Updated Example 1/12/2025)</a:t>
-            </a:r>
-            <a:endParaRPr b="1" sz="1800">
-              <a:solidFill>
-                <a:schemeClr val="dk1"/>
-              </a:solidFill>
-            </a:endParaRPr>
-          </a:p>
-          <a:p>
-            <a:pPr indent="0" lvl="0" marL="0" rtl="0" algn="l">
-              <a:spcBef>
-                <a:spcPts val="0"/>
-              </a:spcBef>
-              <a:spcAft>
-                <a:spcPts val="0"/>
-              </a:spcAft>
-              <a:buNone/>
-            </a:pPr>
-            <a:r>
-              <a:t/>
-            </a:r>
-            <a:endParaRPr sz="1300">
-              <a:solidFill>
-                <a:schemeClr val="dk1"/>
-              </a:solidFill>
-            </a:endParaRPr>
-          </a:p>
-          <a:p>
-            <a:pPr indent="0" lvl="0" marL="0" rtl="0" algn="l">
-              <a:spcBef>
-                <a:spcPts val="0"/>
-              </a:spcBef>
-              <a:spcAft>
-                <a:spcPts val="0"/>
-              </a:spcAft>
-              <a:buNone/>
-            </a:pPr>
-            <a:r>
-              <a:rPr lang="en" sz="1300">
-                <a:solidFill>
-                  <a:schemeClr val="dk1"/>
-                </a:solidFill>
-              </a:rPr>
-              <a:t>Socioeconomic status refers to a person's economic and social position. Factors such as race or ethnicity, income, education, and occupation influence a person’s socioeconomic status and affect access to resources such as healthcare, housing, and food, which in turn influence their overall health and well-being.</a:t>
-            </a:r>
-            <a:endParaRPr sz="1300">
-              <a:solidFill>
-                <a:schemeClr val="dk1"/>
-              </a:solidFill>
-            </a:endParaRPr>
-          </a:p>
-        </p:txBody>
-      </p:sp>
-      <p:sp>
-        <p:nvSpPr>
-          <p:cNvPr id="87" name="Google Shape;87;p16"/>
-          <p:cNvSpPr txBox="1"/>
-          <p:nvPr/>
-        </p:nvSpPr>
-        <p:spPr>
-          <a:xfrm>
-            <a:off x="1392550" y="4471650"/>
-            <a:ext cx="4526700" cy="672000"/>
-          </a:xfrm>
-          <a:prstGeom prst="rect">
-            <a:avLst/>
-          </a:prstGeom>
-          <a:solidFill>
-            <a:schemeClr val="lt2"/>
+            <a:srgbClr val="CFE2F3"/>
           </a:solidFill>
           <a:ln>
             <a:noFill/>
@@ -11277,1274 +12351,26 @@
           </a:bodyPr>
           <a:lstStyle/>
           <a:p>
-            <a:pPr indent="0" lvl="0" marL="0" rtl="0" algn="ctr">
-              <a:spcBef>
-                <a:spcPts val="0"/>
-              </a:spcBef>
-              <a:spcAft>
-                <a:spcPts val="0"/>
-              </a:spcAft>
-              <a:buNone/>
-            </a:pPr>
-            <a:r>
-              <a:rPr lang="en" sz="1800">
-                <a:solidFill>
-                  <a:schemeClr val="dk1"/>
+            <a:pPr indent="0" lvl="0" marL="0" rtl="0" algn="l">
+              <a:spcBef>
+                <a:spcPts val="0"/>
+              </a:spcBef>
+              <a:spcAft>
+                <a:spcPts val="0"/>
+              </a:spcAft>
+              <a:buNone/>
+            </a:pPr>
+            <a:r>
+              <a:rPr lang="en" sz="1200">
+                <a:solidFill>
+                  <a:schemeClr val="dk2"/>
                 </a:solidFill>
               </a:rPr>
-              <a:t>Table of selected characteristics </a:t>
-            </a:r>
-            <a:endParaRPr sz="1800">
-              <a:solidFill>
-                <a:schemeClr val="dk1"/>
-              </a:solidFill>
-            </a:endParaRPr>
-          </a:p>
-          <a:p>
-            <a:pPr indent="0" lvl="0" marL="0" rtl="0" algn="ctr">
-              <a:spcBef>
-                <a:spcPts val="0"/>
-              </a:spcBef>
-              <a:spcAft>
-                <a:spcPts val="0"/>
-              </a:spcAft>
-              <a:buNone/>
-            </a:pPr>
-            <a:r>
-              <a:rPr i="1" lang="en" sz="1800">
-                <a:solidFill>
-                  <a:schemeClr val="dk1"/>
-                </a:solidFill>
-              </a:rPr>
-              <a:t>(see spreadsheet)</a:t>
-            </a:r>
-            <a:endParaRPr i="1" sz="1800">
-              <a:solidFill>
-                <a:schemeClr val="dk1"/>
-              </a:solidFill>
-            </a:endParaRPr>
-          </a:p>
-        </p:txBody>
-      </p:sp>
-      <p:pic>
-        <p:nvPicPr>
-          <p:cNvPr id="88" name="Google Shape;88;p16"/>
-          <p:cNvPicPr preferRelativeResize="0"/>
-          <p:nvPr/>
-        </p:nvPicPr>
-        <p:blipFill>
-          <a:blip r:embed="rId3">
-            <a:alphaModFix/>
-          </a:blip>
-          <a:stretch>
-            <a:fillRect/>
-          </a:stretch>
-        </p:blipFill>
-        <p:spPr>
-          <a:xfrm>
-            <a:off x="6195875" y="2303519"/>
-            <a:ext cx="2742350" cy="1322050"/>
-          </a:xfrm>
-          <a:prstGeom prst="rect">
-            <a:avLst/>
-          </a:prstGeom>
-          <a:noFill/>
-          <a:ln>
-            <a:noFill/>
-          </a:ln>
-        </p:spPr>
-      </p:pic>
-      <p:sp>
-        <p:nvSpPr>
-          <p:cNvPr id="89" name="Google Shape;89;p16"/>
-          <p:cNvSpPr txBox="1"/>
-          <p:nvPr/>
-        </p:nvSpPr>
-        <p:spPr>
-          <a:xfrm>
-            <a:off x="1320900" y="1747625"/>
-            <a:ext cx="4526700" cy="2724000"/>
-          </a:xfrm>
-          <a:prstGeom prst="rect">
-            <a:avLst/>
-          </a:prstGeom>
-          <a:noFill/>
-          <a:ln>
-            <a:noFill/>
-          </a:ln>
-        </p:spPr>
-        <p:txBody>
-          <a:bodyPr anchorCtr="0" anchor="t" bIns="91425" lIns="91425" spcFirstLastPara="1" rIns="91425" wrap="square" tIns="91425">
-            <a:noAutofit/>
-          </a:bodyPr>
-          <a:lstStyle/>
-          <a:p>
-            <a:pPr indent="-292100" lvl="0" marL="457200" rtl="0" algn="l">
-              <a:spcBef>
-                <a:spcPts val="0"/>
-              </a:spcBef>
-              <a:spcAft>
-                <a:spcPts val="0"/>
-              </a:spcAft>
-              <a:buClr>
-                <a:schemeClr val="dk2"/>
-              </a:buClr>
-              <a:buSzPts val="1000"/>
-              <a:buChar char="●"/>
-            </a:pPr>
-            <a:r>
-              <a:rPr lang="en" sz="1000">
-                <a:solidFill>
-                  <a:schemeClr val="dk2"/>
-                </a:solidFill>
-              </a:rPr>
-              <a:t>Community X has a high cost of living. 45% of households spend 30% or more of their income on housing.This suggests that many residents may struggle to afford basic necessities like housing.</a:t>
-            </a:r>
-            <a:endParaRPr sz="1000">
+              <a:t>3-5 insights interpreting the raw data found in the data table below</a:t>
+            </a:r>
+            <a:endParaRPr sz="1200">
               <a:solidFill>
                 <a:schemeClr val="dk2"/>
-              </a:solidFill>
-            </a:endParaRPr>
-          </a:p>
-          <a:p>
-            <a:pPr indent="0" lvl="0" marL="0" rtl="0" algn="l">
-              <a:spcBef>
-                <a:spcPts val="0"/>
-              </a:spcBef>
-              <a:spcAft>
-                <a:spcPts val="0"/>
-              </a:spcAft>
-              <a:buNone/>
-            </a:pPr>
-            <a:r>
-              <a:t/>
-            </a:r>
-            <a:endParaRPr sz="1000">
-              <a:solidFill>
-                <a:schemeClr val="dk2"/>
-              </a:solidFill>
-            </a:endParaRPr>
-          </a:p>
-          <a:p>
-            <a:pPr indent="-292100" lvl="0" marL="457200" rtl="0" algn="l">
-              <a:spcBef>
-                <a:spcPts val="0"/>
-              </a:spcBef>
-              <a:spcAft>
-                <a:spcPts val="0"/>
-              </a:spcAft>
-              <a:buClr>
-                <a:schemeClr val="dk2"/>
-              </a:buClr>
-              <a:buSzPts val="1000"/>
-              <a:buChar char="●"/>
-            </a:pPr>
-            <a:r>
-              <a:rPr lang="en" sz="1000">
-                <a:solidFill>
-                  <a:schemeClr val="dk2"/>
-                </a:solidFill>
-              </a:rPr>
-              <a:t>A significant portion of Community X's population is experiencing poverty and food insecurity. 2 in 5 children are living in poverty, and more than half (52%) of households are at risk for food insecurity. 33% of households rely on food stamps to meet their nutritional needs. This indicates a widespread challenge in accessing adequate food and resources.</a:t>
-            </a:r>
-            <a:endParaRPr sz="1000">
-              <a:solidFill>
-                <a:schemeClr val="dk2"/>
-              </a:solidFill>
-            </a:endParaRPr>
-          </a:p>
-          <a:p>
-            <a:pPr indent="0" lvl="0" marL="0" rtl="0" algn="l">
-              <a:spcBef>
-                <a:spcPts val="0"/>
-              </a:spcBef>
-              <a:spcAft>
-                <a:spcPts val="0"/>
-              </a:spcAft>
-              <a:buNone/>
-            </a:pPr>
-            <a:r>
-              <a:t/>
-            </a:r>
-            <a:endParaRPr sz="1000">
-              <a:solidFill>
-                <a:schemeClr val="dk2"/>
-              </a:solidFill>
-            </a:endParaRPr>
-          </a:p>
-          <a:p>
-            <a:pPr indent="-292100" lvl="0" marL="457200" rtl="0" algn="l">
-              <a:spcBef>
-                <a:spcPts val="0"/>
-              </a:spcBef>
-              <a:spcAft>
-                <a:spcPts val="0"/>
-              </a:spcAft>
-              <a:buClr>
-                <a:schemeClr val="dk2"/>
-              </a:buClr>
-              <a:buSzPts val="1000"/>
-              <a:buChar char="●"/>
-            </a:pPr>
-            <a:r>
-              <a:rPr lang="en" sz="1000">
-                <a:solidFill>
-                  <a:schemeClr val="dk2"/>
-                </a:solidFill>
-              </a:rPr>
-              <a:t>These statistics demonstrate a significant need for social support and intervention within Community X. The high rates of housing cost burden, child poverty, and food insecurity highlight the socioeconomic challenges faced by a large segment of the population. This data can be used to advocate for policies and programs that address poverty, food access, and affordable housing.</a:t>
-            </a:r>
-            <a:endParaRPr sz="1000">
-              <a:solidFill>
-                <a:schemeClr val="dk2"/>
-              </a:solidFill>
-            </a:endParaRPr>
-          </a:p>
-        </p:txBody>
-      </p:sp>
-    </p:spTree>
-  </p:cSld>
-  <p:clrMapOvr>
-    <a:masterClrMapping/>
-  </p:clrMapOvr>
-</p:sld>
-</file>
-
-<file path=ppt/slides/slide5.xml><?xml version="1.0" encoding="utf-8"?>
-<p:sld xmlns:a="http://schemas.openxmlformats.org/drawingml/2006/main" xmlns:r="http://schemas.openxmlformats.org/officeDocument/2006/relationships" xmlns:mc="http://schemas.openxmlformats.org/markup-compatibility/2006" xmlns:mv="urn:schemas-microsoft-com:mac:vml" xmlns:p="http://schemas.openxmlformats.org/presentationml/2006/main" xmlns:c="http://schemas.openxmlformats.org/drawingml/2006/chart" xmlns:dgm="http://schemas.openxmlformats.org/drawingml/2006/diagram" xmlns:o="urn:schemas-microsoft-com:office:office" xmlns:v="urn:schemas-microsoft-com:vml" xmlns:pvml="urn:schemas-microsoft-com:office:powerpoint" xmlns:com="http://schemas.openxmlformats.org/drawingml/2006/compatibility" xmlns:p14="http://schemas.microsoft.com/office/powerpoint/2010/main" xmlns:p15="http://schemas.microsoft.com/office/powerpoint/2012/main" xmlns:ahyp="http://schemas.microsoft.com/office/drawing/2018/hyperlinkcolor">
-  <p:cSld>
-    <p:spTree>
-      <p:nvGrpSpPr>
-        <p:cNvPr id="93" name="Shape 93"/>
-        <p:cNvGrpSpPr/>
-        <p:nvPr/>
-      </p:nvGrpSpPr>
-      <p:grpSpPr>
-        <a:xfrm>
-          <a:off x="0" y="0"/>
-          <a:ext cx="0" cy="0"/>
-          <a:chOff x="0" y="0"/>
-          <a:chExt cx="0" cy="0"/>
-        </a:xfrm>
-      </p:grpSpPr>
-      <p:sp>
-        <p:nvSpPr>
-          <p:cNvPr id="94" name="Google Shape;94;p17"/>
-          <p:cNvSpPr txBox="1"/>
-          <p:nvPr>
-            <p:ph idx="4294967295" type="body"/>
-          </p:nvPr>
-        </p:nvSpPr>
-        <p:spPr>
-          <a:xfrm>
-            <a:off x="0" y="0"/>
-            <a:ext cx="972600" cy="5143500"/>
-          </a:xfrm>
-          <a:prstGeom prst="rect">
-            <a:avLst/>
-          </a:prstGeom>
-          <a:solidFill>
-            <a:schemeClr val="lt2"/>
-          </a:solidFill>
-        </p:spPr>
-        <p:txBody>
-          <a:bodyPr anchorCtr="0" anchor="t" bIns="91425" lIns="91425" spcFirstLastPara="1" rIns="91425" wrap="square" tIns="91425">
-            <a:normAutofit/>
-          </a:bodyPr>
-          <a:lstStyle/>
-          <a:p>
-            <a:pPr indent="0" lvl="0" marL="0" rtl="0" algn="l">
-              <a:spcBef>
-                <a:spcPts val="0"/>
-              </a:spcBef>
-              <a:spcAft>
-                <a:spcPts val="0"/>
-              </a:spcAft>
-              <a:buNone/>
-            </a:pPr>
-            <a:r>
-              <a:rPr b="1" lang="en" sz="900"/>
-              <a:t>Introduction</a:t>
-            </a:r>
-            <a:endParaRPr b="1" sz="900"/>
-          </a:p>
-          <a:p>
-            <a:pPr indent="0" lvl="0" marL="0" rtl="0" algn="l">
-              <a:spcBef>
-                <a:spcPts val="1200"/>
-              </a:spcBef>
-              <a:spcAft>
-                <a:spcPts val="0"/>
-              </a:spcAft>
-              <a:buNone/>
-            </a:pPr>
-            <a:r>
-              <a:rPr b="1" lang="en" sz="900"/>
-              <a:t>Methods</a:t>
-            </a:r>
-            <a:endParaRPr b="1" sz="900"/>
-          </a:p>
-          <a:p>
-            <a:pPr indent="0" lvl="0" marL="0" rtl="0" algn="l">
-              <a:spcBef>
-                <a:spcPts val="1200"/>
-              </a:spcBef>
-              <a:spcAft>
-                <a:spcPts val="0"/>
-              </a:spcAft>
-              <a:buNone/>
-            </a:pPr>
-            <a:r>
-              <a:rPr b="1" lang="en" sz="900"/>
-              <a:t>Communities</a:t>
-            </a:r>
-            <a:endParaRPr b="1" sz="900"/>
-          </a:p>
-          <a:p>
-            <a:pPr indent="0" lvl="0" marL="0" rtl="0" algn="l">
-              <a:spcBef>
-                <a:spcPts val="1200"/>
-              </a:spcBef>
-              <a:spcAft>
-                <a:spcPts val="0"/>
-              </a:spcAft>
-              <a:buNone/>
-            </a:pPr>
-            <a:r>
-              <a:rPr lang="en" sz="900" u="sng"/>
-              <a:t>Community X</a:t>
-            </a:r>
-            <a:endParaRPr sz="900" u="sng"/>
-          </a:p>
-          <a:p>
-            <a:pPr indent="0" lvl="0" marL="0" rtl="0" algn="l">
-              <a:spcBef>
-                <a:spcPts val="1200"/>
-              </a:spcBef>
-              <a:spcAft>
-                <a:spcPts val="0"/>
-              </a:spcAft>
-              <a:buNone/>
-            </a:pPr>
-            <a:r>
-              <a:rPr lang="en" sz="900"/>
-              <a:t>•Demographics</a:t>
-            </a:r>
-            <a:endParaRPr sz="900"/>
-          </a:p>
-          <a:p>
-            <a:pPr indent="0" lvl="0" marL="0" rtl="0" algn="l">
-              <a:spcBef>
-                <a:spcPts val="1200"/>
-              </a:spcBef>
-              <a:spcAft>
-                <a:spcPts val="0"/>
-              </a:spcAft>
-              <a:buNone/>
-            </a:pPr>
-            <a:r>
-              <a:rPr lang="en" sz="900"/>
-              <a:t>•Socioeconomics</a:t>
-            </a:r>
-            <a:endParaRPr sz="900"/>
-          </a:p>
-          <a:p>
-            <a:pPr indent="0" lvl="0" marL="0" rtl="0" algn="l">
-              <a:spcBef>
-                <a:spcPts val="1200"/>
-              </a:spcBef>
-              <a:spcAft>
-                <a:spcPts val="0"/>
-              </a:spcAft>
-              <a:buNone/>
-            </a:pPr>
-            <a:r>
-              <a:rPr lang="en" sz="900"/>
-              <a:t>• Health Outcomes</a:t>
-            </a:r>
-            <a:endParaRPr sz="900"/>
-          </a:p>
-          <a:p>
-            <a:pPr indent="0" lvl="0" marL="0" rtl="0" algn="l">
-              <a:spcBef>
-                <a:spcPts val="1200"/>
-              </a:spcBef>
-              <a:spcAft>
-                <a:spcPts val="0"/>
-              </a:spcAft>
-              <a:buNone/>
-            </a:pPr>
-            <a:r>
-              <a:rPr lang="en" sz="900"/>
-              <a:t>•</a:t>
-            </a:r>
-            <a:r>
-              <a:rPr lang="en" sz="900">
-                <a:highlight>
-                  <a:srgbClr val="F4CCCC"/>
-                </a:highlight>
-              </a:rPr>
-              <a:t>Hospitalization</a:t>
-            </a:r>
-            <a:endParaRPr sz="900">
-              <a:highlight>
-                <a:srgbClr val="F4CCCC"/>
-              </a:highlight>
-            </a:endParaRPr>
-          </a:p>
-          <a:p>
-            <a:pPr indent="0" lvl="0" marL="0" rtl="0" algn="l">
-              <a:spcBef>
-                <a:spcPts val="1200"/>
-              </a:spcBef>
-              <a:spcAft>
-                <a:spcPts val="0"/>
-              </a:spcAft>
-              <a:buNone/>
-            </a:pPr>
-            <a:r>
-              <a:rPr lang="en" sz="900"/>
-              <a:t>• Health Care</a:t>
-            </a:r>
-            <a:endParaRPr sz="900"/>
-          </a:p>
-          <a:p>
-            <a:pPr indent="0" lvl="0" marL="0" rtl="0" algn="l">
-              <a:spcBef>
-                <a:spcPts val="1200"/>
-              </a:spcBef>
-              <a:spcAft>
-                <a:spcPts val="0"/>
-              </a:spcAft>
-              <a:buNone/>
-            </a:pPr>
-            <a:r>
-              <a:rPr lang="en" sz="900"/>
-              <a:t>• Health Behaviors</a:t>
-            </a:r>
-            <a:endParaRPr sz="900"/>
-          </a:p>
-          <a:p>
-            <a:pPr indent="0" lvl="0" marL="0" rtl="0" algn="l">
-              <a:spcBef>
-                <a:spcPts val="1200"/>
-              </a:spcBef>
-              <a:spcAft>
-                <a:spcPts val="1200"/>
-              </a:spcAft>
-              <a:buClr>
-                <a:schemeClr val="dk1"/>
-              </a:buClr>
-              <a:buSzPts val="1100"/>
-              <a:buFont typeface="Arial"/>
-              <a:buNone/>
-            </a:pPr>
-            <a:r>
-              <a:rPr lang="en" sz="900"/>
-              <a:t>• Physical Environment</a:t>
-            </a:r>
-            <a:endParaRPr b="1" sz="900"/>
-          </a:p>
-        </p:txBody>
-      </p:sp>
-      <p:sp>
-        <p:nvSpPr>
-          <p:cNvPr id="95" name="Google Shape;95;p17"/>
-          <p:cNvSpPr txBox="1"/>
-          <p:nvPr/>
-        </p:nvSpPr>
-        <p:spPr>
-          <a:xfrm>
-            <a:off x="1265600" y="333075"/>
-            <a:ext cx="7706400" cy="1776300"/>
-          </a:xfrm>
-          <a:prstGeom prst="rect">
-            <a:avLst/>
-          </a:prstGeom>
-          <a:noFill/>
-          <a:ln>
-            <a:noFill/>
-          </a:ln>
-        </p:spPr>
-        <p:txBody>
-          <a:bodyPr anchorCtr="0" anchor="t" bIns="91425" lIns="91425" spcFirstLastPara="1" rIns="91425" wrap="square" tIns="91425">
-            <a:noAutofit/>
-          </a:bodyPr>
-          <a:lstStyle/>
-          <a:p>
-            <a:pPr indent="0" lvl="0" marL="0" rtl="0" algn="l">
-              <a:spcBef>
-                <a:spcPts val="0"/>
-              </a:spcBef>
-              <a:spcAft>
-                <a:spcPts val="0"/>
-              </a:spcAft>
-              <a:buNone/>
-            </a:pPr>
-            <a:r>
-              <a:rPr b="1" lang="en" sz="1800">
-                <a:solidFill>
-                  <a:schemeClr val="dk1"/>
-                </a:solidFill>
-              </a:rPr>
-              <a:t>Health Outcomes</a:t>
-            </a:r>
-            <a:endParaRPr b="1" sz="1800">
-              <a:solidFill>
-                <a:schemeClr val="dk1"/>
-              </a:solidFill>
-            </a:endParaRPr>
-          </a:p>
-          <a:p>
-            <a:pPr indent="0" lvl="0" marL="0" rtl="0" algn="l">
-              <a:spcBef>
-                <a:spcPts val="0"/>
-              </a:spcBef>
-              <a:spcAft>
-                <a:spcPts val="0"/>
-              </a:spcAft>
-              <a:buNone/>
-            </a:pPr>
-            <a:r>
-              <a:t/>
-            </a:r>
-            <a:endParaRPr b="1" sz="1300">
-              <a:solidFill>
-                <a:schemeClr val="dk1"/>
-              </a:solidFill>
-            </a:endParaRPr>
-          </a:p>
-          <a:p>
-            <a:pPr indent="0" lvl="0" marL="0" rtl="0" algn="l">
-              <a:spcBef>
-                <a:spcPts val="0"/>
-              </a:spcBef>
-              <a:spcAft>
-                <a:spcPts val="0"/>
-              </a:spcAft>
-              <a:buNone/>
-            </a:pPr>
-            <a:r>
-              <a:rPr lang="en" sz="1300">
-                <a:solidFill>
-                  <a:schemeClr val="dk1"/>
-                </a:solidFill>
-              </a:rPr>
-              <a:t>Health outcomes are the ways we measure the health and well-being of a community. They are influenced by factors like social conditions, access to medical care, and the health choices people make.</a:t>
-            </a:r>
-            <a:endParaRPr sz="1300">
-              <a:solidFill>
-                <a:schemeClr val="dk1"/>
-              </a:solidFill>
-            </a:endParaRPr>
-          </a:p>
-          <a:p>
-            <a:pPr indent="0" lvl="0" marL="0" rtl="0" algn="l">
-              <a:spcBef>
-                <a:spcPts val="0"/>
-              </a:spcBef>
-              <a:spcAft>
-                <a:spcPts val="0"/>
-              </a:spcAft>
-              <a:buNone/>
-            </a:pPr>
-            <a:r>
-              <a:t/>
-            </a:r>
-            <a:endParaRPr sz="1200">
-              <a:solidFill>
-                <a:schemeClr val="dk1"/>
-              </a:solidFill>
-            </a:endParaRPr>
-          </a:p>
-          <a:p>
-            <a:pPr indent="0" lvl="0" marL="0" rtl="0" algn="l">
-              <a:spcBef>
-                <a:spcPts val="0"/>
-              </a:spcBef>
-              <a:spcAft>
-                <a:spcPts val="0"/>
-              </a:spcAft>
-              <a:buNone/>
-            </a:pPr>
-            <a:r>
-              <a:t/>
-            </a:r>
-            <a:endParaRPr sz="1300">
-              <a:solidFill>
-                <a:schemeClr val="dk1"/>
-              </a:solidFill>
-            </a:endParaRPr>
-          </a:p>
-        </p:txBody>
-      </p:sp>
-      <p:sp>
-        <p:nvSpPr>
-          <p:cNvPr id="96" name="Google Shape;96;p17"/>
-          <p:cNvSpPr txBox="1"/>
-          <p:nvPr/>
-        </p:nvSpPr>
-        <p:spPr>
-          <a:xfrm>
-            <a:off x="1330500" y="3468525"/>
-            <a:ext cx="4526700" cy="1488600"/>
-          </a:xfrm>
-          <a:prstGeom prst="rect">
-            <a:avLst/>
-          </a:prstGeom>
-          <a:solidFill>
-            <a:schemeClr val="lt2"/>
-          </a:solidFill>
-          <a:ln>
-            <a:noFill/>
-          </a:ln>
-        </p:spPr>
-        <p:txBody>
-          <a:bodyPr anchorCtr="0" anchor="t" bIns="91425" lIns="91425" spcFirstLastPara="1" rIns="91425" wrap="square" tIns="91425">
-            <a:noAutofit/>
-          </a:bodyPr>
-          <a:lstStyle/>
-          <a:p>
-            <a:pPr indent="0" lvl="0" marL="0" rtl="0" algn="ctr">
-              <a:spcBef>
-                <a:spcPts val="0"/>
-              </a:spcBef>
-              <a:spcAft>
-                <a:spcPts val="0"/>
-              </a:spcAft>
-              <a:buNone/>
-            </a:pPr>
-            <a:r>
-              <a:rPr lang="en" sz="1800">
-                <a:solidFill>
-                  <a:schemeClr val="dk1"/>
-                </a:solidFill>
-              </a:rPr>
-              <a:t>Table of selected characteristics </a:t>
-            </a:r>
-            <a:endParaRPr sz="1800">
-              <a:solidFill>
-                <a:schemeClr val="dk1"/>
-              </a:solidFill>
-            </a:endParaRPr>
-          </a:p>
-          <a:p>
-            <a:pPr indent="0" lvl="0" marL="0" rtl="0" algn="ctr">
-              <a:spcBef>
-                <a:spcPts val="0"/>
-              </a:spcBef>
-              <a:spcAft>
-                <a:spcPts val="0"/>
-              </a:spcAft>
-              <a:buNone/>
-            </a:pPr>
-            <a:r>
-              <a:rPr i="1" lang="en" sz="1800">
-                <a:solidFill>
-                  <a:schemeClr val="dk1"/>
-                </a:solidFill>
-              </a:rPr>
-              <a:t>(see spreadsheet)</a:t>
-            </a:r>
-            <a:endParaRPr i="1" sz="1800">
-              <a:solidFill>
-                <a:schemeClr val="dk1"/>
-              </a:solidFill>
-            </a:endParaRPr>
-          </a:p>
-        </p:txBody>
-      </p:sp>
-      <p:sp>
-        <p:nvSpPr>
-          <p:cNvPr id="97" name="Google Shape;97;p17"/>
-          <p:cNvSpPr txBox="1"/>
-          <p:nvPr/>
-        </p:nvSpPr>
-        <p:spPr>
-          <a:xfrm>
-            <a:off x="1330500" y="1813675"/>
-            <a:ext cx="2887200" cy="1358400"/>
-          </a:xfrm>
-          <a:prstGeom prst="rect">
-            <a:avLst/>
-          </a:prstGeom>
-          <a:solidFill>
-            <a:srgbClr val="F4CCCC"/>
-          </a:solidFill>
-          <a:ln>
-            <a:noFill/>
-          </a:ln>
-        </p:spPr>
-        <p:txBody>
-          <a:bodyPr anchorCtr="0" anchor="t" bIns="91425" lIns="91425" spcFirstLastPara="1" rIns="91425" wrap="square" tIns="91425">
-            <a:noAutofit/>
-          </a:bodyPr>
-          <a:lstStyle/>
-          <a:p>
-            <a:pPr indent="0" lvl="0" marL="0" rtl="0" algn="ctr">
-              <a:spcBef>
-                <a:spcPts val="0"/>
-              </a:spcBef>
-              <a:spcAft>
-                <a:spcPts val="0"/>
-              </a:spcAft>
-              <a:buNone/>
-            </a:pPr>
-            <a:r>
-              <a:rPr lang="en" sz="1800">
-                <a:solidFill>
-                  <a:schemeClr val="dk1"/>
-                </a:solidFill>
-              </a:rPr>
-              <a:t>Figures </a:t>
-            </a:r>
-            <a:endParaRPr sz="1800">
-              <a:solidFill>
-                <a:schemeClr val="dk1"/>
-              </a:solidFill>
-            </a:endParaRPr>
-          </a:p>
-          <a:p>
-            <a:pPr indent="0" lvl="0" marL="0" rtl="0" algn="ctr">
-              <a:spcBef>
-                <a:spcPts val="0"/>
-              </a:spcBef>
-              <a:spcAft>
-                <a:spcPts val="0"/>
-              </a:spcAft>
-              <a:buNone/>
-            </a:pPr>
-            <a:r>
-              <a:rPr lang="en" sz="1800">
-                <a:solidFill>
-                  <a:schemeClr val="dk1"/>
-                </a:solidFill>
-              </a:rPr>
-              <a:t>(charts, graphs, etc.)</a:t>
-            </a:r>
-            <a:endParaRPr sz="1800">
-              <a:solidFill>
-                <a:schemeClr val="dk1"/>
-              </a:solidFill>
-            </a:endParaRPr>
-          </a:p>
-        </p:txBody>
-      </p:sp>
-    </p:spTree>
-  </p:cSld>
-  <p:clrMapOvr>
-    <a:masterClrMapping/>
-  </p:clrMapOvr>
-</p:sld>
-</file>
-
-<file path=ppt/slides/slide6.xml><?xml version="1.0" encoding="utf-8"?>
-<p:sld xmlns:a="http://schemas.openxmlformats.org/drawingml/2006/main" xmlns:r="http://schemas.openxmlformats.org/officeDocument/2006/relationships" xmlns:mc="http://schemas.openxmlformats.org/markup-compatibility/2006" xmlns:mv="urn:schemas-microsoft-com:mac:vml" xmlns:p="http://schemas.openxmlformats.org/presentationml/2006/main" xmlns:c="http://schemas.openxmlformats.org/drawingml/2006/chart" xmlns:dgm="http://schemas.openxmlformats.org/drawingml/2006/diagram" xmlns:o="urn:schemas-microsoft-com:office:office" xmlns:v="urn:schemas-microsoft-com:vml" xmlns:pvml="urn:schemas-microsoft-com:office:powerpoint" xmlns:com="http://schemas.openxmlformats.org/drawingml/2006/compatibility" xmlns:p14="http://schemas.microsoft.com/office/powerpoint/2010/main" xmlns:p15="http://schemas.microsoft.com/office/powerpoint/2012/main" xmlns:ahyp="http://schemas.microsoft.com/office/drawing/2018/hyperlinkcolor" show="0">
-  <p:cSld>
-    <p:spTree>
-      <p:nvGrpSpPr>
-        <p:cNvPr id="101" name="Shape 101"/>
-        <p:cNvGrpSpPr/>
-        <p:nvPr/>
-      </p:nvGrpSpPr>
-      <p:grpSpPr>
-        <a:xfrm>
-          <a:off x="0" y="0"/>
-          <a:ext cx="0" cy="0"/>
-          <a:chOff x="0" y="0"/>
-          <a:chExt cx="0" cy="0"/>
-        </a:xfrm>
-      </p:grpSpPr>
-      <p:sp>
-        <p:nvSpPr>
-          <p:cNvPr id="102" name="Google Shape;102;p18"/>
-          <p:cNvSpPr txBox="1"/>
-          <p:nvPr>
-            <p:ph idx="4294967295" type="body"/>
-          </p:nvPr>
-        </p:nvSpPr>
-        <p:spPr>
-          <a:xfrm>
-            <a:off x="0" y="0"/>
-            <a:ext cx="972600" cy="5143500"/>
-          </a:xfrm>
-          <a:prstGeom prst="rect">
-            <a:avLst/>
-          </a:prstGeom>
-          <a:solidFill>
-            <a:schemeClr val="lt2"/>
-          </a:solidFill>
-        </p:spPr>
-        <p:txBody>
-          <a:bodyPr anchorCtr="0" anchor="t" bIns="91425" lIns="91425" spcFirstLastPara="1" rIns="91425" wrap="square" tIns="91425">
-            <a:normAutofit/>
-          </a:bodyPr>
-          <a:lstStyle/>
-          <a:p>
-            <a:pPr indent="0" lvl="0" marL="0" rtl="0" algn="l">
-              <a:spcBef>
-                <a:spcPts val="0"/>
-              </a:spcBef>
-              <a:spcAft>
-                <a:spcPts val="0"/>
-              </a:spcAft>
-              <a:buNone/>
-            </a:pPr>
-            <a:r>
-              <a:rPr b="1" lang="en" sz="900"/>
-              <a:t>Introduction</a:t>
-            </a:r>
-            <a:endParaRPr b="1" sz="900"/>
-          </a:p>
-          <a:p>
-            <a:pPr indent="0" lvl="0" marL="0" rtl="0" algn="l">
-              <a:spcBef>
-                <a:spcPts val="1200"/>
-              </a:spcBef>
-              <a:spcAft>
-                <a:spcPts val="0"/>
-              </a:spcAft>
-              <a:buNone/>
-            </a:pPr>
-            <a:r>
-              <a:rPr b="1" lang="en" sz="900"/>
-              <a:t>Methods</a:t>
-            </a:r>
-            <a:endParaRPr b="1" sz="900"/>
-          </a:p>
-          <a:p>
-            <a:pPr indent="0" lvl="0" marL="0" rtl="0" algn="l">
-              <a:spcBef>
-                <a:spcPts val="1200"/>
-              </a:spcBef>
-              <a:spcAft>
-                <a:spcPts val="0"/>
-              </a:spcAft>
-              <a:buNone/>
-            </a:pPr>
-            <a:r>
-              <a:rPr b="1" lang="en" sz="900"/>
-              <a:t>Communities</a:t>
-            </a:r>
-            <a:endParaRPr b="1" sz="900"/>
-          </a:p>
-          <a:p>
-            <a:pPr indent="0" lvl="0" marL="0" rtl="0" algn="l">
-              <a:spcBef>
-                <a:spcPts val="1200"/>
-              </a:spcBef>
-              <a:spcAft>
-                <a:spcPts val="0"/>
-              </a:spcAft>
-              <a:buNone/>
-            </a:pPr>
-            <a:r>
-              <a:rPr lang="en" sz="900"/>
-              <a:t>Community X</a:t>
-            </a:r>
-            <a:endParaRPr sz="900"/>
-          </a:p>
-          <a:p>
-            <a:pPr indent="0" lvl="0" marL="0" rtl="0" algn="l">
-              <a:spcBef>
-                <a:spcPts val="1200"/>
-              </a:spcBef>
-              <a:spcAft>
-                <a:spcPts val="0"/>
-              </a:spcAft>
-              <a:buNone/>
-            </a:pPr>
-            <a:r>
-              <a:rPr lang="en" sz="900"/>
-              <a:t>• Demographics</a:t>
-            </a:r>
-            <a:endParaRPr sz="900"/>
-          </a:p>
-          <a:p>
-            <a:pPr indent="0" lvl="0" marL="0" rtl="0" algn="l">
-              <a:spcBef>
-                <a:spcPts val="1200"/>
-              </a:spcBef>
-              <a:spcAft>
-                <a:spcPts val="0"/>
-              </a:spcAft>
-              <a:buNone/>
-            </a:pPr>
-            <a:r>
-              <a:rPr lang="en" sz="900"/>
-              <a:t>• Socioeconomics</a:t>
-            </a:r>
-            <a:endParaRPr sz="900"/>
-          </a:p>
-          <a:p>
-            <a:pPr indent="0" lvl="0" marL="0" rtl="0" algn="l">
-              <a:spcBef>
-                <a:spcPts val="1200"/>
-              </a:spcBef>
-              <a:spcAft>
-                <a:spcPts val="0"/>
-              </a:spcAft>
-              <a:buNone/>
-            </a:pPr>
-            <a:r>
-              <a:rPr lang="en" sz="900"/>
-              <a:t>• Health Outcomes</a:t>
-            </a:r>
-            <a:endParaRPr sz="900"/>
-          </a:p>
-          <a:p>
-            <a:pPr indent="0" lvl="0" marL="0" rtl="0" algn="l">
-              <a:spcBef>
-                <a:spcPts val="1200"/>
-              </a:spcBef>
-              <a:spcAft>
-                <a:spcPts val="0"/>
-              </a:spcAft>
-              <a:buNone/>
-            </a:pPr>
-            <a:r>
-              <a:rPr lang="en" sz="900"/>
-              <a:t>• </a:t>
-            </a:r>
-            <a:r>
-              <a:rPr lang="en" sz="900">
-                <a:highlight>
-                  <a:srgbClr val="F4CCCC"/>
-                </a:highlight>
-              </a:rPr>
-              <a:t>Hospitalization</a:t>
-            </a:r>
-            <a:endParaRPr sz="900">
-              <a:highlight>
-                <a:srgbClr val="F4CCCC"/>
-              </a:highlight>
-            </a:endParaRPr>
-          </a:p>
-          <a:p>
-            <a:pPr indent="0" lvl="0" marL="0" rtl="0" algn="l">
-              <a:spcBef>
-                <a:spcPts val="1200"/>
-              </a:spcBef>
-              <a:spcAft>
-                <a:spcPts val="0"/>
-              </a:spcAft>
-              <a:buNone/>
-            </a:pPr>
-            <a:r>
-              <a:rPr lang="en" sz="900"/>
-              <a:t>• Health Care</a:t>
-            </a:r>
-            <a:endParaRPr sz="900"/>
-          </a:p>
-          <a:p>
-            <a:pPr indent="0" lvl="0" marL="0" rtl="0" algn="l">
-              <a:spcBef>
-                <a:spcPts val="1200"/>
-              </a:spcBef>
-              <a:spcAft>
-                <a:spcPts val="0"/>
-              </a:spcAft>
-              <a:buNone/>
-            </a:pPr>
-            <a:r>
-              <a:rPr lang="en" sz="900"/>
-              <a:t>• Health Behaviors</a:t>
-            </a:r>
-            <a:endParaRPr sz="900"/>
-          </a:p>
-          <a:p>
-            <a:pPr indent="0" lvl="0" marL="0" rtl="0" algn="l">
-              <a:spcBef>
-                <a:spcPts val="1200"/>
-              </a:spcBef>
-              <a:spcAft>
-                <a:spcPts val="1200"/>
-              </a:spcAft>
-              <a:buClr>
-                <a:schemeClr val="dk1"/>
-              </a:buClr>
-              <a:buSzPts val="1100"/>
-              <a:buFont typeface="Arial"/>
-              <a:buNone/>
-            </a:pPr>
-            <a:r>
-              <a:rPr lang="en" sz="900"/>
-              <a:t>• Physical Environment</a:t>
-            </a:r>
-            <a:endParaRPr b="1" sz="900"/>
-          </a:p>
-        </p:txBody>
-      </p:sp>
-      <p:sp>
-        <p:nvSpPr>
-          <p:cNvPr id="103" name="Google Shape;103;p18"/>
-          <p:cNvSpPr txBox="1"/>
-          <p:nvPr/>
-        </p:nvSpPr>
-        <p:spPr>
-          <a:xfrm>
-            <a:off x="1265600" y="333075"/>
-            <a:ext cx="7706400" cy="1776300"/>
-          </a:xfrm>
-          <a:prstGeom prst="rect">
-            <a:avLst/>
-          </a:prstGeom>
-          <a:noFill/>
-          <a:ln>
-            <a:noFill/>
-          </a:ln>
-        </p:spPr>
-        <p:txBody>
-          <a:bodyPr anchorCtr="0" anchor="t" bIns="91425" lIns="91425" spcFirstLastPara="1" rIns="91425" wrap="square" tIns="91425">
-            <a:noAutofit/>
-          </a:bodyPr>
-          <a:lstStyle/>
-          <a:p>
-            <a:pPr indent="0" lvl="0" marL="0" rtl="0" algn="l">
-              <a:spcBef>
-                <a:spcPts val="0"/>
-              </a:spcBef>
-              <a:spcAft>
-                <a:spcPts val="0"/>
-              </a:spcAft>
-              <a:buNone/>
-            </a:pPr>
-            <a:r>
-              <a:rPr b="1" lang="en" sz="1800">
-                <a:solidFill>
-                  <a:schemeClr val="dk1"/>
-                </a:solidFill>
-              </a:rPr>
-              <a:t>Hospitalization</a:t>
-            </a:r>
-            <a:endParaRPr b="1" sz="1800">
-              <a:solidFill>
-                <a:schemeClr val="dk1"/>
-              </a:solidFill>
-            </a:endParaRPr>
-          </a:p>
-          <a:p>
-            <a:pPr indent="0" lvl="0" marL="0" rtl="0" algn="l">
-              <a:spcBef>
-                <a:spcPts val="0"/>
-              </a:spcBef>
-              <a:spcAft>
-                <a:spcPts val="0"/>
-              </a:spcAft>
-              <a:buNone/>
-            </a:pPr>
-            <a:r>
-              <a:rPr lang="en" sz="1300">
-                <a:solidFill>
-                  <a:schemeClr val="dk1"/>
-                </a:solidFill>
-                <a:highlight>
-                  <a:srgbClr val="F4CCCC"/>
-                </a:highlight>
-              </a:rPr>
-              <a:t>Flavor text connecting to SDOH</a:t>
-            </a:r>
-            <a:endParaRPr sz="1300">
-              <a:solidFill>
-                <a:schemeClr val="dk1"/>
-              </a:solidFill>
-              <a:highlight>
-                <a:srgbClr val="F4CCCC"/>
-              </a:highlight>
-            </a:endParaRPr>
-          </a:p>
-          <a:p>
-            <a:pPr indent="0" lvl="0" marL="0" rtl="0" algn="l">
-              <a:spcBef>
-                <a:spcPts val="0"/>
-              </a:spcBef>
-              <a:spcAft>
-                <a:spcPts val="0"/>
-              </a:spcAft>
-              <a:buNone/>
-            </a:pPr>
-            <a:r>
-              <a:t/>
-            </a:r>
-            <a:endParaRPr sz="1200">
-              <a:solidFill>
-                <a:schemeClr val="dk1"/>
-              </a:solidFill>
-            </a:endParaRPr>
-          </a:p>
-          <a:p>
-            <a:pPr indent="0" lvl="0" marL="0" rtl="0" algn="l">
-              <a:spcBef>
-                <a:spcPts val="0"/>
-              </a:spcBef>
-              <a:spcAft>
-                <a:spcPts val="0"/>
-              </a:spcAft>
-              <a:buNone/>
-            </a:pPr>
-            <a:r>
-              <a:rPr i="1" lang="en" sz="1200">
-                <a:solidFill>
-                  <a:schemeClr val="dk1"/>
-                </a:solidFill>
-              </a:rPr>
-              <a:t>[narrative explanation reflecting the qualitative tables and figures] [narrative explanation reflecting the qualitative tables and figures][narrative explanation reflecting the qualitative tables and figures][narrative explanation reflecting the qualitative tables and figures][narrative explanation reflecting the qualitative tables…]</a:t>
-            </a:r>
-            <a:endParaRPr i="1" sz="1200">
-              <a:solidFill>
-                <a:schemeClr val="dk1"/>
-              </a:solidFill>
-            </a:endParaRPr>
-          </a:p>
-        </p:txBody>
-      </p:sp>
-      <p:sp>
-        <p:nvSpPr>
-          <p:cNvPr id="104" name="Google Shape;104;p18"/>
-          <p:cNvSpPr txBox="1"/>
-          <p:nvPr/>
-        </p:nvSpPr>
-        <p:spPr>
-          <a:xfrm>
-            <a:off x="1330500" y="3468525"/>
-            <a:ext cx="4526700" cy="1488600"/>
-          </a:xfrm>
-          <a:prstGeom prst="rect">
-            <a:avLst/>
-          </a:prstGeom>
-          <a:solidFill>
-            <a:schemeClr val="lt2"/>
-          </a:solidFill>
-          <a:ln>
-            <a:noFill/>
-          </a:ln>
-        </p:spPr>
-        <p:txBody>
-          <a:bodyPr anchorCtr="0" anchor="t" bIns="91425" lIns="91425" spcFirstLastPara="1" rIns="91425" wrap="square" tIns="91425">
-            <a:noAutofit/>
-          </a:bodyPr>
-          <a:lstStyle/>
-          <a:p>
-            <a:pPr indent="0" lvl="0" marL="0" rtl="0" algn="ctr">
-              <a:spcBef>
-                <a:spcPts val="0"/>
-              </a:spcBef>
-              <a:spcAft>
-                <a:spcPts val="0"/>
-              </a:spcAft>
-              <a:buNone/>
-            </a:pPr>
-            <a:r>
-              <a:rPr lang="en" sz="1800">
-                <a:solidFill>
-                  <a:schemeClr val="dk1"/>
-                </a:solidFill>
-              </a:rPr>
-              <a:t>Table of selected characteristics </a:t>
-            </a:r>
-            <a:endParaRPr sz="1800">
-              <a:solidFill>
-                <a:schemeClr val="dk1"/>
-              </a:solidFill>
-            </a:endParaRPr>
-          </a:p>
-          <a:p>
-            <a:pPr indent="0" lvl="0" marL="0" rtl="0" algn="ctr">
-              <a:spcBef>
-                <a:spcPts val="0"/>
-              </a:spcBef>
-              <a:spcAft>
-                <a:spcPts val="0"/>
-              </a:spcAft>
-              <a:buNone/>
-            </a:pPr>
-            <a:r>
-              <a:rPr i="1" lang="en" sz="1800">
-                <a:solidFill>
-                  <a:schemeClr val="dk1"/>
-                </a:solidFill>
-              </a:rPr>
-              <a:t>(see spreadsheet)</a:t>
-            </a:r>
-            <a:endParaRPr i="1" sz="1800">
-              <a:solidFill>
-                <a:schemeClr val="dk1"/>
-              </a:solidFill>
-            </a:endParaRPr>
-          </a:p>
-        </p:txBody>
-      </p:sp>
-      <p:sp>
-        <p:nvSpPr>
-          <p:cNvPr id="105" name="Google Shape;105;p18"/>
-          <p:cNvSpPr txBox="1"/>
-          <p:nvPr/>
-        </p:nvSpPr>
-        <p:spPr>
-          <a:xfrm>
-            <a:off x="1330500" y="1813675"/>
-            <a:ext cx="2887200" cy="1358400"/>
-          </a:xfrm>
-          <a:prstGeom prst="rect">
-            <a:avLst/>
-          </a:prstGeom>
-          <a:solidFill>
-            <a:srgbClr val="F4CCCC"/>
-          </a:solidFill>
-          <a:ln>
-            <a:noFill/>
-          </a:ln>
-        </p:spPr>
-        <p:txBody>
-          <a:bodyPr anchorCtr="0" anchor="t" bIns="91425" lIns="91425" spcFirstLastPara="1" rIns="91425" wrap="square" tIns="91425">
-            <a:noAutofit/>
-          </a:bodyPr>
-          <a:lstStyle/>
-          <a:p>
-            <a:pPr indent="0" lvl="0" marL="0" rtl="0" algn="ctr">
-              <a:spcBef>
-                <a:spcPts val="0"/>
-              </a:spcBef>
-              <a:spcAft>
-                <a:spcPts val="0"/>
-              </a:spcAft>
-              <a:buNone/>
-            </a:pPr>
-            <a:r>
-              <a:rPr lang="en" sz="1800">
-                <a:solidFill>
-                  <a:schemeClr val="dk1"/>
-                </a:solidFill>
-              </a:rPr>
-              <a:t>Figures </a:t>
-            </a:r>
-            <a:endParaRPr sz="1800">
-              <a:solidFill>
-                <a:schemeClr val="dk1"/>
-              </a:solidFill>
-            </a:endParaRPr>
-          </a:p>
-          <a:p>
-            <a:pPr indent="0" lvl="0" marL="0" rtl="0" algn="ctr">
-              <a:spcBef>
-                <a:spcPts val="0"/>
-              </a:spcBef>
-              <a:spcAft>
-                <a:spcPts val="0"/>
-              </a:spcAft>
-              <a:buNone/>
-            </a:pPr>
-            <a:r>
-              <a:rPr lang="en" sz="1800">
-                <a:solidFill>
-                  <a:schemeClr val="dk1"/>
-                </a:solidFill>
-              </a:rPr>
-              <a:t>(charts, graphs, etc.)</a:t>
-            </a:r>
-            <a:endParaRPr sz="1800">
-              <a:solidFill>
-                <a:schemeClr val="dk1"/>
               </a:solidFill>
             </a:endParaRPr>
           </a:p>
@@ -12608,11 +12434,6 @@
               <a:spcAft>
                 <a:spcPts val="0"/>
               </a:spcAft>
-              <a:buClr>
-                <a:schemeClr val="dk1"/>
-              </a:buClr>
-              <a:buSzPts val="1100"/>
-              <a:buFont typeface="Arial"/>
               <a:buNone/>
             </a:pPr>
             <a:r>
@@ -12629,11 +12450,6 @@
               <a:spcAft>
                 <a:spcPts val="0"/>
               </a:spcAft>
-              <a:buClr>
-                <a:schemeClr val="dk1"/>
-              </a:buClr>
-              <a:buSzPts val="1100"/>
-              <a:buFont typeface="Arial"/>
               <a:buNone/>
             </a:pPr>
             <a:r>
@@ -12650,11 +12466,6 @@
               <a:spcAft>
                 <a:spcPts val="0"/>
               </a:spcAft>
-              <a:buClr>
-                <a:schemeClr val="dk1"/>
-              </a:buClr>
-              <a:buSzPts val="1100"/>
-              <a:buFont typeface="Arial"/>
               <a:buNone/>
             </a:pPr>
             <a:r>
@@ -12671,11 +12482,6 @@
               <a:spcAft>
                 <a:spcPts val="0"/>
               </a:spcAft>
-              <a:buClr>
-                <a:schemeClr val="dk1"/>
-              </a:buClr>
-              <a:buSzPts val="1100"/>
-              <a:buFont typeface="Arial"/>
               <a:buNone/>
             </a:pPr>
             <a:r>
@@ -12692,11 +12498,6 @@
               <a:spcAft>
                 <a:spcPts val="0"/>
               </a:spcAft>
-              <a:buClr>
-                <a:schemeClr val="dk1"/>
-              </a:buClr>
-              <a:buSzPts val="1100"/>
-              <a:buFont typeface="Arial"/>
               <a:buNone/>
             </a:pPr>
             <a:r>
@@ -12713,11 +12514,6 @@
               <a:spcAft>
                 <a:spcPts val="0"/>
               </a:spcAft>
-              <a:buClr>
-                <a:schemeClr val="dk1"/>
-              </a:buClr>
-              <a:buSzPts val="1100"/>
-              <a:buFont typeface="Arial"/>
               <a:buNone/>
             </a:pPr>
             <a:r>
@@ -12734,45 +12530,11 @@
               <a:spcAft>
                 <a:spcPts val="0"/>
               </a:spcAft>
-              <a:buClr>
-                <a:schemeClr val="dk1"/>
-              </a:buClr>
-              <a:buSzPts val="1100"/>
-              <a:buFont typeface="Arial"/>
               <a:buNone/>
             </a:pPr>
             <a:r>
               <a:rPr lang="en" sz="900"/>
               <a:t>• Health Outcomes</a:t>
-            </a:r>
-            <a:endParaRPr sz="900"/>
-          </a:p>
-          <a:p>
-            <a:pPr indent="0" lvl="0" marL="0" rtl="0" algn="l">
-              <a:spcBef>
-                <a:spcPts val="1200"/>
-              </a:spcBef>
-              <a:spcAft>
-                <a:spcPts val="0"/>
-              </a:spcAft>
-              <a:buClr>
-                <a:schemeClr val="dk1"/>
-              </a:buClr>
-              <a:buSzPts val="1100"/>
-              <a:buFont typeface="Arial"/>
-              <a:buNone/>
-            </a:pPr>
-            <a:r>
-              <a:rPr lang="en" sz="900"/>
-              <a:t>• </a:t>
-            </a:r>
-            <a:r>
-              <a:rPr lang="en" sz="900">
-                <a:highlight>
-                  <a:srgbClr val="F4CCCC"/>
-                </a:highlight>
-              </a:rPr>
-              <a:t>Hospitalization</a:t>
             </a:r>
             <a:endParaRPr sz="900">
               <a:highlight>
@@ -12788,11 +12550,6 @@
               <a:spcAft>
                 <a:spcPts val="0"/>
               </a:spcAft>
-              <a:buClr>
-                <a:schemeClr val="dk1"/>
-              </a:buClr>
-              <a:buSzPts val="1100"/>
-              <a:buFont typeface="Arial"/>
               <a:buNone/>
             </a:pPr>
             <a:r>
@@ -12809,11 +12566,6 @@
               <a:spcAft>
                 <a:spcPts val="0"/>
               </a:spcAft>
-              <a:buClr>
-                <a:schemeClr val="dk1"/>
-              </a:buClr>
-              <a:buSzPts val="1100"/>
-              <a:buFont typeface="Arial"/>
               <a:buNone/>
             </a:pPr>
             <a:r>
@@ -12885,7 +12637,7 @@
                   <a:schemeClr val="dk1"/>
                 </a:solidFill>
               </a:rPr>
-              <a:t>Health Care</a:t>
+              <a:t>Socioeconomics (Updated Example 1/12/2025)</a:t>
             </a:r>
             <a:endParaRPr b="1" sz="1800">
               <a:solidFill>
@@ -12904,12 +12656,7 @@
               <a:buNone/>
             </a:pPr>
             <a:r>
-              <a:rPr lang="en" sz="1300">
-                <a:solidFill>
-                  <a:schemeClr val="dk1"/>
-                </a:solidFill>
-              </a:rPr>
-              <a:t>Community members’ access to quality health care.</a:t>
+              <a:t/>
             </a:r>
             <a:endParaRPr sz="1300">
               <a:solidFill>
@@ -12928,9 +12675,14 @@
               <a:buNone/>
             </a:pPr>
             <a:r>
-              <a:t/>
-            </a:r>
-            <a:endParaRPr sz="1200">
+              <a:rPr lang="en" sz="1100">
+                <a:solidFill>
+                  <a:schemeClr val="dk1"/>
+                </a:solidFill>
+              </a:rPr>
+              <a:t>Socioeconomic status refers to a person's economic and social position. Factors such as race or ethnicity, income, education, and occupation influence a person’s socioeconomic status and affect access to resources such as healthcare, housing, and food, which in turn influence their overall health and well-being.</a:t>
+            </a:r>
+            <a:endParaRPr sz="1100">
               <a:solidFill>
                 <a:schemeClr val="dk1"/>
               </a:solidFill>
@@ -12947,22 +12699,187 @@
               <a:buNone/>
             </a:pPr>
             <a:r>
-              <a:rPr lang="en" sz="1300">
+              <a:t/>
+            </a:r>
+            <a:endParaRPr sz="1100">
+              <a:solidFill>
+                <a:schemeClr val="dk1"/>
+              </a:solidFill>
+            </a:endParaRPr>
+          </a:p>
+          <a:p>
+            <a:pPr indent="0" lvl="0" marL="0" rtl="0" algn="l">
+              <a:spcBef>
+                <a:spcPts val="0"/>
+              </a:spcBef>
+              <a:spcAft>
+                <a:spcPts val="0"/>
+              </a:spcAft>
+              <a:buClr>
+                <a:schemeClr val="dk1"/>
+              </a:buClr>
+              <a:buSzPts val="1100"/>
+              <a:buFont typeface="Arial"/>
+              <a:buNone/>
+            </a:pPr>
+            <a:r>
+              <a:rPr lang="en" sz="1100">
                 <a:solidFill>
                   <a:schemeClr val="dk1"/>
                 </a:solidFill>
               </a:rPr>
-              <a:t>Access to quality healthcare services plays a vital role in preventing and managing diseases while promoting health equity.</a:t>
-            </a:r>
-            <a:r>
-              <a:rPr lang="en" sz="1300">
+              <a:t>[</a:t>
+            </a:r>
+            <a:r>
+              <a:rPr i="1" lang="en" sz="1100">
                 <a:solidFill>
                   <a:schemeClr val="dk1"/>
                 </a:solidFill>
               </a:rPr>
-              <a:t> However, high costs, insufficient insurance coverage, and limited availability of quality services often create significant barriers to clinical care.</a:t>
-            </a:r>
-            <a:endParaRPr sz="1300">
+              <a:t>explanatory section</a:t>
+            </a:r>
+            <a:r>
+              <a:rPr lang="en" sz="1100">
+                <a:solidFill>
+                  <a:schemeClr val="dk1"/>
+                </a:solidFill>
+              </a:rPr>
+              <a:t>] The median household income of [</a:t>
+            </a:r>
+            <a:r>
+              <a:rPr i="1" lang="en" sz="1100">
+                <a:solidFill>
+                  <a:schemeClr val="dk1"/>
+                </a:solidFill>
+                <a:highlight>
+                  <a:srgbClr val="FFF2CC"/>
+                </a:highlight>
+              </a:rPr>
+              <a:t>Community X</a:t>
+            </a:r>
+            <a:r>
+              <a:rPr lang="en" sz="1100">
+                <a:solidFill>
+                  <a:schemeClr val="dk1"/>
+                </a:solidFill>
+              </a:rPr>
+              <a:t>] was [</a:t>
+            </a:r>
+            <a:r>
+              <a:rPr lang="en" sz="1100">
+                <a:solidFill>
+                  <a:schemeClr val="dk1"/>
+                </a:solidFill>
+                <a:highlight>
+                  <a:srgbClr val="FFF2CC"/>
+                </a:highlight>
+              </a:rPr>
+              <a:t>$29,285</a:t>
+            </a:r>
+            <a:r>
+              <a:rPr lang="en" sz="1100">
+                <a:solidFill>
+                  <a:schemeClr val="dk1"/>
+                </a:solidFill>
+              </a:rPr>
+              <a:t>] in [</a:t>
+            </a:r>
+            <a:r>
+              <a:rPr lang="en" sz="1100">
+                <a:solidFill>
+                  <a:schemeClr val="dk1"/>
+                </a:solidFill>
+                <a:highlight>
+                  <a:srgbClr val="FFF2CC"/>
+                </a:highlight>
+              </a:rPr>
+              <a:t>2022</a:t>
+            </a:r>
+            <a:r>
+              <a:rPr lang="en" sz="1100">
+                <a:solidFill>
+                  <a:schemeClr val="dk1"/>
+                </a:solidFill>
+              </a:rPr>
+              <a:t>]. Approximately [</a:t>
+            </a:r>
+            <a:r>
+              <a:rPr lang="en" sz="1100">
+                <a:solidFill>
+                  <a:schemeClr val="dk1"/>
+                </a:solidFill>
+                <a:highlight>
+                  <a:srgbClr val="FFF2CC"/>
+                </a:highlight>
+              </a:rPr>
+              <a:t>29%</a:t>
+            </a:r>
+            <a:r>
+              <a:rPr lang="en" sz="1100">
+                <a:solidFill>
+                  <a:schemeClr val="dk1"/>
+                </a:solidFill>
+              </a:rPr>
+              <a:t>] of the community is living in poverty, and [</a:t>
+            </a:r>
+            <a:r>
+              <a:rPr lang="en" sz="1100">
+                <a:solidFill>
+                  <a:schemeClr val="dk1"/>
+                </a:solidFill>
+                <a:highlight>
+                  <a:srgbClr val="FFF2CC"/>
+                </a:highlight>
+              </a:rPr>
+              <a:t>24%</a:t>
+            </a:r>
+            <a:r>
+              <a:rPr lang="en" sz="1100">
+                <a:solidFill>
+                  <a:schemeClr val="dk1"/>
+                </a:solidFill>
+              </a:rPr>
+              <a:t>] is experiencing unemployment. The income inequality ratio comes out to [</a:t>
+            </a:r>
+            <a:r>
+              <a:rPr lang="en" sz="1100">
+                <a:solidFill>
+                  <a:schemeClr val="dk1"/>
+                </a:solidFill>
+                <a:highlight>
+                  <a:srgbClr val="FFF2CC"/>
+                </a:highlight>
+              </a:rPr>
+              <a:t>0.30</a:t>
+            </a:r>
+            <a:r>
+              <a:rPr lang="en" sz="1100">
+                <a:solidFill>
+                  <a:schemeClr val="dk1"/>
+                </a:solidFill>
+              </a:rPr>
+              <a:t>]. Approximately [87%] of the community has obtained a high school degree or equivalent. </a:t>
+            </a:r>
+            <a:endParaRPr sz="1100">
+              <a:solidFill>
+                <a:schemeClr val="dk1"/>
+              </a:solidFill>
+            </a:endParaRPr>
+          </a:p>
+          <a:p>
+            <a:pPr indent="0" lvl="0" marL="0" rtl="0" algn="l">
+              <a:spcBef>
+                <a:spcPts val="0"/>
+              </a:spcBef>
+              <a:spcAft>
+                <a:spcPts val="0"/>
+              </a:spcAft>
+              <a:buNone/>
+            </a:pPr>
+            <a:r>
+              <a:t/>
+            </a:r>
+            <a:endParaRPr sz="1100">
               <a:solidFill>
                 <a:schemeClr val="dk1"/>
               </a:solidFill>
@@ -12978,8 +12895,8 @@
         </p:nvSpPr>
         <p:spPr>
           <a:xfrm>
-            <a:off x="1330500" y="3468525"/>
-            <a:ext cx="4526700" cy="1488600"/>
+            <a:off x="1496300" y="4427175"/>
+            <a:ext cx="4526700" cy="672000"/>
           </a:xfrm>
           <a:prstGeom prst="rect">
             <a:avLst/>
@@ -13007,14 +12924,14 @@
               <a:buNone/>
             </a:pPr>
             <a:r>
-              <a:rPr lang="en" sz="1800">
+              <a:rPr lang="en" sz="1600">
                 <a:solidFill>
                   <a:schemeClr val="dk1"/>
                 </a:solidFill>
               </a:rPr>
               <a:t>Table of selected characteristics </a:t>
             </a:r>
-            <a:endParaRPr sz="1800">
+            <a:endParaRPr sz="1600">
               <a:solidFill>
                 <a:schemeClr val="dk1"/>
               </a:solidFill>
@@ -13031,14 +12948,14 @@
               <a:buNone/>
             </a:pPr>
             <a:r>
-              <a:rPr i="1" lang="en" sz="1800">
+              <a:rPr i="1" lang="en" sz="1600">
                 <a:solidFill>
                   <a:schemeClr val="dk1"/>
                 </a:solidFill>
               </a:rPr>
               <a:t>(see spreadsheet)</a:t>
             </a:r>
-            <a:endParaRPr i="1" sz="1800">
+            <a:endParaRPr i="1" sz="1600">
               <a:solidFill>
                 <a:schemeClr val="dk1"/>
               </a:solidFill>
@@ -13046,23 +12963,49 @@
           </a:p>
         </p:txBody>
       </p:sp>
+      <p:pic>
+        <p:nvPicPr>
+          <p:cNvPr id="113" name="Google Shape;113;p19"/>
+          <p:cNvPicPr preferRelativeResize="0"/>
+          <p:nvPr/>
+        </p:nvPicPr>
+        <p:blipFill>
+          <a:blip r:embed="rId3">
+            <a:alphaModFix/>
+          </a:blip>
+          <a:stretch>
+            <a:fillRect/>
+          </a:stretch>
+        </p:blipFill>
+        <p:spPr>
+          <a:xfrm>
+            <a:off x="6023000" y="2382626"/>
+            <a:ext cx="3090625" cy="1489949"/>
+          </a:xfrm>
+          <a:prstGeom prst="rect">
+            <a:avLst/>
+          </a:prstGeom>
+          <a:noFill/>
+          <a:ln>
+            <a:noFill/>
+          </a:ln>
+        </p:spPr>
+      </p:pic>
       <p:sp>
         <p:nvSpPr>
-          <p:cNvPr id="113" name="Google Shape;113;p19"/>
+          <p:cNvPr id="114" name="Google Shape;114;p19"/>
           <p:cNvSpPr txBox="1"/>
           <p:nvPr/>
         </p:nvSpPr>
         <p:spPr>
           <a:xfrm>
-            <a:off x="1330500" y="1813675"/>
-            <a:ext cx="2887200" cy="1358400"/>
+            <a:off x="622550" y="2143050"/>
+            <a:ext cx="5225100" cy="2328600"/>
           </a:xfrm>
           <a:prstGeom prst="rect">
             <a:avLst/>
           </a:prstGeom>
-          <a:solidFill>
-            <a:srgbClr val="F4CCCC"/>
-          </a:solidFill>
+          <a:noFill/>
           <a:ln>
             <a:noFill/>
           </a:ln>
@@ -13073,55 +13016,294 @@
           </a:bodyPr>
           <a:lstStyle/>
           <a:p>
-            <a:pPr indent="0" lvl="0" marL="0" rtl="0" algn="ctr">
-              <a:spcBef>
-                <a:spcPts val="0"/>
-              </a:spcBef>
-              <a:spcAft>
-                <a:spcPts val="0"/>
-              </a:spcAft>
-              <a:buNone/>
-            </a:pPr>
-            <a:r>
-              <a:rPr lang="en" sz="1800">
+            <a:pPr indent="-292100" lvl="0" marL="914400" rtl="0" algn="l">
+              <a:lnSpc>
+                <a:spcPct val="107916"/>
+              </a:lnSpc>
+              <a:spcBef>
+                <a:spcPts val="0"/>
+              </a:spcBef>
+              <a:spcAft>
+                <a:spcPts val="0"/>
+              </a:spcAft>
+              <a:buClr>
+                <a:schemeClr val="dk1"/>
+              </a:buClr>
+              <a:buSzPts val="1000"/>
+              <a:buFont typeface="Calibri"/>
+              <a:buChar char="●"/>
+            </a:pPr>
+            <a:r>
+              <a:rPr lang="en" sz="1000">
                 <a:solidFill>
                   <a:schemeClr val="dk1"/>
                 </a:solidFill>
+                <a:latin typeface="Calibri"/>
+                <a:ea typeface="Calibri"/>
+                <a:cs typeface="Calibri"/>
+                <a:sym typeface="Calibri"/>
               </a:rPr>
-              <a:t>Figures </a:t>
-            </a:r>
-            <a:endParaRPr sz="1800">
+              <a:t>A large percentage of the Community X population is living in poverty. 29% of </a:t>
+            </a:r>
+            <a:r>
+              <a:rPr lang="en" sz="1000">
+                <a:solidFill>
+                  <a:schemeClr val="dk1"/>
+                </a:solidFill>
+                <a:latin typeface="Calibri"/>
+                <a:ea typeface="Calibri"/>
+                <a:cs typeface="Calibri"/>
+                <a:sym typeface="Calibri"/>
+              </a:rPr>
+              <a:t>Community X </a:t>
+            </a:r>
+            <a:r>
+              <a:rPr lang="en" sz="1000">
+                <a:solidFill>
+                  <a:schemeClr val="dk1"/>
+                </a:solidFill>
+                <a:latin typeface="Calibri"/>
+                <a:ea typeface="Calibri"/>
+                <a:cs typeface="Calibri"/>
+                <a:sym typeface="Calibri"/>
+              </a:rPr>
+              <a:t>residents live below the poverty line, with 40% of children in the area living in poverty. This high poverty rate likely contributes to other socioeconomic issues faced by residents.</a:t>
+            </a:r>
+            <a:endParaRPr sz="1000">
               <a:solidFill>
                 <a:schemeClr val="dk1"/>
+              </a:solidFill>
+              <a:latin typeface="Calibri"/>
+              <a:ea typeface="Calibri"/>
+              <a:cs typeface="Calibri"/>
+              <a:sym typeface="Calibri"/>
+            </a:endParaRPr>
+          </a:p>
+          <a:p>
+            <a:pPr indent="-292100" lvl="0" marL="914400" rtl="0" algn="l">
+              <a:lnSpc>
+                <a:spcPct val="107916"/>
+              </a:lnSpc>
+              <a:spcBef>
+                <a:spcPts val="0"/>
+              </a:spcBef>
+              <a:spcAft>
+                <a:spcPts val="0"/>
+              </a:spcAft>
+              <a:buClr>
+                <a:schemeClr val="dk1"/>
+              </a:buClr>
+              <a:buSzPts val="1000"/>
+              <a:buFont typeface="Calibri"/>
+              <a:buChar char="●"/>
+            </a:pPr>
+            <a:r>
+              <a:rPr lang="en" sz="1000">
+                <a:solidFill>
+                  <a:schemeClr val="dk1"/>
+                </a:solidFill>
+                <a:latin typeface="Calibri"/>
+                <a:ea typeface="Calibri"/>
+                <a:cs typeface="Calibri"/>
+                <a:sym typeface="Calibri"/>
+              </a:rPr>
+              <a:t>High unemployment contributes to financial hardship in </a:t>
+            </a:r>
+            <a:r>
+              <a:rPr lang="en" sz="1000">
+                <a:solidFill>
+                  <a:schemeClr val="dk1"/>
+                </a:solidFill>
+                <a:latin typeface="Calibri"/>
+                <a:ea typeface="Calibri"/>
+                <a:cs typeface="Calibri"/>
+                <a:sym typeface="Calibri"/>
+              </a:rPr>
+              <a:t>Community X</a:t>
+            </a:r>
+            <a:r>
+              <a:rPr lang="en" sz="1000">
+                <a:solidFill>
+                  <a:schemeClr val="dk1"/>
+                </a:solidFill>
+                <a:latin typeface="Calibri"/>
+                <a:ea typeface="Calibri"/>
+                <a:cs typeface="Calibri"/>
+                <a:sym typeface="Calibri"/>
+              </a:rPr>
+              <a:t>. The unemployment rate in </a:t>
+            </a:r>
+            <a:r>
+              <a:rPr lang="en" sz="1000">
+                <a:solidFill>
+                  <a:schemeClr val="dk1"/>
+                </a:solidFill>
+                <a:latin typeface="Calibri"/>
+                <a:ea typeface="Calibri"/>
+                <a:cs typeface="Calibri"/>
+                <a:sym typeface="Calibri"/>
+              </a:rPr>
+              <a:t>Community X</a:t>
+            </a:r>
+            <a:r>
+              <a:rPr lang="en" sz="1000">
+                <a:solidFill>
+                  <a:schemeClr val="dk1"/>
+                </a:solidFill>
+                <a:latin typeface="Calibri"/>
+                <a:ea typeface="Calibri"/>
+                <a:cs typeface="Calibri"/>
+                <a:sym typeface="Calibri"/>
+              </a:rPr>
+              <a:t> is 21%, more than double the rate of Chicago.This lack of employment opportunities can make it difficult for residents to improve their economic standing.</a:t>
+            </a:r>
+            <a:endParaRPr sz="1000">
+              <a:solidFill>
+                <a:schemeClr val="dk1"/>
+              </a:solidFill>
+              <a:latin typeface="Calibri"/>
+              <a:ea typeface="Calibri"/>
+              <a:cs typeface="Calibri"/>
+              <a:sym typeface="Calibri"/>
+            </a:endParaRPr>
+          </a:p>
+          <a:p>
+            <a:pPr indent="-292100" lvl="0" marL="914400" rtl="0" algn="l">
+              <a:lnSpc>
+                <a:spcPct val="107916"/>
+              </a:lnSpc>
+              <a:spcBef>
+                <a:spcPts val="0"/>
+              </a:spcBef>
+              <a:spcAft>
+                <a:spcPts val="0"/>
+              </a:spcAft>
+              <a:buClr>
+                <a:schemeClr val="dk1"/>
+              </a:buClr>
+              <a:buSzPts val="1000"/>
+              <a:buFont typeface="Calibri"/>
+              <a:buChar char="●"/>
+            </a:pPr>
+            <a:r>
+              <a:rPr lang="en" sz="1000">
+                <a:solidFill>
+                  <a:schemeClr val="dk1"/>
+                </a:solidFill>
+                <a:latin typeface="Calibri"/>
+                <a:ea typeface="Calibri"/>
+                <a:cs typeface="Calibri"/>
+                <a:sym typeface="Calibri"/>
+              </a:rPr>
+              <a:t>Housing costs place a heavy burden on </a:t>
+            </a:r>
+            <a:r>
+              <a:rPr lang="en" sz="1000">
+                <a:solidFill>
+                  <a:schemeClr val="dk1"/>
+                </a:solidFill>
+                <a:latin typeface="Calibri"/>
+                <a:ea typeface="Calibri"/>
+                <a:cs typeface="Calibri"/>
+                <a:sym typeface="Calibri"/>
+              </a:rPr>
+              <a:t>Community X </a:t>
+            </a:r>
+            <a:r>
+              <a:rPr lang="en" sz="1000">
+                <a:solidFill>
+                  <a:schemeClr val="dk1"/>
+                </a:solidFill>
+                <a:latin typeface="Calibri"/>
+                <a:ea typeface="Calibri"/>
+                <a:cs typeface="Calibri"/>
+                <a:sym typeface="Calibri"/>
+              </a:rPr>
+              <a:t>residents. 33% of </a:t>
+            </a:r>
+            <a:r>
+              <a:rPr lang="en" sz="1000">
+                <a:solidFill>
+                  <a:schemeClr val="dk1"/>
+                </a:solidFill>
+                <a:latin typeface="Calibri"/>
+                <a:ea typeface="Calibri"/>
+                <a:cs typeface="Calibri"/>
+                <a:sym typeface="Calibri"/>
+              </a:rPr>
+              <a:t>Community X </a:t>
+            </a:r>
+            <a:r>
+              <a:rPr lang="en" sz="1000">
+                <a:solidFill>
+                  <a:schemeClr val="dk1"/>
+                </a:solidFill>
+                <a:latin typeface="Calibri"/>
+                <a:ea typeface="Calibri"/>
+                <a:cs typeface="Calibri"/>
+                <a:sym typeface="Calibri"/>
+              </a:rPr>
+              <a:t>households spend 30% or more of their annual income on housing costs. This high housing cost burden can further strain already limited finances.</a:t>
+            </a:r>
+            <a:endParaRPr sz="1000">
+              <a:solidFill>
+                <a:schemeClr val="dk1"/>
+              </a:solidFill>
+              <a:latin typeface="Calibri"/>
+              <a:ea typeface="Calibri"/>
+              <a:cs typeface="Calibri"/>
+              <a:sym typeface="Calibri"/>
+            </a:endParaRPr>
+          </a:p>
+          <a:p>
+            <a:pPr indent="0" lvl="0" marL="457200" rtl="0" algn="l">
+              <a:spcBef>
+                <a:spcPts val="800"/>
+              </a:spcBef>
+              <a:spcAft>
+                <a:spcPts val="0"/>
+              </a:spcAft>
+              <a:buNone/>
+            </a:pPr>
+            <a:r>
+              <a:t/>
+            </a:r>
+            <a:endParaRPr sz="900">
+              <a:solidFill>
+                <a:schemeClr val="dk2"/>
               </a:solidFill>
             </a:endParaRPr>
           </a:p>
-          <a:p>
-            <a:pPr indent="0" lvl="0" marL="0" rtl="0" algn="ctr">
-              <a:spcBef>
-                <a:spcPts val="0"/>
-              </a:spcBef>
-              <a:spcAft>
-                <a:spcPts val="0"/>
-              </a:spcAft>
-              <a:buNone/>
-            </a:pPr>
-            <a:r>
-              <a:rPr lang="en" sz="1800">
-                <a:solidFill>
-                  <a:schemeClr val="dk1"/>
-                </a:solidFill>
-              </a:rPr>
-              <a:t>(charts, graphs, etc.)</a:t>
-            </a:r>
-            <a:endParaRPr sz="1800">
-              <a:solidFill>
-                <a:schemeClr val="dk1"/>
-              </a:solidFill>
-            </a:endParaRPr>
-          </a:p>
         </p:txBody>
       </p:sp>
+      <p:pic>
+        <p:nvPicPr>
+          <p:cNvPr id="115" name="Google Shape;115;p19"/>
+          <p:cNvPicPr preferRelativeResize="0"/>
+          <p:nvPr/>
+        </p:nvPicPr>
+        <p:blipFill>
+          <a:blip r:embed="rId4">
+            <a:alphaModFix/>
+          </a:blip>
+          <a:stretch>
+            <a:fillRect/>
+          </a:stretch>
+        </p:blipFill>
+        <p:spPr>
+          <a:xfrm>
+            <a:off x="1017151" y="2225401"/>
+            <a:ext cx="157225" cy="157225"/>
+          </a:xfrm>
+          <a:prstGeom prst="rect">
+            <a:avLst/>
+          </a:prstGeom>
+          <a:noFill/>
+          <a:ln>
+            <a:noFill/>
+          </a:ln>
+        </p:spPr>
+      </p:pic>
     </p:spTree>
   </p:cSld>
   <p:clrMapOvr>
@@ -13135,7 +13317,7 @@
   <p:cSld>
     <p:spTree>
       <p:nvGrpSpPr>
-        <p:cNvPr id="117" name="Shape 117"/>
+        <p:cNvPr id="119" name="Shape 119"/>
         <p:cNvGrpSpPr/>
         <p:nvPr/>
       </p:nvGrpSpPr>
@@ -13149,7 +13331,7 @@
       </p:grpSpPr>
       <p:sp>
         <p:nvSpPr>
-          <p:cNvPr id="118" name="Google Shape;118;p20"/>
+          <p:cNvPr id="120" name="Google Shape;120;p20"/>
           <p:cNvSpPr txBox="1"/>
           <p:nvPr>
             <p:ph idx="4294967295" type="body"/>
@@ -13180,11 +13362,6 @@
               <a:spcAft>
                 <a:spcPts val="0"/>
               </a:spcAft>
-              <a:buClr>
-                <a:schemeClr val="dk1"/>
-              </a:buClr>
-              <a:buSzPts val="1100"/>
-              <a:buFont typeface="Arial"/>
               <a:buNone/>
             </a:pPr>
             <a:r>
@@ -13201,11 +13378,6 @@
               <a:spcAft>
                 <a:spcPts val="0"/>
               </a:spcAft>
-              <a:buClr>
-                <a:schemeClr val="dk1"/>
-              </a:buClr>
-              <a:buSzPts val="1100"/>
-              <a:buFont typeface="Arial"/>
               <a:buNone/>
             </a:pPr>
             <a:r>
@@ -13222,11 +13394,6 @@
               <a:spcAft>
                 <a:spcPts val="0"/>
               </a:spcAft>
-              <a:buClr>
-                <a:schemeClr val="dk1"/>
-              </a:buClr>
-              <a:buSzPts val="1100"/>
-              <a:buFont typeface="Arial"/>
               <a:buNone/>
             </a:pPr>
             <a:r>
@@ -13243,16 +13410,27 @@
               <a:spcAft>
                 <a:spcPts val="0"/>
               </a:spcAft>
-              <a:buClr>
-                <a:schemeClr val="dk1"/>
-              </a:buClr>
-              <a:buSzPts val="1100"/>
-              <a:buFont typeface="Arial"/>
+              <a:buNone/>
+            </a:pPr>
+            <a:r>
+              <a:rPr lang="en" sz="900" u="sng"/>
+              <a:t>Community X</a:t>
+            </a:r>
+            <a:endParaRPr sz="900" u="sng"/>
+          </a:p>
+          <a:p>
+            <a:pPr indent="0" lvl="0" marL="0" rtl="0" algn="l">
+              <a:spcBef>
+                <a:spcPts val="1200"/>
+              </a:spcBef>
+              <a:spcAft>
+                <a:spcPts val="0"/>
+              </a:spcAft>
               <a:buNone/>
             </a:pPr>
             <a:r>
               <a:rPr lang="en" sz="900"/>
-              <a:t>Community X</a:t>
+              <a:t>•Demographics</a:t>
             </a:r>
             <a:endParaRPr sz="900"/>
           </a:p>
@@ -13264,16 +13442,11 @@
               <a:spcAft>
                 <a:spcPts val="0"/>
               </a:spcAft>
-              <a:buClr>
-                <a:schemeClr val="dk1"/>
-              </a:buClr>
-              <a:buSzPts val="1100"/>
-              <a:buFont typeface="Arial"/>
               <a:buNone/>
             </a:pPr>
             <a:r>
               <a:rPr lang="en" sz="900"/>
-              <a:t>• Demographics</a:t>
+              <a:t>•Socioeconomics</a:t>
             </a:r>
             <a:endParaRPr sz="900"/>
           </a:p>
@@ -13285,66 +13458,11 @@
               <a:spcAft>
                 <a:spcPts val="0"/>
               </a:spcAft>
-              <a:buClr>
-                <a:schemeClr val="dk1"/>
-              </a:buClr>
-              <a:buSzPts val="1100"/>
-              <a:buFont typeface="Arial"/>
-              <a:buNone/>
-            </a:pPr>
-            <a:r>
-              <a:rPr lang="en" sz="900"/>
-              <a:t>• Socioeconomics</a:t>
-            </a:r>
-            <a:endParaRPr sz="900"/>
-          </a:p>
-          <a:p>
-            <a:pPr indent="0" lvl="0" marL="0" rtl="0" algn="l">
-              <a:spcBef>
-                <a:spcPts val="1200"/>
-              </a:spcBef>
-              <a:spcAft>
-                <a:spcPts val="0"/>
-              </a:spcAft>
-              <a:buClr>
-                <a:schemeClr val="dk1"/>
-              </a:buClr>
-              <a:buSzPts val="1100"/>
-              <a:buFont typeface="Arial"/>
               <a:buNone/>
             </a:pPr>
             <a:r>
               <a:rPr lang="en" sz="900"/>
               <a:t>• Health Outcomes</a:t>
-            </a:r>
-            <a:endParaRPr sz="900"/>
-          </a:p>
-          <a:p>
-            <a:pPr indent="0" lvl="0" marL="0" rtl="0" algn="l">
-              <a:spcBef>
-                <a:spcPts val="1200"/>
-              </a:spcBef>
-              <a:spcAft>
-                <a:spcPts val="0"/>
-              </a:spcAft>
-              <a:buClr>
-                <a:schemeClr val="dk1"/>
-              </a:buClr>
-              <a:buSzPts val="1100"/>
-              <a:buFont typeface="Arial"/>
-              <a:buNone/>
-            </a:pPr>
-            <a:r>
-              <a:rPr lang="en" sz="900"/>
-              <a:t>• </a:t>
-            </a:r>
-            <a:r>
-              <a:rPr lang="en" sz="900">
-                <a:highlight>
-                  <a:srgbClr val="F4CCCC"/>
-                </a:highlight>
-              </a:rPr>
-              <a:t>Hospitalization</a:t>
             </a:r>
             <a:endParaRPr sz="900">
               <a:highlight>
@@ -13360,11 +13478,6 @@
               <a:spcAft>
                 <a:spcPts val="0"/>
               </a:spcAft>
-              <a:buClr>
-                <a:schemeClr val="dk1"/>
-              </a:buClr>
-              <a:buSzPts val="1100"/>
-              <a:buFont typeface="Arial"/>
               <a:buNone/>
             </a:pPr>
             <a:r>
@@ -13381,11 +13494,6 @@
               <a:spcAft>
                 <a:spcPts val="0"/>
               </a:spcAft>
-              <a:buClr>
-                <a:schemeClr val="dk1"/>
-              </a:buClr>
-              <a:buSzPts val="1100"/>
-              <a:buFont typeface="Arial"/>
               <a:buNone/>
             </a:pPr>
             <a:r>
@@ -13419,7 +13527,7 @@
       </p:sp>
       <p:sp>
         <p:nvSpPr>
-          <p:cNvPr id="119" name="Google Shape;119;p20"/>
+          <p:cNvPr id="121" name="Google Shape;121;p20"/>
           <p:cNvSpPr txBox="1"/>
           <p:nvPr/>
         </p:nvSpPr>
@@ -13457,7 +13565,7 @@
                   <a:schemeClr val="dk1"/>
                 </a:solidFill>
               </a:rPr>
-              <a:t>Health Behaviors</a:t>
+              <a:t>Health Outcomes</a:t>
             </a:r>
             <a:endParaRPr b="1" sz="1800">
               <a:solidFill>
@@ -13478,7 +13586,7 @@
             <a:r>
               <a:t/>
             </a:r>
-            <a:endParaRPr i="1" sz="1200">
+            <a:endParaRPr b="1" sz="1300">
               <a:solidFill>
                 <a:schemeClr val="dk1"/>
               </a:solidFill>
@@ -13492,11 +13600,6 @@
               <a:spcAft>
                 <a:spcPts val="0"/>
               </a:spcAft>
-              <a:buClr>
-                <a:schemeClr val="dk1"/>
-              </a:buClr>
-              <a:buSzPts val="1100"/>
-              <a:buFont typeface="Arial"/>
               <a:buNone/>
             </a:pPr>
             <a:r>
@@ -13505,9 +13608,47 @@
                   <a:schemeClr val="dk1"/>
                 </a:solidFill>
               </a:rPr>
-              <a:t>Health behaviors are individual actions we take to prevent illnesses and stay healthy, such as exercising and eating a balanced diet. These habits are greatly influenced by the social and economic conditions in which people live. For example, it’s hard to go outside for a walk to exercise if you don’t feel safe in your neighborhood.</a:t>
-            </a:r>
-            <a:endParaRPr i="1" sz="1200">
+              <a:t>Health outcomes are the ways we measure the health and well-being of a community. They are influenced by factors like social conditions, access to medical care, and the health choices people make.</a:t>
+            </a:r>
+            <a:endParaRPr sz="1300">
+              <a:solidFill>
+                <a:schemeClr val="dk1"/>
+              </a:solidFill>
+            </a:endParaRPr>
+          </a:p>
+          <a:p>
+            <a:pPr indent="0" lvl="0" marL="0" rtl="0" algn="l">
+              <a:spcBef>
+                <a:spcPts val="0"/>
+              </a:spcBef>
+              <a:spcAft>
+                <a:spcPts val="0"/>
+              </a:spcAft>
+              <a:buNone/>
+            </a:pPr>
+            <a:r>
+              <a:t/>
+            </a:r>
+            <a:endParaRPr sz="1200">
+              <a:solidFill>
+                <a:schemeClr val="dk1"/>
+              </a:solidFill>
+            </a:endParaRPr>
+          </a:p>
+          <a:p>
+            <a:pPr indent="0" lvl="0" marL="0" rtl="0" algn="l">
+              <a:spcBef>
+                <a:spcPts val="0"/>
+              </a:spcBef>
+              <a:spcAft>
+                <a:spcPts val="0"/>
+              </a:spcAft>
+              <a:buNone/>
+            </a:pPr>
+            <a:r>
+              <a:t/>
+            </a:r>
+            <a:endParaRPr sz="1300">
               <a:solidFill>
                 <a:schemeClr val="dk1"/>
               </a:solidFill>
@@ -13517,14 +13658,14 @@
       </p:sp>
       <p:sp>
         <p:nvSpPr>
-          <p:cNvPr id="120" name="Google Shape;120;p20"/>
+          <p:cNvPr id="122" name="Google Shape;122;p20"/>
           <p:cNvSpPr txBox="1"/>
           <p:nvPr/>
         </p:nvSpPr>
         <p:spPr>
           <a:xfrm>
-            <a:off x="1330500" y="3468525"/>
-            <a:ext cx="4526700" cy="1488600"/>
+            <a:off x="1330500" y="4254125"/>
+            <a:ext cx="7154400" cy="703200"/>
           </a:xfrm>
           <a:prstGeom prst="rect">
             <a:avLst/>
@@ -13593,14 +13734,14 @@
       </p:sp>
       <p:sp>
         <p:nvSpPr>
-          <p:cNvPr id="121" name="Google Shape;121;p20"/>
+          <p:cNvPr id="123" name="Google Shape;123;p20"/>
           <p:cNvSpPr txBox="1"/>
           <p:nvPr/>
         </p:nvSpPr>
         <p:spPr>
           <a:xfrm>
-            <a:off x="1330500" y="1813675"/>
-            <a:ext cx="2887200" cy="1358400"/>
+            <a:off x="5597700" y="1912000"/>
+            <a:ext cx="2887200" cy="2297700"/>
           </a:xfrm>
           <a:prstGeom prst="rect">
             <a:avLst/>
@@ -13633,7 +13774,7 @@
                   <a:schemeClr val="dk1"/>
                 </a:solidFill>
               </a:rPr>
-              <a:t>Figures </a:t>
+              <a:t>Infographics</a:t>
             </a:r>
             <a:endParaRPr sz="1800">
               <a:solidFill>
@@ -13657,11 +13798,109 @@
                   <a:schemeClr val="dk1"/>
                 </a:solidFill>
               </a:rPr>
-              <a:t>(charts, graphs, etc.)</a:t>
+              <a:t>(charts, graphs,illustrations etc.)</a:t>
             </a:r>
             <a:endParaRPr sz="1800">
               <a:solidFill>
                 <a:schemeClr val="dk1"/>
+              </a:solidFill>
+            </a:endParaRPr>
+          </a:p>
+          <a:p>
+            <a:pPr indent="0" lvl="0" marL="0" rtl="0" algn="l">
+              <a:spcBef>
+                <a:spcPts val="0"/>
+              </a:spcBef>
+              <a:spcAft>
+                <a:spcPts val="0"/>
+              </a:spcAft>
+              <a:buNone/>
+            </a:pPr>
+            <a:r>
+              <a:t/>
+            </a:r>
+            <a:endParaRPr sz="1800">
+              <a:solidFill>
+                <a:schemeClr val="dk1"/>
+              </a:solidFill>
+            </a:endParaRPr>
+          </a:p>
+          <a:p>
+            <a:pPr indent="0" lvl="0" marL="0" rtl="0" algn="l">
+              <a:spcBef>
+                <a:spcPts val="0"/>
+              </a:spcBef>
+              <a:spcAft>
+                <a:spcPts val="0"/>
+              </a:spcAft>
+              <a:buNone/>
+            </a:pPr>
+            <a:r>
+              <a:t/>
+            </a:r>
+            <a:endParaRPr sz="1000">
+              <a:solidFill>
+                <a:schemeClr val="dk1"/>
+              </a:solidFill>
+            </a:endParaRPr>
+          </a:p>
+        </p:txBody>
+      </p:sp>
+      <p:sp>
+        <p:nvSpPr>
+          <p:cNvPr id="124" name="Google Shape;124;p20"/>
+          <p:cNvSpPr txBox="1"/>
+          <p:nvPr/>
+        </p:nvSpPr>
+        <p:spPr>
+          <a:xfrm>
+            <a:off x="1330500" y="1912000"/>
+            <a:ext cx="4009800" cy="2297700"/>
+          </a:xfrm>
+          <a:prstGeom prst="rect">
+            <a:avLst/>
+          </a:prstGeom>
+          <a:solidFill>
+            <a:srgbClr val="CFE2F3"/>
+          </a:solidFill>
+          <a:ln>
+            <a:noFill/>
+          </a:ln>
+        </p:spPr>
+        <p:txBody>
+          <a:bodyPr anchorCtr="0" anchor="t" bIns="91425" lIns="91425" spcFirstLastPara="1" rIns="91425" wrap="square" tIns="91425">
+            <a:noAutofit/>
+          </a:bodyPr>
+          <a:lstStyle/>
+          <a:p>
+            <a:pPr indent="0" lvl="0" marL="0" rtl="0" algn="l">
+              <a:spcBef>
+                <a:spcPts val="0"/>
+              </a:spcBef>
+              <a:spcAft>
+                <a:spcPts val="0"/>
+              </a:spcAft>
+              <a:buNone/>
+            </a:pPr>
+            <a:r>
+              <a:rPr lang="en" sz="1200">
+                <a:solidFill>
+                  <a:schemeClr val="dk2"/>
+                </a:solidFill>
+              </a:rPr>
+              <a:t>3-5 </a:t>
+            </a:r>
+            <a:r>
+              <a:rPr lang="en" sz="1200">
+                <a:solidFill>
+                  <a:schemeClr val="dk2"/>
+                </a:solidFill>
+              </a:rPr>
+              <a:t>insights interpreting the raw data found in the data table below</a:t>
+            </a:r>
+            <a:endParaRPr sz="1200">
+              <a:solidFill>
+                <a:schemeClr val="dk2"/>
               </a:solidFill>
             </a:endParaRPr>
           </a:p>
@@ -13680,7 +13919,7 @@
   <p:cSld>
     <p:spTree>
       <p:nvGrpSpPr>
-        <p:cNvPr id="125" name="Shape 125"/>
+        <p:cNvPr id="128" name="Shape 128"/>
         <p:cNvGrpSpPr/>
         <p:nvPr/>
       </p:nvGrpSpPr>
@@ -13694,7 +13933,7 @@
       </p:grpSpPr>
       <p:sp>
         <p:nvSpPr>
-          <p:cNvPr id="126" name="Google Shape;126;p21"/>
+          <p:cNvPr id="129" name="Google Shape;129;p21"/>
           <p:cNvSpPr txBox="1"/>
           <p:nvPr>
             <p:ph idx="4294967295" type="body"/>
@@ -13862,35 +14101,6 @@
               <a:rPr lang="en" sz="900"/>
               <a:t>• Health Outcomes</a:t>
             </a:r>
-            <a:endParaRPr sz="900"/>
-          </a:p>
-          <a:p>
-            <a:pPr indent="0" lvl="0" marL="0" rtl="0" algn="l">
-              <a:spcBef>
-                <a:spcPts val="1200"/>
-              </a:spcBef>
-              <a:spcAft>
-                <a:spcPts val="0"/>
-              </a:spcAft>
-              <a:buClr>
-                <a:schemeClr val="dk1"/>
-              </a:buClr>
-              <a:buSzPts val="1100"/>
-              <a:buFont typeface="Arial"/>
-              <a:buNone/>
-            </a:pPr>
-            <a:r>
-              <a:rPr lang="en" sz="900"/>
-              <a:t>• </a:t>
-            </a:r>
-            <a:r>
-              <a:rPr lang="en" sz="900">
-                <a:highlight>
-                  <a:srgbClr val="F4CCCC"/>
-                </a:highlight>
-              </a:rPr>
-              <a:t>Hospitalization</a:t>
-            </a:r>
             <a:endParaRPr sz="900">
               <a:highlight>
                 <a:srgbClr val="F4CCCC"/>
@@ -13964,7 +14174,7 @@
       </p:sp>
       <p:sp>
         <p:nvSpPr>
-          <p:cNvPr id="127" name="Google Shape;127;p21"/>
+          <p:cNvPr id="130" name="Google Shape;130;p21"/>
           <p:cNvSpPr txBox="1"/>
           <p:nvPr/>
         </p:nvSpPr>
@@ -14002,7 +14212,7 @@
                   <a:schemeClr val="dk1"/>
                 </a:solidFill>
               </a:rPr>
-              <a:t>Neighborhood and Physical Environment</a:t>
+              <a:t>Health Care</a:t>
             </a:r>
             <a:endParaRPr b="1" sz="1800">
               <a:solidFill>
@@ -14021,6 +14231,30 @@
               <a:buNone/>
             </a:pPr>
             <a:r>
+              <a:rPr lang="en" sz="1300">
+                <a:solidFill>
+                  <a:schemeClr val="dk1"/>
+                </a:solidFill>
+              </a:rPr>
+              <a:t>Community members’ access to quality health care.</a:t>
+            </a:r>
+            <a:endParaRPr sz="1300">
+              <a:solidFill>
+                <a:schemeClr val="dk1"/>
+              </a:solidFill>
+            </a:endParaRPr>
+          </a:p>
+          <a:p>
+            <a:pPr indent="0" lvl="0" marL="0" rtl="0" algn="l">
+              <a:spcBef>
+                <a:spcPts val="0"/>
+              </a:spcBef>
+              <a:spcAft>
+                <a:spcPts val="0"/>
+              </a:spcAft>
+              <a:buNone/>
+            </a:pPr>
+            <a:r>
               <a:t/>
             </a:r>
             <a:endParaRPr sz="1200">
@@ -14045,7 +14279,15 @@
                   <a:schemeClr val="dk1"/>
                 </a:solidFill>
               </a:rPr>
-              <a:t>The neighborhood and physical environment refer to the natural and man-made surroundings in which people live, work, and play. This includes This includes factors like air and water quality, housing, and neighborhood safety.</a:t>
+              <a:t>Access to quality healthcare services plays a vital role in preventing and managing diseases while promoting health equity.</a:t>
+            </a:r>
+            <a:r>
+              <a:rPr lang="en" sz="1300">
+                <a:solidFill>
+                  <a:schemeClr val="dk1"/>
+                </a:solidFill>
+              </a:rPr>
+              <a:t> However, high costs, insufficient insurance coverage, and limited availability of quality services often create significant barriers to clinical care.</a:t>
             </a:r>
             <a:endParaRPr sz="1300">
               <a:solidFill>
@@ -14057,14 +14299,14 @@
       </p:sp>
       <p:sp>
         <p:nvSpPr>
-          <p:cNvPr id="128" name="Google Shape;128;p21"/>
+          <p:cNvPr id="131" name="Google Shape;131;p21"/>
           <p:cNvSpPr txBox="1"/>
           <p:nvPr/>
         </p:nvSpPr>
         <p:spPr>
           <a:xfrm>
-            <a:off x="1330500" y="3468525"/>
-            <a:ext cx="4526700" cy="1488600"/>
+            <a:off x="1330500" y="4254125"/>
+            <a:ext cx="7154400" cy="703200"/>
           </a:xfrm>
           <a:prstGeom prst="rect">
             <a:avLst/>
@@ -14133,14 +14375,14 @@
       </p:sp>
       <p:sp>
         <p:nvSpPr>
-          <p:cNvPr id="129" name="Google Shape;129;p21"/>
+          <p:cNvPr id="132" name="Google Shape;132;p21"/>
           <p:cNvSpPr txBox="1"/>
           <p:nvPr/>
         </p:nvSpPr>
         <p:spPr>
           <a:xfrm>
-            <a:off x="1330500" y="1813675"/>
-            <a:ext cx="2887200" cy="1358400"/>
+            <a:off x="5597700" y="1912000"/>
+            <a:ext cx="2887200" cy="2297700"/>
           </a:xfrm>
           <a:prstGeom prst="rect">
             <a:avLst/>
@@ -14173,7 +14415,7 @@
                   <a:schemeClr val="dk1"/>
                 </a:solidFill>
               </a:rPr>
-              <a:t>Figures </a:t>
+              <a:t>Infographics</a:t>
             </a:r>
             <a:endParaRPr sz="1800">
               <a:solidFill>
@@ -14197,11 +14439,90 @@
                   <a:schemeClr val="dk1"/>
                 </a:solidFill>
               </a:rPr>
-              <a:t>(charts, graphs, etc.)</a:t>
+              <a:t>(charts, graphs,illustrations etc.)</a:t>
             </a:r>
             <a:endParaRPr sz="1800">
               <a:solidFill>
                 <a:schemeClr val="dk1"/>
+              </a:solidFill>
+            </a:endParaRPr>
+          </a:p>
+          <a:p>
+            <a:pPr indent="0" lvl="0" marL="0" rtl="0" algn="l">
+              <a:spcBef>
+                <a:spcPts val="0"/>
+              </a:spcBef>
+              <a:spcAft>
+                <a:spcPts val="0"/>
+              </a:spcAft>
+              <a:buNone/>
+            </a:pPr>
+            <a:r>
+              <a:t/>
+            </a:r>
+            <a:endParaRPr sz="1000">
+              <a:solidFill>
+                <a:schemeClr val="dk1"/>
+              </a:solidFill>
+            </a:endParaRPr>
+          </a:p>
+        </p:txBody>
+      </p:sp>
+      <p:sp>
+        <p:nvSpPr>
+          <p:cNvPr id="133" name="Google Shape;133;p21"/>
+          <p:cNvSpPr txBox="1"/>
+          <p:nvPr/>
+        </p:nvSpPr>
+        <p:spPr>
+          <a:xfrm>
+            <a:off x="1330500" y="1912000"/>
+            <a:ext cx="4009800" cy="2297700"/>
+          </a:xfrm>
+          <a:prstGeom prst="rect">
+            <a:avLst/>
+          </a:prstGeom>
+          <a:solidFill>
+            <a:srgbClr val="CFE2F3"/>
+          </a:solidFill>
+          <a:ln>
+            <a:noFill/>
+          </a:ln>
+        </p:spPr>
+        <p:txBody>
+          <a:bodyPr anchorCtr="0" anchor="t" bIns="91425" lIns="91425" spcFirstLastPara="1" rIns="91425" wrap="square" tIns="91425">
+            <a:noAutofit/>
+          </a:bodyPr>
+          <a:lstStyle/>
+          <a:p>
+            <a:pPr indent="0" lvl="0" marL="0" rtl="0" algn="l">
+              <a:spcBef>
+                <a:spcPts val="0"/>
+              </a:spcBef>
+              <a:spcAft>
+                <a:spcPts val="0"/>
+              </a:spcAft>
+              <a:buNone/>
+            </a:pPr>
+            <a:r>
+              <a:rPr lang="en" sz="1200">
+                <a:solidFill>
+                  <a:schemeClr val="dk2"/>
+                </a:solidFill>
+              </a:rPr>
+              <a:t>3-5</a:t>
+            </a:r>
+            <a:r>
+              <a:rPr lang="en" sz="1200">
+                <a:solidFill>
+                  <a:schemeClr val="dk2"/>
+                </a:solidFill>
+              </a:rPr>
+              <a:t> insights interpreting the raw data found in the data table below</a:t>
+            </a:r>
+            <a:endParaRPr sz="1200">
+              <a:solidFill>
+                <a:schemeClr val="dk2"/>
               </a:solidFill>
             </a:endParaRPr>
           </a:p>
